--- a/Artifacts/SAD_PresentationLayer_SEGroup1.pptx
+++ b/Artifacts/SAD_PresentationLayer_SEGroup1.pptx
@@ -2,13 +2,13 @@
 <file path=ppt/presentation.xml><?xml version="1.0" encoding="utf-8"?>
 <p:presentation xmlns:a="http://schemas.openxmlformats.org/drawingml/2006/main" xmlns:r="http://schemas.openxmlformats.org/officeDocument/2006/relationships" xmlns:p="http://schemas.openxmlformats.org/presentationml/2006/main" saveSubsetFonts="1">
   <p:sldMasterIdLst>
-    <p:sldMasterId id="2147483660" r:id="rId1"/>
+    <p:sldMasterId id="2147483672" r:id="rId1"/>
   </p:sldMasterIdLst>
   <p:sldIdLst>
     <p:sldId id="257" r:id="rId2"/>
   </p:sldIdLst>
-  <p:sldSz cx="9144000" cy="6858000" type="screen4x3"/>
-  <p:notesSz cx="6858000" cy="9144000"/>
+  <p:sldSz cx="12192000" cy="12161838"/>
+  <p:notesSz cx="9144000" cy="6858000"/>
   <p:defaultTextStyle>
     <a:defPPr>
       <a:defRPr lang="en-US"/>
@@ -104,6 +104,22 @@
       </a:defRPr>
     </a:lvl9pPr>
   </p:defaultTextStyle>
+  <p:extLst>
+    <p:ext uri="{EFAFB233-063F-42B5-8137-9DF3F51BA10A}">
+      <p15:sldGuideLst xmlns:p15="http://schemas.microsoft.com/office/powerpoint/2012/main">
+        <p15:guide id="1" orient="horz" pos="3830" userDrawn="1">
+          <p15:clr>
+            <a:srgbClr val="A4A3A4"/>
+          </p15:clr>
+        </p15:guide>
+        <p15:guide id="2" pos="3840" userDrawn="1">
+          <p15:clr>
+            <a:srgbClr val="A4A3A4"/>
+          </p15:clr>
+        </p15:guide>
+      </p15:sldGuideLst>
+    </p:ext>
+  </p:extLst>
 </p:presentation>
 </file>
 
@@ -893,7 +909,7 @@
 <dgm:dataModel xmlns:dgm="http://schemas.openxmlformats.org/drawingml/2006/diagram" xmlns:a="http://schemas.openxmlformats.org/drawingml/2006/main">
   <dgm:ptLst>
     <dgm:pt modelId="{C75F104F-C373-451D-81EC-1660453568D4}" type="doc">
-      <dgm:prSet loTypeId="urn:microsoft.com/office/officeart/2008/layout/HorizontalMultiLevelHierarchy" loCatId="hierarchy" qsTypeId="urn:microsoft.com/office/officeart/2005/8/quickstyle/simple1" qsCatId="simple" csTypeId="urn:microsoft.com/office/officeart/2005/8/colors/colorful3" csCatId="colorful" phldr="1"/>
+      <dgm:prSet loTypeId="urn:microsoft.com/office/officeart/2005/8/layout/process4" loCatId="process" qsTypeId="urn:microsoft.com/office/officeart/2005/8/quickstyle/simple1" qsCatId="simple" csTypeId="urn:microsoft.com/office/officeart/2005/8/colors/colorful3" csCatId="colorful" phldr="1"/>
       <dgm:spPr/>
       <dgm:t>
         <a:bodyPr/>
@@ -903,25 +919,30 @@
         </a:p>
       </dgm:t>
     </dgm:pt>
-    <dgm:pt modelId="{C9AE3F6B-C08B-442D-A5E7-2F2FC22BB9C1}">
-      <dgm:prSet phldrT="[Text]" custT="1"/>
+    <dgm:pt modelId="{44D79857-1466-4E8C-9BF9-BE6992CE3AA8}">
+      <dgm:prSet/>
       <dgm:spPr>
         <a:solidFill>
           <a:srgbClr val="C00000"/>
         </a:solidFill>
+        <a:ln>
+          <a:solidFill>
+            <a:schemeClr val="tx1"/>
+          </a:solidFill>
+        </a:ln>
       </dgm:spPr>
       <dgm:t>
         <a:bodyPr/>
         <a:lstStyle/>
         <a:p>
           <a:r>
-            <a:rPr lang="en-US" sz="4000" dirty="0"/>
+            <a:rPr lang="en-US"/>
             <a:t>Presentation Layer</a:t>
           </a:r>
         </a:p>
       </dgm:t>
     </dgm:pt>
-    <dgm:pt modelId="{BAF4943A-B4D7-4D43-996A-B09CE53F402B}" type="parTrans" cxnId="{73A57490-15FB-4B4D-B37D-8649C3DC2223}">
+    <dgm:pt modelId="{279B2B5D-53DC-4034-BCFE-901B1DF14105}" type="parTrans" cxnId="{64AC762A-C3EA-4424-8D28-BF262A4A3736}">
       <dgm:prSet/>
       <dgm:spPr/>
       <dgm:t>
@@ -932,7 +953,7 @@
         </a:p>
       </dgm:t>
     </dgm:pt>
-    <dgm:pt modelId="{7A88A129-AEFC-4923-8E73-E4FBBF39D976}" type="sibTrans" cxnId="{73A57490-15FB-4B4D-B37D-8649C3DC2223}">
+    <dgm:pt modelId="{2E8BA1D8-4B89-4D36-91D1-BB8B478FB30D}" type="sibTrans" cxnId="{64AC762A-C3EA-4424-8D28-BF262A4A3736}">
       <dgm:prSet/>
       <dgm:spPr/>
       <dgm:t>
@@ -943,25 +964,34 @@
         </a:p>
       </dgm:t>
     </dgm:pt>
-    <dgm:pt modelId="{F85398A1-9926-439F-A513-6B46E870CC2D}">
-      <dgm:prSet phldrT="[Text]"/>
+    <dgm:pt modelId="{0049C451-C9E0-4152-835D-7F5B1FEEE42E}">
+      <dgm:prSet custT="1"/>
       <dgm:spPr>
         <a:solidFill>
-          <a:srgbClr val="FF7979"/>
+          <a:srgbClr val="FF5757">
+            <a:alpha val="89804"/>
+          </a:srgbClr>
         </a:solidFill>
+        <a:ln>
+          <a:solidFill>
+            <a:schemeClr val="tx1">
+              <a:alpha val="90000"/>
+            </a:schemeClr>
+          </a:solidFill>
+        </a:ln>
       </dgm:spPr>
       <dgm:t>
         <a:bodyPr/>
         <a:lstStyle/>
         <a:p>
           <a:r>
-            <a:rPr lang="en-US" dirty="0"/>
-            <a:t>UI Components</a:t>
+            <a:rPr lang="en-US" sz="1800" dirty="0"/>
+            <a:t>GUI Components</a:t>
           </a:r>
         </a:p>
       </dgm:t>
     </dgm:pt>
-    <dgm:pt modelId="{051C9ECE-4878-4ACF-8446-2E2DAC27F377}" type="parTrans" cxnId="{2A3441AC-7F35-48CC-AB58-80BAACB7CA13}">
+    <dgm:pt modelId="{0E965D5D-1D16-4978-8A0D-7F2DB1E52C23}" type="parTrans" cxnId="{620609DD-AA53-4B10-B5EA-A7ABD9BC7353}">
       <dgm:prSet/>
       <dgm:spPr/>
       <dgm:t>
@@ -972,7 +1002,7 @@
         </a:p>
       </dgm:t>
     </dgm:pt>
-    <dgm:pt modelId="{67B8420E-E881-4F7C-A76A-B366291E29AE}" type="sibTrans" cxnId="{2A3441AC-7F35-48CC-AB58-80BAACB7CA13}">
+    <dgm:pt modelId="{FCEF7111-D774-4DC3-A414-318C2BB78952}" type="sibTrans" cxnId="{620609DD-AA53-4B10-B5EA-A7ABD9BC7353}">
       <dgm:prSet/>
       <dgm:spPr/>
       <dgm:t>
@@ -983,25 +1013,34 @@
         </a:p>
       </dgm:t>
     </dgm:pt>
-    <dgm:pt modelId="{39B16B9F-92DF-4D6B-BCCD-221AF5C220E1}">
-      <dgm:prSet phldrT="[Text]"/>
+    <dgm:pt modelId="{C5B33DE7-EDCE-4205-AAF2-1EB451564FF1}">
+      <dgm:prSet custT="1"/>
       <dgm:spPr>
         <a:solidFill>
-          <a:srgbClr val="FF7979"/>
+          <a:srgbClr val="FF7171">
+            <a:alpha val="89804"/>
+          </a:srgbClr>
         </a:solidFill>
+        <a:ln>
+          <a:solidFill>
+            <a:schemeClr val="tx1">
+              <a:alpha val="90000"/>
+            </a:schemeClr>
+          </a:solidFill>
+        </a:ln>
       </dgm:spPr>
       <dgm:t>
         <a:bodyPr/>
         <a:lstStyle/>
         <a:p>
           <a:r>
-            <a:rPr lang="en-US" dirty="0"/>
-            <a:t>Web Interface</a:t>
+            <a:rPr lang="en-US" sz="1800" dirty="0"/>
+            <a:t>GUI Processes</a:t>
           </a:r>
         </a:p>
       </dgm:t>
     </dgm:pt>
-    <dgm:pt modelId="{149ED9E0-90A1-488B-8F46-A033AFF43626}" type="parTrans" cxnId="{E321E999-4812-4360-8D76-79898D31242A}">
+    <dgm:pt modelId="{E9EEC941-5360-4310-BD96-A4820C118E45}" type="parTrans" cxnId="{41912D48-E1E5-4EC8-B9C6-9E0780F238E2}">
       <dgm:prSet/>
       <dgm:spPr/>
       <dgm:t>
@@ -1012,16 +1051,30 @@
         </a:p>
       </dgm:t>
     </dgm:pt>
-    <dgm:pt modelId="{C832D9E0-F6D8-48FA-AF6C-924732A536CA}" type="sibTrans" cxnId="{E321E999-4812-4360-8D76-79898D31242A}">
+    <dgm:pt modelId="{DAF34CD9-2F0D-4AB2-984C-7D6C1BCA0811}" type="sibTrans" cxnId="{41912D48-E1E5-4EC8-B9C6-9E0780F238E2}">
       <dgm:prSet/>
       <dgm:spPr/>
-    </dgm:pt>
-    <dgm:pt modelId="{BCFF4A93-9408-4354-874B-C93970684E05}">
-      <dgm:prSet phldrT="[Text]"/>
+      <dgm:t>
+        <a:bodyPr/>
+        <a:lstStyle/>
+        <a:p>
+          <a:endParaRPr lang="en-US"/>
+        </a:p>
+      </dgm:t>
+    </dgm:pt>
+    <dgm:pt modelId="{FC8F8B7B-FFA3-409F-898F-0BC8FC908300}">
+      <dgm:prSet/>
       <dgm:spPr>
         <a:solidFill>
-          <a:srgbClr val="FF7979"/>
+          <a:schemeClr val="accent5">
+            <a:lumMod val="50000"/>
+          </a:schemeClr>
         </a:solidFill>
+        <a:ln>
+          <a:solidFill>
+            <a:schemeClr val="tx1"/>
+          </a:solidFill>
+        </a:ln>
       </dgm:spPr>
       <dgm:t>
         <a:bodyPr/>
@@ -1029,12 +1082,12 @@
         <a:p>
           <a:r>
             <a:rPr lang="en-US" dirty="0"/>
-            <a:t>UI Processes</a:t>
+            <a:t>Services Layer</a:t>
           </a:r>
         </a:p>
       </dgm:t>
     </dgm:pt>
-    <dgm:pt modelId="{D314EAE4-22E7-41E4-A3E2-AF9A938A45D2}" type="parTrans" cxnId="{2E5BC705-B424-4C49-9E98-578CBCA193C2}">
+    <dgm:pt modelId="{4D449367-D4A6-450B-A99A-BD4F10E7783C}" type="parTrans" cxnId="{55F7E16E-3016-4394-8234-4DBB1CF10866}">
       <dgm:prSet/>
       <dgm:spPr/>
       <dgm:t>
@@ -1045,145 +1098,1386 @@
         </a:p>
       </dgm:t>
     </dgm:pt>
-    <dgm:pt modelId="{C51E7D10-566F-4587-8B01-B1057377E5BB}" type="sibTrans" cxnId="{2E5BC705-B424-4C49-9E98-578CBCA193C2}">
+    <dgm:pt modelId="{7006DA4A-DC9B-4942-BA49-9C539020F98D}" type="sibTrans" cxnId="{55F7E16E-3016-4394-8234-4DBB1CF10866}">
       <dgm:prSet/>
       <dgm:spPr/>
-    </dgm:pt>
-    <dgm:pt modelId="{A1F702C8-EC79-4481-BEC7-33D4AF9B75C7}" type="pres">
+      <dgm:t>
+        <a:bodyPr/>
+        <a:lstStyle/>
+        <a:p>
+          <a:endParaRPr lang="en-US"/>
+        </a:p>
+      </dgm:t>
+    </dgm:pt>
+    <dgm:pt modelId="{CB8C7042-361F-414B-944F-BC1009A63090}">
+      <dgm:prSet custT="1"/>
+      <dgm:spPr>
+        <a:solidFill>
+          <a:schemeClr val="accent5">
+            <a:lumMod val="75000"/>
+            <a:alpha val="90000"/>
+          </a:schemeClr>
+        </a:solidFill>
+        <a:ln>
+          <a:solidFill>
+            <a:schemeClr val="tx1">
+              <a:alpha val="90000"/>
+            </a:schemeClr>
+          </a:solidFill>
+        </a:ln>
+      </dgm:spPr>
+      <dgm:t>
+        <a:bodyPr/>
+        <a:lstStyle/>
+        <a:p>
+          <a:r>
+            <a:rPr lang="en-US" sz="1800" dirty="0"/>
+            <a:t>Widgets &amp; Visualizations</a:t>
+          </a:r>
+          <a:endParaRPr lang="en-US" sz="1800" dirty="0"/>
+        </a:p>
+      </dgm:t>
+    </dgm:pt>
+    <dgm:pt modelId="{63A731B1-3F5B-4F55-A7F9-CAEFE4B28FD9}" type="parTrans" cxnId="{744BA441-1885-4A90-AA23-93AF3DDB6D5C}">
+      <dgm:prSet/>
+      <dgm:spPr/>
+      <dgm:t>
+        <a:bodyPr/>
+        <a:lstStyle/>
+        <a:p>
+          <a:endParaRPr lang="en-US"/>
+        </a:p>
+      </dgm:t>
+    </dgm:pt>
+    <dgm:pt modelId="{EF119994-7208-47C0-AD84-3D5D75E05C82}" type="sibTrans" cxnId="{744BA441-1885-4A90-AA23-93AF3DDB6D5C}">
+      <dgm:prSet/>
+      <dgm:spPr/>
+      <dgm:t>
+        <a:bodyPr/>
+        <a:lstStyle/>
+        <a:p>
+          <a:endParaRPr lang="en-US"/>
+        </a:p>
+      </dgm:t>
+    </dgm:pt>
+    <dgm:pt modelId="{A37A14EE-B97E-4627-A372-C54E468776EB}">
+      <dgm:prSet custT="1"/>
+      <dgm:spPr>
+        <a:solidFill>
+          <a:schemeClr val="accent5">
+            <a:alpha val="90000"/>
+          </a:schemeClr>
+        </a:solidFill>
+        <a:ln>
+          <a:solidFill>
+            <a:schemeClr val="tx1">
+              <a:alpha val="90000"/>
+            </a:schemeClr>
+          </a:solidFill>
+        </a:ln>
+      </dgm:spPr>
+      <dgm:t>
+        <a:bodyPr/>
+        <a:lstStyle/>
+        <a:p>
+          <a:r>
+            <a:rPr lang="en-US" sz="1800" dirty="0"/>
+            <a:t>HTML &amp; PDF view</a:t>
+          </a:r>
+        </a:p>
+      </dgm:t>
+    </dgm:pt>
+    <dgm:pt modelId="{C072911E-D48E-48DF-A624-4ED40F0C20F1}" type="parTrans" cxnId="{AC6CA252-C1C3-4051-A83C-5FF5A3367013}">
+      <dgm:prSet/>
+      <dgm:spPr/>
+      <dgm:t>
+        <a:bodyPr/>
+        <a:lstStyle/>
+        <a:p>
+          <a:endParaRPr lang="en-US"/>
+        </a:p>
+      </dgm:t>
+    </dgm:pt>
+    <dgm:pt modelId="{32D85E4B-A97A-4D08-A7ED-DDF63586C037}" type="sibTrans" cxnId="{AC6CA252-C1C3-4051-A83C-5FF5A3367013}">
+      <dgm:prSet/>
+      <dgm:spPr/>
+      <dgm:t>
+        <a:bodyPr/>
+        <a:lstStyle/>
+        <a:p>
+          <a:endParaRPr lang="en-US"/>
+        </a:p>
+      </dgm:t>
+    </dgm:pt>
+    <dgm:pt modelId="{ED1D9A2E-895C-40D4-80DA-018127588E26}">
+      <dgm:prSet/>
+      <dgm:spPr>
+        <a:solidFill>
+          <a:schemeClr val="accent5">
+            <a:lumMod val="60000"/>
+            <a:lumOff val="40000"/>
+            <a:alpha val="90000"/>
+          </a:schemeClr>
+        </a:solidFill>
+        <a:ln>
+          <a:solidFill>
+            <a:schemeClr val="tx1">
+              <a:alpha val="90000"/>
+            </a:schemeClr>
+          </a:solidFill>
+        </a:ln>
+      </dgm:spPr>
+      <dgm:t>
+        <a:bodyPr/>
+        <a:lstStyle/>
+        <a:p>
+          <a:r>
+            <a:rPr lang="en-US" dirty="0"/>
+            <a:t>Display academic profile &amp; other important information</a:t>
+          </a:r>
+        </a:p>
+      </dgm:t>
+    </dgm:pt>
+    <dgm:pt modelId="{C18F5B59-2449-41EF-8CEE-A4A187A6652E}" type="parTrans" cxnId="{FC4B1DDE-47B0-41A6-AC6E-EA211B8F4948}">
+      <dgm:prSet/>
+      <dgm:spPr/>
+      <dgm:t>
+        <a:bodyPr/>
+        <a:lstStyle/>
+        <a:p>
+          <a:endParaRPr lang="en-US"/>
+        </a:p>
+      </dgm:t>
+    </dgm:pt>
+    <dgm:pt modelId="{4B007886-A04C-4267-ABE0-7619D2BCC66D}" type="sibTrans" cxnId="{FC4B1DDE-47B0-41A6-AC6E-EA211B8F4948}">
+      <dgm:prSet/>
+      <dgm:spPr/>
+      <dgm:t>
+        <a:bodyPr/>
+        <a:lstStyle/>
+        <a:p>
+          <a:endParaRPr lang="en-US"/>
+        </a:p>
+      </dgm:t>
+    </dgm:pt>
+    <dgm:pt modelId="{2BD114F5-3795-4449-A06C-C8EA799B3A0D}">
+      <dgm:prSet custT="1"/>
+      <dgm:spPr>
+        <a:solidFill>
+          <a:schemeClr val="accent5">
+            <a:lumMod val="40000"/>
+            <a:lumOff val="60000"/>
+            <a:alpha val="90000"/>
+          </a:schemeClr>
+        </a:solidFill>
+        <a:ln>
+          <a:solidFill>
+            <a:schemeClr val="tx1">
+              <a:alpha val="90000"/>
+            </a:schemeClr>
+          </a:solidFill>
+        </a:ln>
+      </dgm:spPr>
+      <dgm:t>
+        <a:bodyPr/>
+        <a:lstStyle/>
+        <a:p>
+          <a:r>
+            <a:rPr lang="en-US" sz="1800" dirty="0"/>
+            <a:t>E-mail Services</a:t>
+          </a:r>
+          <a:endParaRPr lang="en-US" sz="1800" dirty="0"/>
+        </a:p>
+      </dgm:t>
+    </dgm:pt>
+    <dgm:pt modelId="{13E4A501-8545-4831-AAFA-9FDEA4F495B5}" type="parTrans" cxnId="{AA70A87D-B332-4F31-A655-073EE42A3B7C}">
+      <dgm:prSet/>
+      <dgm:spPr/>
+      <dgm:t>
+        <a:bodyPr/>
+        <a:lstStyle/>
+        <a:p>
+          <a:endParaRPr lang="en-US"/>
+        </a:p>
+      </dgm:t>
+    </dgm:pt>
+    <dgm:pt modelId="{F33033B7-CAB0-4C2A-9577-8EB856A2A9B7}" type="sibTrans" cxnId="{AA70A87D-B332-4F31-A655-073EE42A3B7C}">
+      <dgm:prSet/>
+      <dgm:spPr/>
+      <dgm:t>
+        <a:bodyPr/>
+        <a:lstStyle/>
+        <a:p>
+          <a:endParaRPr lang="en-US"/>
+        </a:p>
+      </dgm:t>
+    </dgm:pt>
+    <dgm:pt modelId="{76B4CEC4-ACEB-4015-8B96-E2BA65086B10}">
+      <dgm:prSet custT="1"/>
+      <dgm:spPr>
+        <a:solidFill>
+          <a:schemeClr val="accent5">
+            <a:lumMod val="20000"/>
+            <a:lumOff val="80000"/>
+            <a:alpha val="90000"/>
+          </a:schemeClr>
+        </a:solidFill>
+        <a:ln>
+          <a:solidFill>
+            <a:schemeClr val="tx1">
+              <a:alpha val="90000"/>
+            </a:schemeClr>
+          </a:solidFill>
+        </a:ln>
+      </dgm:spPr>
+      <dgm:t>
+        <a:bodyPr/>
+        <a:lstStyle/>
+        <a:p>
+          <a:r>
+            <a:rPr lang="en-US" sz="1800" dirty="0"/>
+            <a:t>Login/Password View</a:t>
+          </a:r>
+        </a:p>
+      </dgm:t>
+    </dgm:pt>
+    <dgm:pt modelId="{FD0FCE20-BBB3-419A-AEDF-D5BF7BDE0A36}" type="parTrans" cxnId="{CB08D117-01F6-4E46-BF72-22F74E7F7BBE}">
+      <dgm:prSet/>
+      <dgm:spPr/>
+      <dgm:t>
+        <a:bodyPr/>
+        <a:lstStyle/>
+        <a:p>
+          <a:endParaRPr lang="en-US"/>
+        </a:p>
+      </dgm:t>
+    </dgm:pt>
+    <dgm:pt modelId="{6E09C1CB-E5FF-483A-8B19-899848A6D28A}" type="sibTrans" cxnId="{CB08D117-01F6-4E46-BF72-22F74E7F7BBE}">
+      <dgm:prSet/>
+      <dgm:spPr/>
+      <dgm:t>
+        <a:bodyPr/>
+        <a:lstStyle/>
+        <a:p>
+          <a:endParaRPr lang="en-US"/>
+        </a:p>
+      </dgm:t>
+    </dgm:pt>
+    <dgm:pt modelId="{DABF09D6-044D-4767-80A0-35F9CE78C481}">
+      <dgm:prSet custT="1"/>
+      <dgm:spPr>
+        <a:solidFill>
+          <a:srgbClr val="E5EBFF">
+            <a:alpha val="89804"/>
+          </a:srgbClr>
+        </a:solidFill>
+        <a:ln>
+          <a:solidFill>
+            <a:schemeClr val="tx1">
+              <a:alpha val="90000"/>
+            </a:schemeClr>
+          </a:solidFill>
+        </a:ln>
+      </dgm:spPr>
+      <dgm:t>
+        <a:bodyPr/>
+        <a:lstStyle/>
+        <a:p>
+          <a:r>
+            <a:rPr lang="en-US" sz="1800" dirty="0"/>
+            <a:t>HTML/PDF Generator</a:t>
+          </a:r>
+        </a:p>
+      </dgm:t>
+    </dgm:pt>
+    <dgm:pt modelId="{D0774724-840E-4B63-A9D6-8C548CB22D41}" type="parTrans" cxnId="{7F09B4B4-8B25-48BF-B0A3-28D462E0746E}">
+      <dgm:prSet/>
+      <dgm:spPr/>
+      <dgm:t>
+        <a:bodyPr/>
+        <a:lstStyle/>
+        <a:p>
+          <a:endParaRPr lang="en-US"/>
+        </a:p>
+      </dgm:t>
+    </dgm:pt>
+    <dgm:pt modelId="{126CAE22-6E40-4449-B6CA-98A4836BB63D}" type="sibTrans" cxnId="{7F09B4B4-8B25-48BF-B0A3-28D462E0746E}">
+      <dgm:prSet/>
+      <dgm:spPr/>
+      <dgm:t>
+        <a:bodyPr/>
+        <a:lstStyle/>
+        <a:p>
+          <a:endParaRPr lang="en-US"/>
+        </a:p>
+      </dgm:t>
+    </dgm:pt>
+    <dgm:pt modelId="{B887589A-1053-4DBA-BB8B-47B2EB9B0967}">
+      <dgm:prSet custT="1"/>
+      <dgm:spPr>
+        <a:solidFill>
+          <a:schemeClr val="bg1">
+            <a:alpha val="90000"/>
+          </a:schemeClr>
+        </a:solidFill>
+        <a:ln>
+          <a:solidFill>
+            <a:schemeClr val="tx1">
+              <a:alpha val="90000"/>
+            </a:schemeClr>
+          </a:solidFill>
+        </a:ln>
+      </dgm:spPr>
+      <dgm:t>
+        <a:bodyPr/>
+        <a:lstStyle/>
+        <a:p>
+          <a:r>
+            <a:rPr lang="en-US" sz="1800" dirty="0"/>
+            <a:t>Create new course(s)</a:t>
+          </a:r>
+        </a:p>
+      </dgm:t>
+    </dgm:pt>
+    <dgm:pt modelId="{D5AA1BED-A37B-4ED4-9DA6-88B6CFE692F1}" type="parTrans" cxnId="{4B0EF5E6-FE96-4D11-BD23-395C8586C604}">
+      <dgm:prSet/>
+      <dgm:spPr/>
+      <dgm:t>
+        <a:bodyPr/>
+        <a:lstStyle/>
+        <a:p>
+          <a:endParaRPr lang="en-US"/>
+        </a:p>
+      </dgm:t>
+    </dgm:pt>
+    <dgm:pt modelId="{C045AA59-C3AE-45B1-A0F7-8CBECC6164C2}" type="sibTrans" cxnId="{4B0EF5E6-FE96-4D11-BD23-395C8586C604}">
+      <dgm:prSet/>
+      <dgm:spPr/>
+      <dgm:t>
+        <a:bodyPr/>
+        <a:lstStyle/>
+        <a:p>
+          <a:endParaRPr lang="en-US"/>
+        </a:p>
+      </dgm:t>
+    </dgm:pt>
+    <dgm:pt modelId="{D22AD307-B6D9-4AFA-8557-053FFAA76F0A}">
+      <dgm:prSet/>
+      <dgm:spPr>
+        <a:solidFill>
+          <a:srgbClr val="006600"/>
+        </a:solidFill>
+        <a:ln>
+          <a:solidFill>
+            <a:schemeClr val="tx1"/>
+          </a:solidFill>
+        </a:ln>
+      </dgm:spPr>
+      <dgm:t>
+        <a:bodyPr/>
+        <a:lstStyle/>
+        <a:p>
+          <a:r>
+            <a:rPr lang="en-US" dirty="0"/>
+            <a:t>Business Logic Layer</a:t>
+          </a:r>
+        </a:p>
+      </dgm:t>
+    </dgm:pt>
+    <dgm:pt modelId="{674266CA-2766-4916-8796-586B602D78BE}" type="parTrans" cxnId="{F57F5F4F-7639-4879-907B-564EAF954457}">
+      <dgm:prSet/>
+      <dgm:spPr/>
+      <dgm:t>
+        <a:bodyPr/>
+        <a:lstStyle/>
+        <a:p>
+          <a:endParaRPr lang="en-US"/>
+        </a:p>
+      </dgm:t>
+    </dgm:pt>
+    <dgm:pt modelId="{E2B0F60D-2350-4E8C-814D-8A2C07CC4550}" type="sibTrans" cxnId="{F57F5F4F-7639-4879-907B-564EAF954457}">
+      <dgm:prSet/>
+      <dgm:spPr/>
+      <dgm:t>
+        <a:bodyPr/>
+        <a:lstStyle/>
+        <a:p>
+          <a:endParaRPr lang="en-US"/>
+        </a:p>
+      </dgm:t>
+    </dgm:pt>
+    <dgm:pt modelId="{694E9F3F-7887-46BA-B4CD-71AC34ADA49E}">
+      <dgm:prSet custT="1"/>
+      <dgm:spPr>
+        <a:solidFill>
+          <a:srgbClr val="00B800">
+            <a:alpha val="89804"/>
+          </a:srgbClr>
+        </a:solidFill>
+        <a:ln>
+          <a:solidFill>
+            <a:schemeClr val="tx1"/>
+          </a:solidFill>
+        </a:ln>
+      </dgm:spPr>
+      <dgm:t>
+        <a:bodyPr/>
+        <a:lstStyle/>
+        <a:p>
+          <a:r>
+            <a:rPr lang="en-US" sz="1800" dirty="0"/>
+            <a:t>Content Management</a:t>
+          </a:r>
+        </a:p>
+      </dgm:t>
+    </dgm:pt>
+    <dgm:pt modelId="{B48473B0-C1BB-4756-959E-1318988F3836}" type="parTrans" cxnId="{967D340E-D3E2-496A-9258-6C06588DE4B9}">
+      <dgm:prSet/>
+      <dgm:spPr/>
+      <dgm:t>
+        <a:bodyPr/>
+        <a:lstStyle/>
+        <a:p>
+          <a:endParaRPr lang="en-US"/>
+        </a:p>
+      </dgm:t>
+    </dgm:pt>
+    <dgm:pt modelId="{46AF2078-6526-4651-BC70-6D834C924F73}" type="sibTrans" cxnId="{967D340E-D3E2-496A-9258-6C06588DE4B9}">
+      <dgm:prSet/>
+      <dgm:spPr/>
+      <dgm:t>
+        <a:bodyPr/>
+        <a:lstStyle/>
+        <a:p>
+          <a:endParaRPr lang="en-US"/>
+        </a:p>
+      </dgm:t>
+    </dgm:pt>
+    <dgm:pt modelId="{4B8B0440-0B63-43A6-A6FE-0CC0FD118177}">
+      <dgm:prSet custT="1"/>
+      <dgm:spPr>
+        <a:solidFill>
+          <a:srgbClr val="00EA00">
+            <a:alpha val="89804"/>
+          </a:srgbClr>
+        </a:solidFill>
+        <a:ln>
+          <a:solidFill>
+            <a:schemeClr val="tx1"/>
+          </a:solidFill>
+        </a:ln>
+      </dgm:spPr>
+      <dgm:t>
+        <a:bodyPr/>
+        <a:lstStyle/>
+        <a:p>
+          <a:r>
+            <a:rPr lang="en-US" sz="1800" dirty="0"/>
+            <a:t>Server</a:t>
+          </a:r>
+        </a:p>
+      </dgm:t>
+    </dgm:pt>
+    <dgm:pt modelId="{BDDB2F97-E7FC-4471-AAB7-38C00E155635}" type="parTrans" cxnId="{68B56D8A-5E8D-4DFF-B2F0-22D16E3FC5E3}">
+      <dgm:prSet/>
+      <dgm:spPr/>
+      <dgm:t>
+        <a:bodyPr/>
+        <a:lstStyle/>
+        <a:p>
+          <a:endParaRPr lang="en-US"/>
+        </a:p>
+      </dgm:t>
+    </dgm:pt>
+    <dgm:pt modelId="{0CB4E1EE-96F5-4CC7-95B3-867BF850DE62}" type="sibTrans" cxnId="{68B56D8A-5E8D-4DFF-B2F0-22D16E3FC5E3}">
+      <dgm:prSet/>
+      <dgm:spPr/>
+      <dgm:t>
+        <a:bodyPr/>
+        <a:lstStyle/>
+        <a:p>
+          <a:endParaRPr lang="en-US"/>
+        </a:p>
+      </dgm:t>
+    </dgm:pt>
+    <dgm:pt modelId="{08783016-21CD-4E3E-A331-C614BFA52C8C}">
+      <dgm:prSet custT="1"/>
+      <dgm:spPr>
+        <a:solidFill>
+          <a:srgbClr val="3BFF3B">
+            <a:alpha val="89804"/>
+          </a:srgbClr>
+        </a:solidFill>
+        <a:ln>
+          <a:solidFill>
+            <a:schemeClr val="tx1"/>
+          </a:solidFill>
+        </a:ln>
+      </dgm:spPr>
+      <dgm:t>
+        <a:bodyPr/>
+        <a:lstStyle/>
+        <a:p>
+          <a:r>
+            <a:rPr lang="en-US" sz="1800" dirty="0"/>
+            <a:t>Network</a:t>
+          </a:r>
+        </a:p>
+      </dgm:t>
+    </dgm:pt>
+    <dgm:pt modelId="{8746A011-C3A6-41D9-A219-4C52C7AF0B9A}" type="parTrans" cxnId="{58945380-B363-43D0-9760-2467B4F3F58D}">
+      <dgm:prSet/>
+      <dgm:spPr/>
+      <dgm:t>
+        <a:bodyPr/>
+        <a:lstStyle/>
+        <a:p>
+          <a:endParaRPr lang="en-US"/>
+        </a:p>
+      </dgm:t>
+    </dgm:pt>
+    <dgm:pt modelId="{B5182E27-4770-4D66-BE4C-8549B860E57C}" type="sibTrans" cxnId="{58945380-B363-43D0-9760-2467B4F3F58D}">
+      <dgm:prSet/>
+      <dgm:spPr/>
+      <dgm:t>
+        <a:bodyPr/>
+        <a:lstStyle/>
+        <a:p>
+          <a:endParaRPr lang="en-US"/>
+        </a:p>
+      </dgm:t>
+    </dgm:pt>
+    <dgm:pt modelId="{5F4EDA4A-A091-4718-8573-CDB0F79E6CCA}">
+      <dgm:prSet custT="1"/>
+      <dgm:spPr>
+        <a:solidFill>
+          <a:srgbClr val="9FFF9F">
+            <a:alpha val="89804"/>
+          </a:srgbClr>
+        </a:solidFill>
+        <a:ln>
+          <a:solidFill>
+            <a:schemeClr val="tx1"/>
+          </a:solidFill>
+        </a:ln>
+      </dgm:spPr>
+      <dgm:t>
+        <a:bodyPr/>
+        <a:lstStyle/>
+        <a:p>
+          <a:r>
+            <a:rPr lang="en-US" sz="1800" dirty="0"/>
+            <a:t>Browse Tools</a:t>
+          </a:r>
+        </a:p>
+      </dgm:t>
+    </dgm:pt>
+    <dgm:pt modelId="{556280FF-20CF-4845-A3BF-6FE05F36C63D}" type="parTrans" cxnId="{743F0309-AC3C-4747-AB49-9C4C3291B7BB}">
+      <dgm:prSet/>
+      <dgm:spPr/>
+      <dgm:t>
+        <a:bodyPr/>
+        <a:lstStyle/>
+        <a:p>
+          <a:endParaRPr lang="en-US"/>
+        </a:p>
+      </dgm:t>
+    </dgm:pt>
+    <dgm:pt modelId="{5E581B86-3F21-4A6E-9C18-20CEBCBE93F7}" type="sibTrans" cxnId="{743F0309-AC3C-4747-AB49-9C4C3291B7BB}">
+      <dgm:prSet/>
+      <dgm:spPr/>
+      <dgm:t>
+        <a:bodyPr/>
+        <a:lstStyle/>
+        <a:p>
+          <a:endParaRPr lang="en-US"/>
+        </a:p>
+      </dgm:t>
+    </dgm:pt>
+    <dgm:pt modelId="{5ECD7323-3DFC-4871-8324-29002178B27C}">
+      <dgm:prSet custT="1"/>
+      <dgm:spPr>
+        <a:solidFill>
+          <a:srgbClr val="CDFFCD">
+            <a:alpha val="89804"/>
+          </a:srgbClr>
+        </a:solidFill>
+        <a:ln>
+          <a:solidFill>
+            <a:schemeClr val="tx1"/>
+          </a:solidFill>
+        </a:ln>
+      </dgm:spPr>
+      <dgm:t>
+        <a:bodyPr/>
+        <a:lstStyle/>
+        <a:p>
+          <a:r>
+            <a:rPr lang="en-US" sz="1800" dirty="0"/>
+            <a:t>E-mail</a:t>
+          </a:r>
+        </a:p>
+      </dgm:t>
+    </dgm:pt>
+    <dgm:pt modelId="{820F384A-4BA6-4596-9F16-07038FC80800}" type="parTrans" cxnId="{DC5873A8-58E7-4A57-AFD7-8B4463CF862A}">
+      <dgm:prSet/>
+      <dgm:spPr/>
+      <dgm:t>
+        <a:bodyPr/>
+        <a:lstStyle/>
+        <a:p>
+          <a:endParaRPr lang="en-US"/>
+        </a:p>
+      </dgm:t>
+    </dgm:pt>
+    <dgm:pt modelId="{A0B58964-7AB5-40FC-807F-ECB422ECE2BD}" type="sibTrans" cxnId="{DC5873A8-58E7-4A57-AFD7-8B4463CF862A}">
+      <dgm:prSet/>
+      <dgm:spPr/>
+      <dgm:t>
+        <a:bodyPr/>
+        <a:lstStyle/>
+        <a:p>
+          <a:endParaRPr lang="en-US"/>
+        </a:p>
+      </dgm:t>
+    </dgm:pt>
+    <dgm:pt modelId="{F19B7504-F876-48D1-B4F6-E90C8B7DCB16}">
+      <dgm:prSet custT="1"/>
+      <dgm:spPr>
+        <a:solidFill>
+          <a:srgbClr val="EBFFEB">
+            <a:alpha val="89804"/>
+          </a:srgbClr>
+        </a:solidFill>
+        <a:ln>
+          <a:solidFill>
+            <a:schemeClr val="tx1"/>
+          </a:solidFill>
+        </a:ln>
+      </dgm:spPr>
+      <dgm:t>
+        <a:bodyPr/>
+        <a:lstStyle/>
+        <a:p>
+          <a:r>
+            <a:rPr lang="en-US" sz="1800" dirty="0"/>
+            <a:t>Algorithms</a:t>
+          </a:r>
+        </a:p>
+      </dgm:t>
+    </dgm:pt>
+    <dgm:pt modelId="{076D4FD6-FC66-41B3-B24C-D1609BFAD5F4}" type="parTrans" cxnId="{E66968CA-E11E-4F50-8656-DDB210FD6CAE}">
+      <dgm:prSet/>
+      <dgm:spPr/>
+      <dgm:t>
+        <a:bodyPr/>
+        <a:lstStyle/>
+        <a:p>
+          <a:endParaRPr lang="en-US"/>
+        </a:p>
+      </dgm:t>
+    </dgm:pt>
+    <dgm:pt modelId="{AE983680-4382-419B-859F-3EECA59B3D8D}" type="sibTrans" cxnId="{E66968CA-E11E-4F50-8656-DDB210FD6CAE}">
+      <dgm:prSet/>
+      <dgm:spPr/>
+      <dgm:t>
+        <a:bodyPr/>
+        <a:lstStyle/>
+        <a:p>
+          <a:endParaRPr lang="en-US"/>
+        </a:p>
+      </dgm:t>
+    </dgm:pt>
+    <dgm:pt modelId="{652AEB5D-7126-4EAB-88D6-3B9CBDFF026F}">
+      <dgm:prSet custT="1"/>
+      <dgm:spPr>
+        <a:solidFill>
+          <a:srgbClr val="FFFFFF">
+            <a:alpha val="89804"/>
+          </a:srgbClr>
+        </a:solidFill>
+        <a:ln>
+          <a:solidFill>
+            <a:schemeClr val="tx1"/>
+          </a:solidFill>
+        </a:ln>
+      </dgm:spPr>
+      <dgm:t>
+        <a:bodyPr/>
+        <a:lstStyle/>
+        <a:p>
+          <a:r>
+            <a:rPr lang="en-US" sz="1800" dirty="0"/>
+            <a:t>Data Structures</a:t>
+          </a:r>
+        </a:p>
+      </dgm:t>
+    </dgm:pt>
+    <dgm:pt modelId="{1C04A2AC-77E3-4EEC-B446-123058813E4A}" type="parTrans" cxnId="{1DCA82A7-E5BF-40F2-8245-C5CC3BFF312E}">
+      <dgm:prSet/>
+      <dgm:spPr/>
+      <dgm:t>
+        <a:bodyPr/>
+        <a:lstStyle/>
+        <a:p>
+          <a:endParaRPr lang="en-US"/>
+        </a:p>
+      </dgm:t>
+    </dgm:pt>
+    <dgm:pt modelId="{77910DBC-81A8-4C13-A6CE-6B22664046EE}" type="sibTrans" cxnId="{1DCA82A7-E5BF-40F2-8245-C5CC3BFF312E}">
+      <dgm:prSet/>
+      <dgm:spPr/>
+      <dgm:t>
+        <a:bodyPr/>
+        <a:lstStyle/>
+        <a:p>
+          <a:endParaRPr lang="en-US"/>
+        </a:p>
+      </dgm:t>
+    </dgm:pt>
+    <dgm:pt modelId="{30E5F801-D790-46D6-8B67-15A27B802264}">
+      <dgm:prSet/>
+      <dgm:spPr>
+        <a:solidFill>
+          <a:schemeClr val="tx1">
+            <a:lumMod val="95000"/>
+            <a:lumOff val="5000"/>
+          </a:schemeClr>
+        </a:solidFill>
+        <a:ln>
+          <a:solidFill>
+            <a:schemeClr val="tx1">
+              <a:lumMod val="95000"/>
+              <a:lumOff val="5000"/>
+            </a:schemeClr>
+          </a:solidFill>
+        </a:ln>
+      </dgm:spPr>
+      <dgm:t>
+        <a:bodyPr/>
+        <a:lstStyle/>
+        <a:p>
+          <a:r>
+            <a:rPr lang="en-US" dirty="0"/>
+            <a:t>Data/Databases Layer</a:t>
+          </a:r>
+        </a:p>
+      </dgm:t>
+    </dgm:pt>
+    <dgm:pt modelId="{B6F8A2D5-16AC-4792-96F7-8DF12F7668D5}" type="parTrans" cxnId="{AAA76BF1-F734-40C4-9948-2A435C60F0FE}">
+      <dgm:prSet/>
+      <dgm:spPr/>
+      <dgm:t>
+        <a:bodyPr/>
+        <a:lstStyle/>
+        <a:p>
+          <a:endParaRPr lang="en-US"/>
+        </a:p>
+      </dgm:t>
+    </dgm:pt>
+    <dgm:pt modelId="{73FF8F02-60C5-4E7D-8341-A0DE76B1DD01}" type="sibTrans" cxnId="{AAA76BF1-F734-40C4-9948-2A435C60F0FE}">
+      <dgm:prSet/>
+      <dgm:spPr/>
+      <dgm:t>
+        <a:bodyPr/>
+        <a:lstStyle/>
+        <a:p>
+          <a:endParaRPr lang="en-US"/>
+        </a:p>
+      </dgm:t>
+    </dgm:pt>
+    <dgm:pt modelId="{4CE162A4-CAAC-4E05-ABC9-85D08A870150}">
+      <dgm:prSet custT="1"/>
+      <dgm:spPr>
+        <a:solidFill>
+          <a:srgbClr val="FF8F8F">
+            <a:alpha val="89804"/>
+          </a:srgbClr>
+        </a:solidFill>
+        <a:ln>
+          <a:solidFill>
+            <a:schemeClr val="tx1">
+              <a:alpha val="90000"/>
+            </a:schemeClr>
+          </a:solidFill>
+        </a:ln>
+      </dgm:spPr>
+      <dgm:t>
+        <a:bodyPr/>
+        <a:lstStyle/>
+        <a:p>
+          <a:r>
+            <a:rPr lang="en-US" sz="1800" dirty="0"/>
+            <a:t>Controllers</a:t>
+          </a:r>
+        </a:p>
+      </dgm:t>
+    </dgm:pt>
+    <dgm:pt modelId="{CF2AE12A-FFD5-4F10-97EE-57E4E4F7A83F}" type="parTrans" cxnId="{79DC1344-C768-454E-8A11-CC6F5EBD99D7}">
+      <dgm:prSet/>
+      <dgm:spPr/>
+      <dgm:t>
+        <a:bodyPr/>
+        <a:lstStyle/>
+        <a:p>
+          <a:endParaRPr lang="en-US"/>
+        </a:p>
+      </dgm:t>
+    </dgm:pt>
+    <dgm:pt modelId="{100438E9-9D13-4C5D-8957-8B983DAE0B87}" type="sibTrans" cxnId="{79DC1344-C768-454E-8A11-CC6F5EBD99D7}">
+      <dgm:prSet/>
+      <dgm:spPr/>
+      <dgm:t>
+        <a:bodyPr/>
+        <a:lstStyle/>
+        <a:p>
+          <a:endParaRPr lang="en-US"/>
+        </a:p>
+      </dgm:t>
+    </dgm:pt>
+    <dgm:pt modelId="{F5CA33A8-4834-47B9-AB39-25711E7DD21E}">
+      <dgm:prSet custT="1"/>
+      <dgm:spPr>
+        <a:solidFill>
+          <a:schemeClr val="bg1">
+            <a:lumMod val="50000"/>
+            <a:alpha val="90000"/>
+          </a:schemeClr>
+        </a:solidFill>
+        <a:ln>
+          <a:solidFill>
+            <a:schemeClr val="tx1"/>
+          </a:solidFill>
+        </a:ln>
+      </dgm:spPr>
+      <dgm:t>
+        <a:bodyPr/>
+        <a:lstStyle/>
+        <a:p>
+          <a:r>
+            <a:rPr lang="en-US" sz="1800" dirty="0"/>
+            <a:t>SQL Server</a:t>
+          </a:r>
+        </a:p>
+      </dgm:t>
+    </dgm:pt>
+    <dgm:pt modelId="{36990FE0-7F3F-4407-A563-59B55A74DB36}" type="parTrans" cxnId="{DCCAF79F-CD5F-4B02-A7AB-56A4150727E8}">
+      <dgm:prSet/>
+      <dgm:spPr/>
+      <dgm:t>
+        <a:bodyPr/>
+        <a:lstStyle/>
+        <a:p>
+          <a:endParaRPr lang="en-US"/>
+        </a:p>
+      </dgm:t>
+    </dgm:pt>
+    <dgm:pt modelId="{7EE86871-3F71-4C09-A5A2-5F949A9FD7AD}" type="sibTrans" cxnId="{DCCAF79F-CD5F-4B02-A7AB-56A4150727E8}">
+      <dgm:prSet/>
+      <dgm:spPr/>
+      <dgm:t>
+        <a:bodyPr/>
+        <a:lstStyle/>
+        <a:p>
+          <a:endParaRPr lang="en-US"/>
+        </a:p>
+      </dgm:t>
+    </dgm:pt>
+    <dgm:pt modelId="{D178D562-A7E6-4E9A-AC8B-874FDA7D8E28}">
+      <dgm:prSet custT="1"/>
+      <dgm:spPr>
+        <a:solidFill>
+          <a:schemeClr val="bg1">
+            <a:lumMod val="65000"/>
+            <a:alpha val="90000"/>
+          </a:schemeClr>
+        </a:solidFill>
+        <a:ln>
+          <a:solidFill>
+            <a:schemeClr val="tx1"/>
+          </a:solidFill>
+        </a:ln>
+      </dgm:spPr>
+      <dgm:t>
+        <a:bodyPr/>
+        <a:lstStyle/>
+        <a:p>
+          <a:r>
+            <a:rPr lang="en-US" sz="1800" dirty="0"/>
+            <a:t>File System</a:t>
+          </a:r>
+        </a:p>
+      </dgm:t>
+    </dgm:pt>
+    <dgm:pt modelId="{32278BF7-9DD1-40AE-A946-D50C7950B762}" type="parTrans" cxnId="{923F50F5-EB97-46FE-9FE5-8F163DF5D959}">
+      <dgm:prSet/>
+      <dgm:spPr/>
+      <dgm:t>
+        <a:bodyPr/>
+        <a:lstStyle/>
+        <a:p>
+          <a:endParaRPr lang="en-US"/>
+        </a:p>
+      </dgm:t>
+    </dgm:pt>
+    <dgm:pt modelId="{72B10284-3FCC-48FD-B074-6F3B5149E142}" type="sibTrans" cxnId="{923F50F5-EB97-46FE-9FE5-8F163DF5D959}">
+      <dgm:prSet/>
+      <dgm:spPr/>
+      <dgm:t>
+        <a:bodyPr/>
+        <a:lstStyle/>
+        <a:p>
+          <a:endParaRPr lang="en-US"/>
+        </a:p>
+      </dgm:t>
+    </dgm:pt>
+    <dgm:pt modelId="{9F0E847D-4C12-430E-9A3F-66415ADFD778}">
+      <dgm:prSet custT="1"/>
+      <dgm:spPr>
+        <a:solidFill>
+          <a:schemeClr val="bg1">
+            <a:lumMod val="75000"/>
+            <a:alpha val="90000"/>
+          </a:schemeClr>
+        </a:solidFill>
+        <a:ln>
+          <a:solidFill>
+            <a:schemeClr val="tx1"/>
+          </a:solidFill>
+        </a:ln>
+      </dgm:spPr>
+      <dgm:t>
+        <a:bodyPr/>
+        <a:lstStyle/>
+        <a:p>
+          <a:r>
+            <a:rPr lang="en-US" sz="1800" dirty="0"/>
+            <a:t>Data Access Components</a:t>
+          </a:r>
+        </a:p>
+      </dgm:t>
+    </dgm:pt>
+    <dgm:pt modelId="{95E1F741-93DA-4BC7-A004-E2E72E926844}" type="parTrans" cxnId="{53AB880E-B06F-46F3-A989-E0CEFE24BC09}">
+      <dgm:prSet/>
+      <dgm:spPr/>
+      <dgm:t>
+        <a:bodyPr/>
+        <a:lstStyle/>
+        <a:p>
+          <a:endParaRPr lang="en-US"/>
+        </a:p>
+      </dgm:t>
+    </dgm:pt>
+    <dgm:pt modelId="{FC90C16B-F819-4E59-87BA-9967CEB47D5B}" type="sibTrans" cxnId="{53AB880E-B06F-46F3-A989-E0CEFE24BC09}">
+      <dgm:prSet/>
+      <dgm:spPr/>
+      <dgm:t>
+        <a:bodyPr/>
+        <a:lstStyle/>
+        <a:p>
+          <a:endParaRPr lang="en-US"/>
+        </a:p>
+      </dgm:t>
+    </dgm:pt>
+    <dgm:pt modelId="{F57B556B-CD43-4E6E-AB4B-011084CCEB8D}">
+      <dgm:prSet custT="1"/>
+      <dgm:spPr>
+        <a:solidFill>
+          <a:schemeClr val="bg1">
+            <a:lumMod val="85000"/>
+            <a:alpha val="90000"/>
+          </a:schemeClr>
+        </a:solidFill>
+        <a:ln>
+          <a:solidFill>
+            <a:schemeClr val="tx1"/>
+          </a:solidFill>
+        </a:ln>
+      </dgm:spPr>
+      <dgm:t>
+        <a:bodyPr/>
+        <a:lstStyle/>
+        <a:p>
+          <a:r>
+            <a:rPr lang="en-US" sz="1800" dirty="0"/>
+            <a:t>XML/PDF/HTML/CSS Files</a:t>
+          </a:r>
+        </a:p>
+      </dgm:t>
+    </dgm:pt>
+    <dgm:pt modelId="{D37DD544-F93B-4ADB-A218-C6497AD07B7F}" type="parTrans" cxnId="{7400EAB4-E88E-4974-9C97-AD404AF7BB43}">
+      <dgm:prSet/>
+      <dgm:spPr/>
+      <dgm:t>
+        <a:bodyPr/>
+        <a:lstStyle/>
+        <a:p>
+          <a:endParaRPr lang="en-US"/>
+        </a:p>
+      </dgm:t>
+    </dgm:pt>
+    <dgm:pt modelId="{1AF1CDAE-A589-40AD-B171-F59FCAE90685}" type="sibTrans" cxnId="{7400EAB4-E88E-4974-9C97-AD404AF7BB43}">
+      <dgm:prSet/>
+      <dgm:spPr/>
+      <dgm:t>
+        <a:bodyPr/>
+        <a:lstStyle/>
+        <a:p>
+          <a:endParaRPr lang="en-US"/>
+        </a:p>
+      </dgm:t>
+    </dgm:pt>
+    <dgm:pt modelId="{BF33F4F7-D221-4425-87C0-803F1674E8EC}" type="pres">
       <dgm:prSet presAssocID="{C75F104F-C373-451D-81EC-1660453568D4}" presName="Name0" presStyleCnt="0">
         <dgm:presLayoutVars>
-          <dgm:chPref val="1"/>
           <dgm:dir/>
-          <dgm:animOne val="branch"/>
           <dgm:animLvl val="lvl"/>
           <dgm:resizeHandles val="exact"/>
         </dgm:presLayoutVars>
       </dgm:prSet>
       <dgm:spPr/>
     </dgm:pt>
-    <dgm:pt modelId="{1CBFA239-022B-4845-9C1D-C09C25C1A64B}" type="pres">
-      <dgm:prSet presAssocID="{C9AE3F6B-C08B-442D-A5E7-2F2FC22BB9C1}" presName="root1" presStyleCnt="0"/>
-      <dgm:spPr/>
-    </dgm:pt>
-    <dgm:pt modelId="{EA974E20-DE8C-405C-8770-2C17FED61994}" type="pres">
-      <dgm:prSet presAssocID="{C9AE3F6B-C08B-442D-A5E7-2F2FC22BB9C1}" presName="LevelOneTextNode" presStyleLbl="node0" presStyleIdx="0" presStyleCnt="1" custLinFactX="-188237" custLinFactNeighborX="-200000" custLinFactNeighborY="-7377">
+    <dgm:pt modelId="{EF6DB071-2DCF-4DC8-A1CC-7BDE05A1951F}" type="pres">
+      <dgm:prSet presAssocID="{30E5F801-D790-46D6-8B67-15A27B802264}" presName="boxAndChildren" presStyleCnt="0"/>
+      <dgm:spPr/>
+    </dgm:pt>
+    <dgm:pt modelId="{6F74AD63-59F9-415E-BB1B-3B3D36E3DA6E}" type="pres">
+      <dgm:prSet presAssocID="{30E5F801-D790-46D6-8B67-15A27B802264}" presName="parentTextBox" presStyleLbl="node1" presStyleIdx="0" presStyleCnt="4"/>
+      <dgm:spPr/>
+    </dgm:pt>
+    <dgm:pt modelId="{7306D849-764A-42EE-845E-82F2767339C7}" type="pres">
+      <dgm:prSet presAssocID="{30E5F801-D790-46D6-8B67-15A27B802264}" presName="entireBox" presStyleLbl="node1" presStyleIdx="0" presStyleCnt="4"/>
+      <dgm:spPr/>
+    </dgm:pt>
+    <dgm:pt modelId="{EDB9D7DD-68FF-4AC4-A55A-6A719F246A61}" type="pres">
+      <dgm:prSet presAssocID="{30E5F801-D790-46D6-8B67-15A27B802264}" presName="descendantBox" presStyleCnt="0"/>
+      <dgm:spPr/>
+    </dgm:pt>
+    <dgm:pt modelId="{CD7A80B5-52A4-44CB-BFF7-AED1EE2FF8F6}" type="pres">
+      <dgm:prSet presAssocID="{F5CA33A8-4834-47B9-AB39-25711E7DD21E}" presName="childTextBox" presStyleLbl="fgAccFollowNode1" presStyleIdx="0" presStyleCnt="21" custLinFactNeighborY="5391">
         <dgm:presLayoutVars>
-          <dgm:chPref val="3"/>
+          <dgm:bulletEnabled val="1"/>
         </dgm:presLayoutVars>
       </dgm:prSet>
       <dgm:spPr/>
     </dgm:pt>
-    <dgm:pt modelId="{59298355-9D16-42C4-B788-06C29C46032E}" type="pres">
-      <dgm:prSet presAssocID="{C9AE3F6B-C08B-442D-A5E7-2F2FC22BB9C1}" presName="level2hierChild" presStyleCnt="0"/>
-      <dgm:spPr/>
-    </dgm:pt>
-    <dgm:pt modelId="{2FD02FCC-40DF-426E-A445-EB18EDF0B150}" type="pres">
-      <dgm:prSet presAssocID="{051C9ECE-4878-4ACF-8446-2E2DAC27F377}" presName="conn2-1" presStyleLbl="parChTrans1D2" presStyleIdx="0" presStyleCnt="3"/>
-      <dgm:spPr/>
-    </dgm:pt>
-    <dgm:pt modelId="{C1216C88-E0E6-45F8-B840-A08D27510929}" type="pres">
-      <dgm:prSet presAssocID="{051C9ECE-4878-4ACF-8446-2E2DAC27F377}" presName="connTx" presStyleLbl="parChTrans1D2" presStyleIdx="0" presStyleCnt="3"/>
-      <dgm:spPr/>
-    </dgm:pt>
-    <dgm:pt modelId="{53B07587-515B-4212-99DC-F0B9297487BF}" type="pres">
-      <dgm:prSet presAssocID="{F85398A1-9926-439F-A513-6B46E870CC2D}" presName="root2" presStyleCnt="0"/>
-      <dgm:spPr/>
-    </dgm:pt>
-    <dgm:pt modelId="{FAF086AC-986D-4C76-B8A6-2EE7E82C23E3}" type="pres">
-      <dgm:prSet presAssocID="{F85398A1-9926-439F-A513-6B46E870CC2D}" presName="LevelTwoTextNode" presStyleLbl="node2" presStyleIdx="0" presStyleCnt="3">
+    <dgm:pt modelId="{F39D569D-6DD2-4D5B-BC7E-737635419841}" type="pres">
+      <dgm:prSet presAssocID="{D178D562-A7E6-4E9A-AC8B-874FDA7D8E28}" presName="childTextBox" presStyleLbl="fgAccFollowNode1" presStyleIdx="1" presStyleCnt="21" custLinFactNeighborY="5391">
         <dgm:presLayoutVars>
-          <dgm:chPref val="3"/>
+          <dgm:bulletEnabled val="1"/>
         </dgm:presLayoutVars>
       </dgm:prSet>
       <dgm:spPr/>
     </dgm:pt>
-    <dgm:pt modelId="{074DFC69-BD34-4F0D-8B58-B2E36A027473}" type="pres">
-      <dgm:prSet presAssocID="{F85398A1-9926-439F-A513-6B46E870CC2D}" presName="level3hierChild" presStyleCnt="0"/>
-      <dgm:spPr/>
-    </dgm:pt>
-    <dgm:pt modelId="{3599C707-815F-4CFD-88B1-6B9383155208}" type="pres">
-      <dgm:prSet presAssocID="{D314EAE4-22E7-41E4-A3E2-AF9A938A45D2}" presName="conn2-1" presStyleLbl="parChTrans1D2" presStyleIdx="1" presStyleCnt="3"/>
-      <dgm:spPr/>
-    </dgm:pt>
-    <dgm:pt modelId="{44DDF3E8-FF0D-434B-9849-F7BBF1375AEF}" type="pres">
-      <dgm:prSet presAssocID="{D314EAE4-22E7-41E4-A3E2-AF9A938A45D2}" presName="connTx" presStyleLbl="parChTrans1D2" presStyleIdx="1" presStyleCnt="3"/>
-      <dgm:spPr/>
-    </dgm:pt>
-    <dgm:pt modelId="{8B7BA6C9-2FB4-4BE2-B993-4DFAB198BCF7}" type="pres">
-      <dgm:prSet presAssocID="{BCFF4A93-9408-4354-874B-C93970684E05}" presName="root2" presStyleCnt="0"/>
-      <dgm:spPr/>
-    </dgm:pt>
-    <dgm:pt modelId="{202B4DF4-8776-4CC5-B7AF-909196DE1DD1}" type="pres">
-      <dgm:prSet presAssocID="{BCFF4A93-9408-4354-874B-C93970684E05}" presName="LevelTwoTextNode" presStyleLbl="node2" presStyleIdx="1" presStyleCnt="3">
+    <dgm:pt modelId="{C84F885C-DC3C-4B1B-8816-BA72ADF797E1}" type="pres">
+      <dgm:prSet presAssocID="{9F0E847D-4C12-430E-9A3F-66415ADFD778}" presName="childTextBox" presStyleLbl="fgAccFollowNode1" presStyleIdx="2" presStyleCnt="21" custLinFactNeighborY="5391">
         <dgm:presLayoutVars>
-          <dgm:chPref val="3"/>
+          <dgm:bulletEnabled val="1"/>
         </dgm:presLayoutVars>
       </dgm:prSet>
       <dgm:spPr/>
     </dgm:pt>
-    <dgm:pt modelId="{46B3E65B-B3D4-4767-837C-30A1423C3082}" type="pres">
-      <dgm:prSet presAssocID="{BCFF4A93-9408-4354-874B-C93970684E05}" presName="level3hierChild" presStyleCnt="0"/>
-      <dgm:spPr/>
-    </dgm:pt>
-    <dgm:pt modelId="{773455A4-C7A4-45C4-A926-215F4F0C0AFB}" type="pres">
-      <dgm:prSet presAssocID="{149ED9E0-90A1-488B-8F46-A033AFF43626}" presName="conn2-1" presStyleLbl="parChTrans1D2" presStyleIdx="2" presStyleCnt="3"/>
-      <dgm:spPr/>
-    </dgm:pt>
-    <dgm:pt modelId="{FA2B278A-BE9B-4E26-8C79-64A4A4247AFC}" type="pres">
-      <dgm:prSet presAssocID="{149ED9E0-90A1-488B-8F46-A033AFF43626}" presName="connTx" presStyleLbl="parChTrans1D2" presStyleIdx="2" presStyleCnt="3"/>
-      <dgm:spPr/>
-    </dgm:pt>
-    <dgm:pt modelId="{4835FD13-A33E-4090-B60C-770193F3C116}" type="pres">
-      <dgm:prSet presAssocID="{39B16B9F-92DF-4D6B-BCCD-221AF5C220E1}" presName="root2" presStyleCnt="0"/>
-      <dgm:spPr/>
-    </dgm:pt>
-    <dgm:pt modelId="{44F160D8-9A0D-41E3-A5FE-A084FB43B148}" type="pres">
-      <dgm:prSet presAssocID="{39B16B9F-92DF-4D6B-BCCD-221AF5C220E1}" presName="LevelTwoTextNode" presStyleLbl="node2" presStyleIdx="2" presStyleCnt="3">
+    <dgm:pt modelId="{A4C998D9-922E-4F34-BF96-B30FD57FC5B2}" type="pres">
+      <dgm:prSet presAssocID="{F57B556B-CD43-4E6E-AB4B-011084CCEB8D}" presName="childTextBox" presStyleLbl="fgAccFollowNode1" presStyleIdx="3" presStyleCnt="21" custLinFactNeighborY="5391">
         <dgm:presLayoutVars>
-          <dgm:chPref val="3"/>
+          <dgm:bulletEnabled val="1"/>
         </dgm:presLayoutVars>
       </dgm:prSet>
       <dgm:spPr/>
     </dgm:pt>
-    <dgm:pt modelId="{64A3EA2C-FB8F-4EDA-BF48-B34EEE8322DC}" type="pres">
-      <dgm:prSet presAssocID="{39B16B9F-92DF-4D6B-BCCD-221AF5C220E1}" presName="level3hierChild" presStyleCnt="0"/>
+    <dgm:pt modelId="{8F4287FB-8B1D-4B40-8CA7-D78B41DBCE4F}" type="pres">
+      <dgm:prSet presAssocID="{E2B0F60D-2350-4E8C-814D-8A2C07CC4550}" presName="sp" presStyleCnt="0"/>
+      <dgm:spPr/>
+    </dgm:pt>
+    <dgm:pt modelId="{31A8863F-1B95-43D4-826E-0227F4B5940A}" type="pres">
+      <dgm:prSet presAssocID="{D22AD307-B6D9-4AFA-8557-053FFAA76F0A}" presName="arrowAndChildren" presStyleCnt="0"/>
+      <dgm:spPr/>
+    </dgm:pt>
+    <dgm:pt modelId="{AE1037A4-74F5-4040-AB19-721DAD626472}" type="pres">
+      <dgm:prSet presAssocID="{D22AD307-B6D9-4AFA-8557-053FFAA76F0A}" presName="parentTextArrow" presStyleLbl="node1" presStyleIdx="0" presStyleCnt="4"/>
+      <dgm:spPr/>
+    </dgm:pt>
+    <dgm:pt modelId="{59931FEB-1714-4E33-9605-46E83424265A}" type="pres">
+      <dgm:prSet presAssocID="{D22AD307-B6D9-4AFA-8557-053FFAA76F0A}" presName="arrow" presStyleLbl="node1" presStyleIdx="1" presStyleCnt="4"/>
+      <dgm:spPr/>
+    </dgm:pt>
+    <dgm:pt modelId="{59EC0429-E40F-44C4-9885-73B19D17B2A1}" type="pres">
+      <dgm:prSet presAssocID="{D22AD307-B6D9-4AFA-8557-053FFAA76F0A}" presName="descendantArrow" presStyleCnt="0"/>
+      <dgm:spPr/>
+    </dgm:pt>
+    <dgm:pt modelId="{B855DE06-56F8-48E7-A602-310B2DA196F7}" type="pres">
+      <dgm:prSet presAssocID="{694E9F3F-7887-46BA-B4CD-71AC34ADA49E}" presName="childTextArrow" presStyleLbl="fgAccFollowNode1" presStyleIdx="4" presStyleCnt="21">
+        <dgm:presLayoutVars>
+          <dgm:bulletEnabled val="1"/>
+        </dgm:presLayoutVars>
+      </dgm:prSet>
+      <dgm:spPr/>
+    </dgm:pt>
+    <dgm:pt modelId="{8E9B126D-8AC2-44C3-AB7B-FD42EEF56196}" type="pres">
+      <dgm:prSet presAssocID="{4B8B0440-0B63-43A6-A6FE-0CC0FD118177}" presName="childTextArrow" presStyleLbl="fgAccFollowNode1" presStyleIdx="5" presStyleCnt="21">
+        <dgm:presLayoutVars>
+          <dgm:bulletEnabled val="1"/>
+        </dgm:presLayoutVars>
+      </dgm:prSet>
+      <dgm:spPr/>
+    </dgm:pt>
+    <dgm:pt modelId="{D5A1CADD-06ED-45A1-B18E-CAEA2009415F}" type="pres">
+      <dgm:prSet presAssocID="{08783016-21CD-4E3E-A331-C614BFA52C8C}" presName="childTextArrow" presStyleLbl="fgAccFollowNode1" presStyleIdx="6" presStyleCnt="21">
+        <dgm:presLayoutVars>
+          <dgm:bulletEnabled val="1"/>
+        </dgm:presLayoutVars>
+      </dgm:prSet>
+      <dgm:spPr/>
+    </dgm:pt>
+    <dgm:pt modelId="{7BAFB321-92A4-465E-B9BD-D00EFF960789}" type="pres">
+      <dgm:prSet presAssocID="{5F4EDA4A-A091-4718-8573-CDB0F79E6CCA}" presName="childTextArrow" presStyleLbl="fgAccFollowNode1" presStyleIdx="7" presStyleCnt="21">
+        <dgm:presLayoutVars>
+          <dgm:bulletEnabled val="1"/>
+        </dgm:presLayoutVars>
+      </dgm:prSet>
+      <dgm:spPr/>
+    </dgm:pt>
+    <dgm:pt modelId="{0252F4BE-8AF5-44CA-8D7D-6A3B00F01908}" type="pres">
+      <dgm:prSet presAssocID="{5ECD7323-3DFC-4871-8324-29002178B27C}" presName="childTextArrow" presStyleLbl="fgAccFollowNode1" presStyleIdx="8" presStyleCnt="21">
+        <dgm:presLayoutVars>
+          <dgm:bulletEnabled val="1"/>
+        </dgm:presLayoutVars>
+      </dgm:prSet>
+      <dgm:spPr/>
+    </dgm:pt>
+    <dgm:pt modelId="{D975D430-7D86-4587-8704-714240195E55}" type="pres">
+      <dgm:prSet presAssocID="{F19B7504-F876-48D1-B4F6-E90C8B7DCB16}" presName="childTextArrow" presStyleLbl="fgAccFollowNode1" presStyleIdx="9" presStyleCnt="21">
+        <dgm:presLayoutVars>
+          <dgm:bulletEnabled val="1"/>
+        </dgm:presLayoutVars>
+      </dgm:prSet>
+      <dgm:spPr/>
+    </dgm:pt>
+    <dgm:pt modelId="{1A85879A-1066-4BEA-9673-F10C6ECF6803}" type="pres">
+      <dgm:prSet presAssocID="{652AEB5D-7126-4EAB-88D6-3B9CBDFF026F}" presName="childTextArrow" presStyleLbl="fgAccFollowNode1" presStyleIdx="10" presStyleCnt="21">
+        <dgm:presLayoutVars>
+          <dgm:bulletEnabled val="1"/>
+        </dgm:presLayoutVars>
+      </dgm:prSet>
+      <dgm:spPr/>
+    </dgm:pt>
+    <dgm:pt modelId="{662D3C99-55C5-4C07-AD36-DE0562B3DBA6}" type="pres">
+      <dgm:prSet presAssocID="{7006DA4A-DC9B-4942-BA49-9C539020F98D}" presName="sp" presStyleCnt="0"/>
+      <dgm:spPr/>
+    </dgm:pt>
+    <dgm:pt modelId="{E66817CE-70ED-4919-B03F-091C97B536ED}" type="pres">
+      <dgm:prSet presAssocID="{FC8F8B7B-FFA3-409F-898F-0BC8FC908300}" presName="arrowAndChildren" presStyleCnt="0"/>
+      <dgm:spPr/>
+    </dgm:pt>
+    <dgm:pt modelId="{0482AF17-ACA9-4CA6-8F28-2365A5BC8686}" type="pres">
+      <dgm:prSet presAssocID="{FC8F8B7B-FFA3-409F-898F-0BC8FC908300}" presName="parentTextArrow" presStyleLbl="node1" presStyleIdx="1" presStyleCnt="4"/>
+      <dgm:spPr/>
+    </dgm:pt>
+    <dgm:pt modelId="{5CC56A8B-5753-4482-929A-8A36B8FBF74E}" type="pres">
+      <dgm:prSet presAssocID="{FC8F8B7B-FFA3-409F-898F-0BC8FC908300}" presName="arrow" presStyleLbl="node1" presStyleIdx="2" presStyleCnt="4"/>
+      <dgm:spPr/>
+    </dgm:pt>
+    <dgm:pt modelId="{B76FFB01-1285-499C-AE90-520BD2562123}" type="pres">
+      <dgm:prSet presAssocID="{FC8F8B7B-FFA3-409F-898F-0BC8FC908300}" presName="descendantArrow" presStyleCnt="0"/>
+      <dgm:spPr/>
+    </dgm:pt>
+    <dgm:pt modelId="{CDF84800-B25E-4DEB-90EA-0362A24251A0}" type="pres">
+      <dgm:prSet presAssocID="{CB8C7042-361F-414B-944F-BC1009A63090}" presName="childTextArrow" presStyleLbl="fgAccFollowNode1" presStyleIdx="11" presStyleCnt="21">
+        <dgm:presLayoutVars>
+          <dgm:bulletEnabled val="1"/>
+        </dgm:presLayoutVars>
+      </dgm:prSet>
+      <dgm:spPr/>
+    </dgm:pt>
+    <dgm:pt modelId="{E8BB6814-1A1E-4E3B-A300-E903272E2D61}" type="pres">
+      <dgm:prSet presAssocID="{A37A14EE-B97E-4627-A372-C54E468776EB}" presName="childTextArrow" presStyleLbl="fgAccFollowNode1" presStyleIdx="12" presStyleCnt="21">
+        <dgm:presLayoutVars>
+          <dgm:bulletEnabled val="1"/>
+        </dgm:presLayoutVars>
+      </dgm:prSet>
+      <dgm:spPr/>
+    </dgm:pt>
+    <dgm:pt modelId="{F9EC6CF3-A747-4108-B437-157EF508FE95}" type="pres">
+      <dgm:prSet presAssocID="{ED1D9A2E-895C-40D4-80DA-018127588E26}" presName="childTextArrow" presStyleLbl="fgAccFollowNode1" presStyleIdx="13" presStyleCnt="21">
+        <dgm:presLayoutVars>
+          <dgm:bulletEnabled val="1"/>
+        </dgm:presLayoutVars>
+      </dgm:prSet>
+      <dgm:spPr/>
+    </dgm:pt>
+    <dgm:pt modelId="{AF7E8031-0FD4-473F-9423-AAE6FC1D9509}" type="pres">
+      <dgm:prSet presAssocID="{2BD114F5-3795-4449-A06C-C8EA799B3A0D}" presName="childTextArrow" presStyleLbl="fgAccFollowNode1" presStyleIdx="14" presStyleCnt="21">
+        <dgm:presLayoutVars>
+          <dgm:bulletEnabled val="1"/>
+        </dgm:presLayoutVars>
+      </dgm:prSet>
+      <dgm:spPr/>
+    </dgm:pt>
+    <dgm:pt modelId="{1640B84D-123A-4758-9371-DECC37A04343}" type="pres">
+      <dgm:prSet presAssocID="{76B4CEC4-ACEB-4015-8B96-E2BA65086B10}" presName="childTextArrow" presStyleLbl="fgAccFollowNode1" presStyleIdx="15" presStyleCnt="21">
+        <dgm:presLayoutVars>
+          <dgm:bulletEnabled val="1"/>
+        </dgm:presLayoutVars>
+      </dgm:prSet>
+      <dgm:spPr/>
+    </dgm:pt>
+    <dgm:pt modelId="{89A4A3D9-A1AB-4CE3-B446-2049235AE3C9}" type="pres">
+      <dgm:prSet presAssocID="{DABF09D6-044D-4767-80A0-35F9CE78C481}" presName="childTextArrow" presStyleLbl="fgAccFollowNode1" presStyleIdx="16" presStyleCnt="21">
+        <dgm:presLayoutVars>
+          <dgm:bulletEnabled val="1"/>
+        </dgm:presLayoutVars>
+      </dgm:prSet>
+      <dgm:spPr/>
+    </dgm:pt>
+    <dgm:pt modelId="{6469DA7D-878C-4612-9F14-C1AFE5E8BD68}" type="pres">
+      <dgm:prSet presAssocID="{B887589A-1053-4DBA-BB8B-47B2EB9B0967}" presName="childTextArrow" presStyleLbl="fgAccFollowNode1" presStyleIdx="17" presStyleCnt="21">
+        <dgm:presLayoutVars>
+          <dgm:bulletEnabled val="1"/>
+        </dgm:presLayoutVars>
+      </dgm:prSet>
+      <dgm:spPr/>
+    </dgm:pt>
+    <dgm:pt modelId="{E42622EB-3ABB-4CCA-ADF9-E6F8CC2D4423}" type="pres">
+      <dgm:prSet presAssocID="{2E8BA1D8-4B89-4D36-91D1-BB8B478FB30D}" presName="sp" presStyleCnt="0"/>
+      <dgm:spPr/>
+    </dgm:pt>
+    <dgm:pt modelId="{2EC7451B-B302-409C-A75C-A6B26A029A54}" type="pres">
+      <dgm:prSet presAssocID="{44D79857-1466-4E8C-9BF9-BE6992CE3AA8}" presName="arrowAndChildren" presStyleCnt="0"/>
+      <dgm:spPr/>
+    </dgm:pt>
+    <dgm:pt modelId="{DBEDDBF5-6992-4C6F-92FE-9E24A16F5C62}" type="pres">
+      <dgm:prSet presAssocID="{44D79857-1466-4E8C-9BF9-BE6992CE3AA8}" presName="parentTextArrow" presStyleLbl="node1" presStyleIdx="2" presStyleCnt="4"/>
+      <dgm:spPr/>
+    </dgm:pt>
+    <dgm:pt modelId="{83E5BB6A-D98E-4C53-B2C6-76BF6E6B141C}" type="pres">
+      <dgm:prSet presAssocID="{44D79857-1466-4E8C-9BF9-BE6992CE3AA8}" presName="arrow" presStyleLbl="node1" presStyleIdx="3" presStyleCnt="4" custLinFactNeighborX="8256" custLinFactNeighborY="-676"/>
+      <dgm:spPr/>
+    </dgm:pt>
+    <dgm:pt modelId="{853336A1-4A6E-4F80-8A21-8C98FBF0608D}" type="pres">
+      <dgm:prSet presAssocID="{44D79857-1466-4E8C-9BF9-BE6992CE3AA8}" presName="descendantArrow" presStyleCnt="0"/>
+      <dgm:spPr/>
+    </dgm:pt>
+    <dgm:pt modelId="{5D295A2D-2BE3-418E-9683-D873D164282F}" type="pres">
+      <dgm:prSet presAssocID="{0049C451-C9E0-4152-835D-7F5B1FEEE42E}" presName="childTextArrow" presStyleLbl="fgAccFollowNode1" presStyleIdx="18" presStyleCnt="21">
+        <dgm:presLayoutVars>
+          <dgm:bulletEnabled val="1"/>
+        </dgm:presLayoutVars>
+      </dgm:prSet>
+      <dgm:spPr/>
+    </dgm:pt>
+    <dgm:pt modelId="{F8325EFC-6A68-499C-BA4E-B8712A211C3B}" type="pres">
+      <dgm:prSet presAssocID="{C5B33DE7-EDCE-4205-AAF2-1EB451564FF1}" presName="childTextArrow" presStyleLbl="fgAccFollowNode1" presStyleIdx="19" presStyleCnt="21">
+        <dgm:presLayoutVars>
+          <dgm:bulletEnabled val="1"/>
+        </dgm:presLayoutVars>
+      </dgm:prSet>
+      <dgm:spPr/>
+    </dgm:pt>
+    <dgm:pt modelId="{A3855532-026C-4A28-94E9-2509D6A17E3F}" type="pres">
+      <dgm:prSet presAssocID="{4CE162A4-CAAC-4E05-ABC9-85D08A870150}" presName="childTextArrow" presStyleLbl="fgAccFollowNode1" presStyleIdx="20" presStyleCnt="21">
+        <dgm:presLayoutVars>
+          <dgm:bulletEnabled val="1"/>
+        </dgm:presLayoutVars>
+      </dgm:prSet>
       <dgm:spPr/>
     </dgm:pt>
   </dgm:ptLst>
   <dgm:cxnLst>
-    <dgm:cxn modelId="{2A3441AC-7F35-48CC-AB58-80BAACB7CA13}" srcId="{C9AE3F6B-C08B-442D-A5E7-2F2FC22BB9C1}" destId="{F85398A1-9926-439F-A513-6B46E870CC2D}" srcOrd="0" destOrd="0" parTransId="{051C9ECE-4878-4ACF-8446-2E2DAC27F377}" sibTransId="{67B8420E-E881-4F7C-A76A-B366291E29AE}"/>
-    <dgm:cxn modelId="{3FDAB327-7DD8-46F8-A63D-0F0287879A57}" type="presOf" srcId="{149ED9E0-90A1-488B-8F46-A033AFF43626}" destId="{FA2B278A-BE9B-4E26-8C79-64A4A4247AFC}" srcOrd="1" destOrd="0" presId="urn:microsoft.com/office/officeart/2008/layout/HorizontalMultiLevelHierarchy"/>
-    <dgm:cxn modelId="{2E5BC705-B424-4C49-9E98-578CBCA193C2}" srcId="{C9AE3F6B-C08B-442D-A5E7-2F2FC22BB9C1}" destId="{BCFF4A93-9408-4354-874B-C93970684E05}" srcOrd="1" destOrd="0" parTransId="{D314EAE4-22E7-41E4-A3E2-AF9A938A45D2}" sibTransId="{C51E7D10-566F-4587-8B01-B1057377E5BB}"/>
-    <dgm:cxn modelId="{3E721300-DB7E-4201-A511-0B14EFC4F348}" type="presOf" srcId="{F85398A1-9926-439F-A513-6B46E870CC2D}" destId="{FAF086AC-986D-4C76-B8A6-2EE7E82C23E3}" srcOrd="0" destOrd="0" presId="urn:microsoft.com/office/officeart/2008/layout/HorizontalMultiLevelHierarchy"/>
-    <dgm:cxn modelId="{6F914E4F-7C3C-4F12-A047-46078DE7C90E}" type="presOf" srcId="{D314EAE4-22E7-41E4-A3E2-AF9A938A45D2}" destId="{3599C707-815F-4CFD-88B1-6B9383155208}" srcOrd="0" destOrd="0" presId="urn:microsoft.com/office/officeart/2008/layout/HorizontalMultiLevelHierarchy"/>
-    <dgm:cxn modelId="{7DE0E9A7-02FD-437A-9C06-386B0E824A1D}" type="presOf" srcId="{C75F104F-C373-451D-81EC-1660453568D4}" destId="{A1F702C8-EC79-4481-BEC7-33D4AF9B75C7}" srcOrd="0" destOrd="0" presId="urn:microsoft.com/office/officeart/2008/layout/HorizontalMultiLevelHierarchy"/>
-    <dgm:cxn modelId="{73A57490-15FB-4B4D-B37D-8649C3DC2223}" srcId="{C75F104F-C373-451D-81EC-1660453568D4}" destId="{C9AE3F6B-C08B-442D-A5E7-2F2FC22BB9C1}" srcOrd="0" destOrd="0" parTransId="{BAF4943A-B4D7-4D43-996A-B09CE53F402B}" sibTransId="{7A88A129-AEFC-4923-8E73-E4FBBF39D976}"/>
-    <dgm:cxn modelId="{D0A22969-17E0-4D71-B16A-B8D7574A788E}" type="presOf" srcId="{D314EAE4-22E7-41E4-A3E2-AF9A938A45D2}" destId="{44DDF3E8-FF0D-434B-9849-F7BBF1375AEF}" srcOrd="1" destOrd="0" presId="urn:microsoft.com/office/officeart/2008/layout/HorizontalMultiLevelHierarchy"/>
-    <dgm:cxn modelId="{8D3D437B-101D-4D69-9518-52083BEB258D}" type="presOf" srcId="{051C9ECE-4878-4ACF-8446-2E2DAC27F377}" destId="{C1216C88-E0E6-45F8-B840-A08D27510929}" srcOrd="1" destOrd="0" presId="urn:microsoft.com/office/officeart/2008/layout/HorizontalMultiLevelHierarchy"/>
-    <dgm:cxn modelId="{DE7AC039-EC0E-4F72-AD8F-14E21D1B9C38}" type="presOf" srcId="{051C9ECE-4878-4ACF-8446-2E2DAC27F377}" destId="{2FD02FCC-40DF-426E-A445-EB18EDF0B150}" srcOrd="0" destOrd="0" presId="urn:microsoft.com/office/officeart/2008/layout/HorizontalMultiLevelHierarchy"/>
-    <dgm:cxn modelId="{49C0C697-B777-4F4C-B813-3CCC2EE1522D}" type="presOf" srcId="{C9AE3F6B-C08B-442D-A5E7-2F2FC22BB9C1}" destId="{EA974E20-DE8C-405C-8770-2C17FED61994}" srcOrd="0" destOrd="0" presId="urn:microsoft.com/office/officeart/2008/layout/HorizontalMultiLevelHierarchy"/>
-    <dgm:cxn modelId="{E321E999-4812-4360-8D76-79898D31242A}" srcId="{C9AE3F6B-C08B-442D-A5E7-2F2FC22BB9C1}" destId="{39B16B9F-92DF-4D6B-BCCD-221AF5C220E1}" srcOrd="2" destOrd="0" parTransId="{149ED9E0-90A1-488B-8F46-A033AFF43626}" sibTransId="{C832D9E0-F6D8-48FA-AF6C-924732A536CA}"/>
-    <dgm:cxn modelId="{90BFD221-7356-41DA-8D79-321F3F6C9F0D}" type="presOf" srcId="{BCFF4A93-9408-4354-874B-C93970684E05}" destId="{202B4DF4-8776-4CC5-B7AF-909196DE1DD1}" srcOrd="0" destOrd="0" presId="urn:microsoft.com/office/officeart/2008/layout/HorizontalMultiLevelHierarchy"/>
-    <dgm:cxn modelId="{0B763E24-9EF7-4E7C-856E-5E91E137B763}" type="presOf" srcId="{39B16B9F-92DF-4D6B-BCCD-221AF5C220E1}" destId="{44F160D8-9A0D-41E3-A5FE-A084FB43B148}" srcOrd="0" destOrd="0" presId="urn:microsoft.com/office/officeart/2008/layout/HorizontalMultiLevelHierarchy"/>
-    <dgm:cxn modelId="{03BC4B1B-9432-4A5D-AF53-FE58585D35A7}" type="presOf" srcId="{149ED9E0-90A1-488B-8F46-A033AFF43626}" destId="{773455A4-C7A4-45C4-A926-215F4F0C0AFB}" srcOrd="0" destOrd="0" presId="urn:microsoft.com/office/officeart/2008/layout/HorizontalMultiLevelHierarchy"/>
-    <dgm:cxn modelId="{4E942900-28CC-4BD7-9D7A-BE9C4D61D542}" type="presParOf" srcId="{A1F702C8-EC79-4481-BEC7-33D4AF9B75C7}" destId="{1CBFA239-022B-4845-9C1D-C09C25C1A64B}" srcOrd="0" destOrd="0" presId="urn:microsoft.com/office/officeart/2008/layout/HorizontalMultiLevelHierarchy"/>
-    <dgm:cxn modelId="{3266C01D-EF24-4261-B163-9466D1AFCCAF}" type="presParOf" srcId="{1CBFA239-022B-4845-9C1D-C09C25C1A64B}" destId="{EA974E20-DE8C-405C-8770-2C17FED61994}" srcOrd="0" destOrd="0" presId="urn:microsoft.com/office/officeart/2008/layout/HorizontalMultiLevelHierarchy"/>
-    <dgm:cxn modelId="{DDA03FCC-5040-4264-97B2-C5F496604159}" type="presParOf" srcId="{1CBFA239-022B-4845-9C1D-C09C25C1A64B}" destId="{59298355-9D16-42C4-B788-06C29C46032E}" srcOrd="1" destOrd="0" presId="urn:microsoft.com/office/officeart/2008/layout/HorizontalMultiLevelHierarchy"/>
-    <dgm:cxn modelId="{0B03BA7D-E4F5-4141-B9FB-AD254A8B40D8}" type="presParOf" srcId="{59298355-9D16-42C4-B788-06C29C46032E}" destId="{2FD02FCC-40DF-426E-A445-EB18EDF0B150}" srcOrd="0" destOrd="0" presId="urn:microsoft.com/office/officeart/2008/layout/HorizontalMultiLevelHierarchy"/>
-    <dgm:cxn modelId="{80728863-D29F-4A23-82B4-69D3B27BCFD8}" type="presParOf" srcId="{2FD02FCC-40DF-426E-A445-EB18EDF0B150}" destId="{C1216C88-E0E6-45F8-B840-A08D27510929}" srcOrd="0" destOrd="0" presId="urn:microsoft.com/office/officeart/2008/layout/HorizontalMultiLevelHierarchy"/>
-    <dgm:cxn modelId="{585D3DEF-1548-4E86-BB8D-2479651762D2}" type="presParOf" srcId="{59298355-9D16-42C4-B788-06C29C46032E}" destId="{53B07587-515B-4212-99DC-F0B9297487BF}" srcOrd="1" destOrd="0" presId="urn:microsoft.com/office/officeart/2008/layout/HorizontalMultiLevelHierarchy"/>
-    <dgm:cxn modelId="{909FDCEE-4AC7-47E7-8059-2CBE022B5A5F}" type="presParOf" srcId="{53B07587-515B-4212-99DC-F0B9297487BF}" destId="{FAF086AC-986D-4C76-B8A6-2EE7E82C23E3}" srcOrd="0" destOrd="0" presId="urn:microsoft.com/office/officeart/2008/layout/HorizontalMultiLevelHierarchy"/>
-    <dgm:cxn modelId="{E2121D04-3A7C-4523-83E2-6D7FFCF6E2B9}" type="presParOf" srcId="{53B07587-515B-4212-99DC-F0B9297487BF}" destId="{074DFC69-BD34-4F0D-8B58-B2E36A027473}" srcOrd="1" destOrd="0" presId="urn:microsoft.com/office/officeart/2008/layout/HorizontalMultiLevelHierarchy"/>
-    <dgm:cxn modelId="{2F4015F6-7EC0-47FD-8B1B-579E5EC956FC}" type="presParOf" srcId="{59298355-9D16-42C4-B788-06C29C46032E}" destId="{3599C707-815F-4CFD-88B1-6B9383155208}" srcOrd="2" destOrd="0" presId="urn:microsoft.com/office/officeart/2008/layout/HorizontalMultiLevelHierarchy"/>
-    <dgm:cxn modelId="{C6FEA004-9F30-4D3A-B356-AA087EE2ADE9}" type="presParOf" srcId="{3599C707-815F-4CFD-88B1-6B9383155208}" destId="{44DDF3E8-FF0D-434B-9849-F7BBF1375AEF}" srcOrd="0" destOrd="0" presId="urn:microsoft.com/office/officeart/2008/layout/HorizontalMultiLevelHierarchy"/>
-    <dgm:cxn modelId="{3085A629-B72E-4B2D-A717-175F10B2DDCC}" type="presParOf" srcId="{59298355-9D16-42C4-B788-06C29C46032E}" destId="{8B7BA6C9-2FB4-4BE2-B993-4DFAB198BCF7}" srcOrd="3" destOrd="0" presId="urn:microsoft.com/office/officeart/2008/layout/HorizontalMultiLevelHierarchy"/>
-    <dgm:cxn modelId="{2B5BA9DA-CA72-4980-9228-68B1F61D903D}" type="presParOf" srcId="{8B7BA6C9-2FB4-4BE2-B993-4DFAB198BCF7}" destId="{202B4DF4-8776-4CC5-B7AF-909196DE1DD1}" srcOrd="0" destOrd="0" presId="urn:microsoft.com/office/officeart/2008/layout/HorizontalMultiLevelHierarchy"/>
-    <dgm:cxn modelId="{BDA88625-D263-4C6A-ACCB-5A26DC411D47}" type="presParOf" srcId="{8B7BA6C9-2FB4-4BE2-B993-4DFAB198BCF7}" destId="{46B3E65B-B3D4-4767-837C-30A1423C3082}" srcOrd="1" destOrd="0" presId="urn:microsoft.com/office/officeart/2008/layout/HorizontalMultiLevelHierarchy"/>
-    <dgm:cxn modelId="{026BBE03-DEEE-4C0C-AC20-A6A3CFA350E8}" type="presParOf" srcId="{59298355-9D16-42C4-B788-06C29C46032E}" destId="{773455A4-C7A4-45C4-A926-215F4F0C0AFB}" srcOrd="4" destOrd="0" presId="urn:microsoft.com/office/officeart/2008/layout/HorizontalMultiLevelHierarchy"/>
-    <dgm:cxn modelId="{F9D82A95-C71D-46E1-BFF7-995892694372}" type="presParOf" srcId="{773455A4-C7A4-45C4-A926-215F4F0C0AFB}" destId="{FA2B278A-BE9B-4E26-8C79-64A4A4247AFC}" srcOrd="0" destOrd="0" presId="urn:microsoft.com/office/officeart/2008/layout/HorizontalMultiLevelHierarchy"/>
-    <dgm:cxn modelId="{83D95B28-F750-4997-ABE5-8EF312609E63}" type="presParOf" srcId="{59298355-9D16-42C4-B788-06C29C46032E}" destId="{4835FD13-A33E-4090-B60C-770193F3C116}" srcOrd="5" destOrd="0" presId="urn:microsoft.com/office/officeart/2008/layout/HorizontalMultiLevelHierarchy"/>
-    <dgm:cxn modelId="{F521C171-F3F9-4A5E-966C-1115AC56ADF3}" type="presParOf" srcId="{4835FD13-A33E-4090-B60C-770193F3C116}" destId="{44F160D8-9A0D-41E3-A5FE-A084FB43B148}" srcOrd="0" destOrd="0" presId="urn:microsoft.com/office/officeart/2008/layout/HorizontalMultiLevelHierarchy"/>
-    <dgm:cxn modelId="{D9D3ABE5-4A45-4A5B-859F-C7D001B5C9C5}" type="presParOf" srcId="{4835FD13-A33E-4090-B60C-770193F3C116}" destId="{64A3EA2C-FB8F-4EDA-BF48-B34EEE8322DC}" srcOrd="1" destOrd="0" presId="urn:microsoft.com/office/officeart/2008/layout/HorizontalMultiLevelHierarchy"/>
+    <dgm:cxn modelId="{620609DD-AA53-4B10-B5EA-A7ABD9BC7353}" srcId="{44D79857-1466-4E8C-9BF9-BE6992CE3AA8}" destId="{0049C451-C9E0-4152-835D-7F5B1FEEE42E}" srcOrd="0" destOrd="0" parTransId="{0E965D5D-1D16-4978-8A0D-7F2DB1E52C23}" sibTransId="{FCEF7111-D774-4DC3-A414-318C2BB78952}"/>
+    <dgm:cxn modelId="{B8C39FF8-6F89-478A-9A48-ADEEFFBF697B}" type="presOf" srcId="{5ECD7323-3DFC-4871-8324-29002178B27C}" destId="{0252F4BE-8AF5-44CA-8D7D-6A3B00F01908}" srcOrd="0" destOrd="0" presId="urn:microsoft.com/office/officeart/2005/8/layout/process4"/>
+    <dgm:cxn modelId="{3BB56C8F-95A5-4488-9F98-02E087185718}" type="presOf" srcId="{2BD114F5-3795-4449-A06C-C8EA799B3A0D}" destId="{AF7E8031-0FD4-473F-9423-AAE6FC1D9509}" srcOrd="0" destOrd="0" presId="urn:microsoft.com/office/officeart/2005/8/layout/process4"/>
+    <dgm:cxn modelId="{16931986-4227-4F31-989A-58FFA04F3675}" type="presOf" srcId="{694E9F3F-7887-46BA-B4CD-71AC34ADA49E}" destId="{B855DE06-56F8-48E7-A602-310B2DA196F7}" srcOrd="0" destOrd="0" presId="urn:microsoft.com/office/officeart/2005/8/layout/process4"/>
+    <dgm:cxn modelId="{CB08D117-01F6-4E46-BF72-22F74E7F7BBE}" srcId="{FC8F8B7B-FFA3-409F-898F-0BC8FC908300}" destId="{76B4CEC4-ACEB-4015-8B96-E2BA65086B10}" srcOrd="4" destOrd="0" parTransId="{FD0FCE20-BBB3-419A-AEDF-D5BF7BDE0A36}" sibTransId="{6E09C1CB-E5FF-483A-8B19-899848A6D28A}"/>
+    <dgm:cxn modelId="{3BA342ED-F9DF-409A-BECF-EF60128DBD39}" type="presOf" srcId="{C5B33DE7-EDCE-4205-AAF2-1EB451564FF1}" destId="{F8325EFC-6A68-499C-BA4E-B8712A211C3B}" srcOrd="0" destOrd="0" presId="urn:microsoft.com/office/officeart/2005/8/layout/process4"/>
+    <dgm:cxn modelId="{744BA441-1885-4A90-AA23-93AF3DDB6D5C}" srcId="{FC8F8B7B-FFA3-409F-898F-0BC8FC908300}" destId="{CB8C7042-361F-414B-944F-BC1009A63090}" srcOrd="0" destOrd="0" parTransId="{63A731B1-3F5B-4F55-A7F9-CAEFE4B28FD9}" sibTransId="{EF119994-7208-47C0-AD84-3D5D75E05C82}"/>
+    <dgm:cxn modelId="{DCCAF79F-CD5F-4B02-A7AB-56A4150727E8}" srcId="{30E5F801-D790-46D6-8B67-15A27B802264}" destId="{F5CA33A8-4834-47B9-AB39-25711E7DD21E}" srcOrd="0" destOrd="0" parTransId="{36990FE0-7F3F-4407-A563-59B55A74DB36}" sibTransId="{7EE86871-3F71-4C09-A5A2-5F949A9FD7AD}"/>
+    <dgm:cxn modelId="{55F7E16E-3016-4394-8234-4DBB1CF10866}" srcId="{C75F104F-C373-451D-81EC-1660453568D4}" destId="{FC8F8B7B-FFA3-409F-898F-0BC8FC908300}" srcOrd="1" destOrd="0" parTransId="{4D449367-D4A6-450B-A99A-BD4F10E7783C}" sibTransId="{7006DA4A-DC9B-4942-BA49-9C539020F98D}"/>
+    <dgm:cxn modelId="{7CF7B776-32CF-4D2C-8DCD-4E105F253A4C}" type="presOf" srcId="{44D79857-1466-4E8C-9BF9-BE6992CE3AA8}" destId="{DBEDDBF5-6992-4C6F-92FE-9E24A16F5C62}" srcOrd="0" destOrd="0" presId="urn:microsoft.com/office/officeart/2005/8/layout/process4"/>
+    <dgm:cxn modelId="{104BDFD0-F47F-43B7-BAF8-958383046625}" type="presOf" srcId="{30E5F801-D790-46D6-8B67-15A27B802264}" destId="{7306D849-764A-42EE-845E-82F2767339C7}" srcOrd="1" destOrd="0" presId="urn:microsoft.com/office/officeart/2005/8/layout/process4"/>
+    <dgm:cxn modelId="{4B0EF5E6-FE96-4D11-BD23-395C8586C604}" srcId="{FC8F8B7B-FFA3-409F-898F-0BC8FC908300}" destId="{B887589A-1053-4DBA-BB8B-47B2EB9B0967}" srcOrd="6" destOrd="0" parTransId="{D5AA1BED-A37B-4ED4-9DA6-88B6CFE692F1}" sibTransId="{C045AA59-C3AE-45B1-A0F7-8CBECC6164C2}"/>
+    <dgm:cxn modelId="{0ACBC926-9B39-44EA-A617-08CF63C36DDF}" type="presOf" srcId="{0049C451-C9E0-4152-835D-7F5B1FEEE42E}" destId="{5D295A2D-2BE3-418E-9683-D873D164282F}" srcOrd="0" destOrd="0" presId="urn:microsoft.com/office/officeart/2005/8/layout/process4"/>
+    <dgm:cxn modelId="{7F09B4B4-8B25-48BF-B0A3-28D462E0746E}" srcId="{FC8F8B7B-FFA3-409F-898F-0BC8FC908300}" destId="{DABF09D6-044D-4767-80A0-35F9CE78C481}" srcOrd="5" destOrd="0" parTransId="{D0774724-840E-4B63-A9D6-8C548CB22D41}" sibTransId="{126CAE22-6E40-4449-B6CA-98A4836BB63D}"/>
+    <dgm:cxn modelId="{D3261B08-C26D-4D8E-A30D-E22111F4215E}" type="presOf" srcId="{F5CA33A8-4834-47B9-AB39-25711E7DD21E}" destId="{CD7A80B5-52A4-44CB-BFF7-AED1EE2FF8F6}" srcOrd="0" destOrd="0" presId="urn:microsoft.com/office/officeart/2005/8/layout/process4"/>
+    <dgm:cxn modelId="{F5701805-0EA7-406A-81DB-75D8C912B56F}" type="presOf" srcId="{F57B556B-CD43-4E6E-AB4B-011084CCEB8D}" destId="{A4C998D9-922E-4F34-BF96-B30FD57FC5B2}" srcOrd="0" destOrd="0" presId="urn:microsoft.com/office/officeart/2005/8/layout/process4"/>
+    <dgm:cxn modelId="{E66968CA-E11E-4F50-8656-DDB210FD6CAE}" srcId="{D22AD307-B6D9-4AFA-8557-053FFAA76F0A}" destId="{F19B7504-F876-48D1-B4F6-E90C8B7DCB16}" srcOrd="5" destOrd="0" parTransId="{076D4FD6-FC66-41B3-B24C-D1609BFAD5F4}" sibTransId="{AE983680-4382-419B-859F-3EECA59B3D8D}"/>
+    <dgm:cxn modelId="{12504840-6D40-499E-8969-ADD3C526E737}" type="presOf" srcId="{08783016-21CD-4E3E-A331-C614BFA52C8C}" destId="{D5A1CADD-06ED-45A1-B18E-CAEA2009415F}" srcOrd="0" destOrd="0" presId="urn:microsoft.com/office/officeart/2005/8/layout/process4"/>
+    <dgm:cxn modelId="{B5CCD3F2-82A3-4428-9138-55F4C4DB24AF}" type="presOf" srcId="{ED1D9A2E-895C-40D4-80DA-018127588E26}" destId="{F9EC6CF3-A747-4108-B437-157EF508FE95}" srcOrd="0" destOrd="0" presId="urn:microsoft.com/office/officeart/2005/8/layout/process4"/>
+    <dgm:cxn modelId="{79DC1344-C768-454E-8A11-CC6F5EBD99D7}" srcId="{44D79857-1466-4E8C-9BF9-BE6992CE3AA8}" destId="{4CE162A4-CAAC-4E05-ABC9-85D08A870150}" srcOrd="2" destOrd="0" parTransId="{CF2AE12A-FFD5-4F10-97EE-57E4E4F7A83F}" sibTransId="{100438E9-9D13-4C5D-8957-8B983DAE0B87}"/>
+    <dgm:cxn modelId="{AAA76BF1-F734-40C4-9948-2A435C60F0FE}" srcId="{C75F104F-C373-451D-81EC-1660453568D4}" destId="{30E5F801-D790-46D6-8B67-15A27B802264}" srcOrd="3" destOrd="0" parTransId="{B6F8A2D5-16AC-4792-96F7-8DF12F7668D5}" sibTransId="{73FF8F02-60C5-4E7D-8341-A0DE76B1DD01}"/>
+    <dgm:cxn modelId="{1DCA82A7-E5BF-40F2-8245-C5CC3BFF312E}" srcId="{D22AD307-B6D9-4AFA-8557-053FFAA76F0A}" destId="{652AEB5D-7126-4EAB-88D6-3B9CBDFF026F}" srcOrd="6" destOrd="0" parTransId="{1C04A2AC-77E3-4EEC-B446-123058813E4A}" sibTransId="{77910DBC-81A8-4C13-A6CE-6B22664046EE}"/>
+    <dgm:cxn modelId="{B9E54901-3BC2-4BA0-8BB6-2C971B95E765}" type="presOf" srcId="{5F4EDA4A-A091-4718-8573-CDB0F79E6CCA}" destId="{7BAFB321-92A4-465E-B9BD-D00EFF960789}" srcOrd="0" destOrd="0" presId="urn:microsoft.com/office/officeart/2005/8/layout/process4"/>
+    <dgm:cxn modelId="{2BF58E11-ACA6-4DDF-847C-C92FB8C6A5C4}" type="presOf" srcId="{4B8B0440-0B63-43A6-A6FE-0CC0FD118177}" destId="{8E9B126D-8AC2-44C3-AB7B-FD42EEF56196}" srcOrd="0" destOrd="0" presId="urn:microsoft.com/office/officeart/2005/8/layout/process4"/>
+    <dgm:cxn modelId="{FC4B1DDE-47B0-41A6-AC6E-EA211B8F4948}" srcId="{FC8F8B7B-FFA3-409F-898F-0BC8FC908300}" destId="{ED1D9A2E-895C-40D4-80DA-018127588E26}" srcOrd="2" destOrd="0" parTransId="{C18F5B59-2449-41EF-8CEE-A4A187A6652E}" sibTransId="{4B007886-A04C-4267-ABE0-7619D2BCC66D}"/>
+    <dgm:cxn modelId="{7400EAB4-E88E-4974-9C97-AD404AF7BB43}" srcId="{30E5F801-D790-46D6-8B67-15A27B802264}" destId="{F57B556B-CD43-4E6E-AB4B-011084CCEB8D}" srcOrd="3" destOrd="0" parTransId="{D37DD544-F93B-4ADB-A218-C6497AD07B7F}" sibTransId="{1AF1CDAE-A589-40AD-B171-F59FCAE90685}"/>
+    <dgm:cxn modelId="{58945380-B363-43D0-9760-2467B4F3F58D}" srcId="{D22AD307-B6D9-4AFA-8557-053FFAA76F0A}" destId="{08783016-21CD-4E3E-A331-C614BFA52C8C}" srcOrd="2" destOrd="0" parTransId="{8746A011-C3A6-41D9-A219-4C52C7AF0B9A}" sibTransId="{B5182E27-4770-4D66-BE4C-8549B860E57C}"/>
+    <dgm:cxn modelId="{79D49529-23EC-44A2-90C8-8868FF516AA8}" type="presOf" srcId="{DABF09D6-044D-4767-80A0-35F9CE78C481}" destId="{89A4A3D9-A1AB-4CE3-B446-2049235AE3C9}" srcOrd="0" destOrd="0" presId="urn:microsoft.com/office/officeart/2005/8/layout/process4"/>
+    <dgm:cxn modelId="{B86AAC0A-9979-4FC2-BC27-AEFE8E014B9A}" type="presOf" srcId="{FC8F8B7B-FFA3-409F-898F-0BC8FC908300}" destId="{5CC56A8B-5753-4482-929A-8A36B8FBF74E}" srcOrd="1" destOrd="0" presId="urn:microsoft.com/office/officeart/2005/8/layout/process4"/>
+    <dgm:cxn modelId="{1FA5E75A-AB81-427C-9F21-77C1638EBA27}" type="presOf" srcId="{9F0E847D-4C12-430E-9A3F-66415ADFD778}" destId="{C84F885C-DC3C-4B1B-8816-BA72ADF797E1}" srcOrd="0" destOrd="0" presId="urn:microsoft.com/office/officeart/2005/8/layout/process4"/>
+    <dgm:cxn modelId="{DC5873A8-58E7-4A57-AFD7-8B4463CF862A}" srcId="{D22AD307-B6D9-4AFA-8557-053FFAA76F0A}" destId="{5ECD7323-3DFC-4871-8324-29002178B27C}" srcOrd="4" destOrd="0" parTransId="{820F384A-4BA6-4596-9F16-07038FC80800}" sibTransId="{A0B58964-7AB5-40FC-807F-ECB422ECE2BD}"/>
+    <dgm:cxn modelId="{53AB880E-B06F-46F3-A989-E0CEFE24BC09}" srcId="{30E5F801-D790-46D6-8B67-15A27B802264}" destId="{9F0E847D-4C12-430E-9A3F-66415ADFD778}" srcOrd="2" destOrd="0" parTransId="{95E1F741-93DA-4BC7-A004-E2E72E926844}" sibTransId="{FC90C16B-F819-4E59-87BA-9967CEB47D5B}"/>
+    <dgm:cxn modelId="{743F0309-AC3C-4747-AB49-9C4C3291B7BB}" srcId="{D22AD307-B6D9-4AFA-8557-053FFAA76F0A}" destId="{5F4EDA4A-A091-4718-8573-CDB0F79E6CCA}" srcOrd="3" destOrd="0" parTransId="{556280FF-20CF-4845-A3BF-6FE05F36C63D}" sibTransId="{5E581B86-3F21-4A6E-9C18-20CEBCBE93F7}"/>
+    <dgm:cxn modelId="{5858002D-DC80-4E0C-B0A0-FD9726F139D0}" type="presOf" srcId="{30E5F801-D790-46D6-8B67-15A27B802264}" destId="{6F74AD63-59F9-415E-BB1B-3B3D36E3DA6E}" srcOrd="0" destOrd="0" presId="urn:microsoft.com/office/officeart/2005/8/layout/process4"/>
+    <dgm:cxn modelId="{CB3E2F2F-59AE-4BD5-85ED-7430A6686B20}" type="presOf" srcId="{B887589A-1053-4DBA-BB8B-47B2EB9B0967}" destId="{6469DA7D-878C-4612-9F14-C1AFE5E8BD68}" srcOrd="0" destOrd="0" presId="urn:microsoft.com/office/officeart/2005/8/layout/process4"/>
+    <dgm:cxn modelId="{4F193D64-5CB5-4040-A337-505F1CF00953}" type="presOf" srcId="{C75F104F-C373-451D-81EC-1660453568D4}" destId="{BF33F4F7-D221-4425-87C0-803F1674E8EC}" srcOrd="0" destOrd="0" presId="urn:microsoft.com/office/officeart/2005/8/layout/process4"/>
+    <dgm:cxn modelId="{68B56D8A-5E8D-4DFF-B2F0-22D16E3FC5E3}" srcId="{D22AD307-B6D9-4AFA-8557-053FFAA76F0A}" destId="{4B8B0440-0B63-43A6-A6FE-0CC0FD118177}" srcOrd="1" destOrd="0" parTransId="{BDDB2F97-E7FC-4471-AAB7-38C00E155635}" sibTransId="{0CB4E1EE-96F5-4CC7-95B3-867BF850DE62}"/>
+    <dgm:cxn modelId="{F57F5F4F-7639-4879-907B-564EAF954457}" srcId="{C75F104F-C373-451D-81EC-1660453568D4}" destId="{D22AD307-B6D9-4AFA-8557-053FFAA76F0A}" srcOrd="2" destOrd="0" parTransId="{674266CA-2766-4916-8796-586B602D78BE}" sibTransId="{E2B0F60D-2350-4E8C-814D-8A2C07CC4550}"/>
+    <dgm:cxn modelId="{55402693-AA3B-4BA2-8982-7C7CDC263C72}" type="presOf" srcId="{4CE162A4-CAAC-4E05-ABC9-85D08A870150}" destId="{A3855532-026C-4A28-94E9-2509D6A17E3F}" srcOrd="0" destOrd="0" presId="urn:microsoft.com/office/officeart/2005/8/layout/process4"/>
+    <dgm:cxn modelId="{DD66F0B6-A512-45C5-90C4-719F13071D87}" type="presOf" srcId="{D22AD307-B6D9-4AFA-8557-053FFAA76F0A}" destId="{AE1037A4-74F5-4040-AB19-721DAD626472}" srcOrd="0" destOrd="0" presId="urn:microsoft.com/office/officeart/2005/8/layout/process4"/>
+    <dgm:cxn modelId="{5C866E0E-9735-453B-9E9B-C37484D71646}" type="presOf" srcId="{D22AD307-B6D9-4AFA-8557-053FFAA76F0A}" destId="{59931FEB-1714-4E33-9605-46E83424265A}" srcOrd="1" destOrd="0" presId="urn:microsoft.com/office/officeart/2005/8/layout/process4"/>
+    <dgm:cxn modelId="{A05A7892-ED62-4959-A276-9FC78DA29E62}" type="presOf" srcId="{A37A14EE-B97E-4627-A372-C54E468776EB}" destId="{E8BB6814-1A1E-4E3B-A300-E903272E2D61}" srcOrd="0" destOrd="0" presId="urn:microsoft.com/office/officeart/2005/8/layout/process4"/>
+    <dgm:cxn modelId="{02E4B751-C0D0-4323-8138-24DB5E9E4FDE}" type="presOf" srcId="{CB8C7042-361F-414B-944F-BC1009A63090}" destId="{CDF84800-B25E-4DEB-90EA-0362A24251A0}" srcOrd="0" destOrd="0" presId="urn:microsoft.com/office/officeart/2005/8/layout/process4"/>
+    <dgm:cxn modelId="{64AC762A-C3EA-4424-8D28-BF262A4A3736}" srcId="{C75F104F-C373-451D-81EC-1660453568D4}" destId="{44D79857-1466-4E8C-9BF9-BE6992CE3AA8}" srcOrd="0" destOrd="0" parTransId="{279B2B5D-53DC-4034-BCFE-901B1DF14105}" sibTransId="{2E8BA1D8-4B89-4D36-91D1-BB8B478FB30D}"/>
+    <dgm:cxn modelId="{E7BDD55F-1727-4728-B2B3-2A1BA21E7847}" type="presOf" srcId="{76B4CEC4-ACEB-4015-8B96-E2BA65086B10}" destId="{1640B84D-123A-4758-9371-DECC37A04343}" srcOrd="0" destOrd="0" presId="urn:microsoft.com/office/officeart/2005/8/layout/process4"/>
+    <dgm:cxn modelId="{6B849052-CB7B-4DBC-9DF6-7AAEB18BFBB6}" type="presOf" srcId="{F19B7504-F876-48D1-B4F6-E90C8B7DCB16}" destId="{D975D430-7D86-4587-8704-714240195E55}" srcOrd="0" destOrd="0" presId="urn:microsoft.com/office/officeart/2005/8/layout/process4"/>
+    <dgm:cxn modelId="{AC6CA252-C1C3-4051-A83C-5FF5A3367013}" srcId="{FC8F8B7B-FFA3-409F-898F-0BC8FC908300}" destId="{A37A14EE-B97E-4627-A372-C54E468776EB}" srcOrd="1" destOrd="0" parTransId="{C072911E-D48E-48DF-A624-4ED40F0C20F1}" sibTransId="{32D85E4B-A97A-4D08-A7ED-DDF63586C037}"/>
+    <dgm:cxn modelId="{923F50F5-EB97-46FE-9FE5-8F163DF5D959}" srcId="{30E5F801-D790-46D6-8B67-15A27B802264}" destId="{D178D562-A7E6-4E9A-AC8B-874FDA7D8E28}" srcOrd="1" destOrd="0" parTransId="{32278BF7-9DD1-40AE-A946-D50C7950B762}" sibTransId="{72B10284-3FCC-48FD-B074-6F3B5149E142}"/>
+    <dgm:cxn modelId="{4EB651A7-ACB9-42CD-A95D-770EB6D18660}" type="presOf" srcId="{D178D562-A7E6-4E9A-AC8B-874FDA7D8E28}" destId="{F39D569D-6DD2-4D5B-BC7E-737635419841}" srcOrd="0" destOrd="0" presId="urn:microsoft.com/office/officeart/2005/8/layout/process4"/>
+    <dgm:cxn modelId="{9056040C-D4CA-4DFF-AEF6-8E9EB5936E76}" type="presOf" srcId="{652AEB5D-7126-4EAB-88D6-3B9CBDFF026F}" destId="{1A85879A-1066-4BEA-9673-F10C6ECF6803}" srcOrd="0" destOrd="0" presId="urn:microsoft.com/office/officeart/2005/8/layout/process4"/>
+    <dgm:cxn modelId="{967D340E-D3E2-496A-9258-6C06588DE4B9}" srcId="{D22AD307-B6D9-4AFA-8557-053FFAA76F0A}" destId="{694E9F3F-7887-46BA-B4CD-71AC34ADA49E}" srcOrd="0" destOrd="0" parTransId="{B48473B0-C1BB-4756-959E-1318988F3836}" sibTransId="{46AF2078-6526-4651-BC70-6D834C924F73}"/>
+    <dgm:cxn modelId="{41912D48-E1E5-4EC8-B9C6-9E0780F238E2}" srcId="{44D79857-1466-4E8C-9BF9-BE6992CE3AA8}" destId="{C5B33DE7-EDCE-4205-AAF2-1EB451564FF1}" srcOrd="1" destOrd="0" parTransId="{E9EEC941-5360-4310-BD96-A4820C118E45}" sibTransId="{DAF34CD9-2F0D-4AB2-984C-7D6C1BCA0811}"/>
+    <dgm:cxn modelId="{AA70A87D-B332-4F31-A655-073EE42A3B7C}" srcId="{FC8F8B7B-FFA3-409F-898F-0BC8FC908300}" destId="{2BD114F5-3795-4449-A06C-C8EA799B3A0D}" srcOrd="3" destOrd="0" parTransId="{13E4A501-8545-4831-AAFA-9FDEA4F495B5}" sibTransId="{F33033B7-CAB0-4C2A-9577-8EB856A2A9B7}"/>
+    <dgm:cxn modelId="{386FE009-C9D3-4EE3-8A57-E2D6D7B6FC35}" type="presOf" srcId="{44D79857-1466-4E8C-9BF9-BE6992CE3AA8}" destId="{83E5BB6A-D98E-4C53-B2C6-76BF6E6B141C}" srcOrd="1" destOrd="0" presId="urn:microsoft.com/office/officeart/2005/8/layout/process4"/>
+    <dgm:cxn modelId="{A3242768-3CFD-4B73-A560-84D91952D192}" type="presOf" srcId="{FC8F8B7B-FFA3-409F-898F-0BC8FC908300}" destId="{0482AF17-ACA9-4CA6-8F28-2365A5BC8686}" srcOrd="0" destOrd="0" presId="urn:microsoft.com/office/officeart/2005/8/layout/process4"/>
+    <dgm:cxn modelId="{7FF42A37-B499-4C62-BC6C-28668B3218CB}" type="presParOf" srcId="{BF33F4F7-D221-4425-87C0-803F1674E8EC}" destId="{EF6DB071-2DCF-4DC8-A1CC-7BDE05A1951F}" srcOrd="0" destOrd="0" presId="urn:microsoft.com/office/officeart/2005/8/layout/process4"/>
+    <dgm:cxn modelId="{B66DC085-1121-4531-A8BE-CC7A292B0D4E}" type="presParOf" srcId="{EF6DB071-2DCF-4DC8-A1CC-7BDE05A1951F}" destId="{6F74AD63-59F9-415E-BB1B-3B3D36E3DA6E}" srcOrd="0" destOrd="0" presId="urn:microsoft.com/office/officeart/2005/8/layout/process4"/>
+    <dgm:cxn modelId="{B5788AD8-632A-47E8-A282-90ABCD15141E}" type="presParOf" srcId="{EF6DB071-2DCF-4DC8-A1CC-7BDE05A1951F}" destId="{7306D849-764A-42EE-845E-82F2767339C7}" srcOrd="1" destOrd="0" presId="urn:microsoft.com/office/officeart/2005/8/layout/process4"/>
+    <dgm:cxn modelId="{6ABCF2C3-703B-4F2B-A0F3-9E61B56ED75B}" type="presParOf" srcId="{EF6DB071-2DCF-4DC8-A1CC-7BDE05A1951F}" destId="{EDB9D7DD-68FF-4AC4-A55A-6A719F246A61}" srcOrd="2" destOrd="0" presId="urn:microsoft.com/office/officeart/2005/8/layout/process4"/>
+    <dgm:cxn modelId="{3ADE6198-6D15-4D58-8474-26043CD6AA45}" type="presParOf" srcId="{EDB9D7DD-68FF-4AC4-A55A-6A719F246A61}" destId="{CD7A80B5-52A4-44CB-BFF7-AED1EE2FF8F6}" srcOrd="0" destOrd="0" presId="urn:microsoft.com/office/officeart/2005/8/layout/process4"/>
+    <dgm:cxn modelId="{87B1A986-EBFE-47FB-921C-DE620C1F85FE}" type="presParOf" srcId="{EDB9D7DD-68FF-4AC4-A55A-6A719F246A61}" destId="{F39D569D-6DD2-4D5B-BC7E-737635419841}" srcOrd="1" destOrd="0" presId="urn:microsoft.com/office/officeart/2005/8/layout/process4"/>
+    <dgm:cxn modelId="{BEF17D95-201E-44B7-9A2E-1FA195C51FFF}" type="presParOf" srcId="{EDB9D7DD-68FF-4AC4-A55A-6A719F246A61}" destId="{C84F885C-DC3C-4B1B-8816-BA72ADF797E1}" srcOrd="2" destOrd="0" presId="urn:microsoft.com/office/officeart/2005/8/layout/process4"/>
+    <dgm:cxn modelId="{56439FFF-B0BF-43EE-AAE4-DB39AC0DBEF4}" type="presParOf" srcId="{EDB9D7DD-68FF-4AC4-A55A-6A719F246A61}" destId="{A4C998D9-922E-4F34-BF96-B30FD57FC5B2}" srcOrd="3" destOrd="0" presId="urn:microsoft.com/office/officeart/2005/8/layout/process4"/>
+    <dgm:cxn modelId="{16F6CBED-88F0-477D-ACCD-E9E813104569}" type="presParOf" srcId="{BF33F4F7-D221-4425-87C0-803F1674E8EC}" destId="{8F4287FB-8B1D-4B40-8CA7-D78B41DBCE4F}" srcOrd="1" destOrd="0" presId="urn:microsoft.com/office/officeart/2005/8/layout/process4"/>
+    <dgm:cxn modelId="{BA6299AB-B342-474B-AFCE-A613E549D053}" type="presParOf" srcId="{BF33F4F7-D221-4425-87C0-803F1674E8EC}" destId="{31A8863F-1B95-43D4-826E-0227F4B5940A}" srcOrd="2" destOrd="0" presId="urn:microsoft.com/office/officeart/2005/8/layout/process4"/>
+    <dgm:cxn modelId="{BDA2F7CA-56EF-4098-95D4-5A34191CEDD4}" type="presParOf" srcId="{31A8863F-1B95-43D4-826E-0227F4B5940A}" destId="{AE1037A4-74F5-4040-AB19-721DAD626472}" srcOrd="0" destOrd="0" presId="urn:microsoft.com/office/officeart/2005/8/layout/process4"/>
+    <dgm:cxn modelId="{0C2A851F-43AE-4728-9D8F-BC5C07F81706}" type="presParOf" srcId="{31A8863F-1B95-43D4-826E-0227F4B5940A}" destId="{59931FEB-1714-4E33-9605-46E83424265A}" srcOrd="1" destOrd="0" presId="urn:microsoft.com/office/officeart/2005/8/layout/process4"/>
+    <dgm:cxn modelId="{7D405461-AA6E-48DC-8D9A-CBF78A31B794}" type="presParOf" srcId="{31A8863F-1B95-43D4-826E-0227F4B5940A}" destId="{59EC0429-E40F-44C4-9885-73B19D17B2A1}" srcOrd="2" destOrd="0" presId="urn:microsoft.com/office/officeart/2005/8/layout/process4"/>
+    <dgm:cxn modelId="{E347CE4F-D31C-4F9B-8B71-63BF1AF9E920}" type="presParOf" srcId="{59EC0429-E40F-44C4-9885-73B19D17B2A1}" destId="{B855DE06-56F8-48E7-A602-310B2DA196F7}" srcOrd="0" destOrd="0" presId="urn:microsoft.com/office/officeart/2005/8/layout/process4"/>
+    <dgm:cxn modelId="{0BF1B1CE-AC65-4DDE-BD2E-14DB86614E49}" type="presParOf" srcId="{59EC0429-E40F-44C4-9885-73B19D17B2A1}" destId="{8E9B126D-8AC2-44C3-AB7B-FD42EEF56196}" srcOrd="1" destOrd="0" presId="urn:microsoft.com/office/officeart/2005/8/layout/process4"/>
+    <dgm:cxn modelId="{0382B843-B7AB-4C56-B4A4-A496A6E30E65}" type="presParOf" srcId="{59EC0429-E40F-44C4-9885-73B19D17B2A1}" destId="{D5A1CADD-06ED-45A1-B18E-CAEA2009415F}" srcOrd="2" destOrd="0" presId="urn:microsoft.com/office/officeart/2005/8/layout/process4"/>
+    <dgm:cxn modelId="{9AE3951A-977C-4628-BE97-48F34C6926EA}" type="presParOf" srcId="{59EC0429-E40F-44C4-9885-73B19D17B2A1}" destId="{7BAFB321-92A4-465E-B9BD-D00EFF960789}" srcOrd="3" destOrd="0" presId="urn:microsoft.com/office/officeart/2005/8/layout/process4"/>
+    <dgm:cxn modelId="{C54E84B8-BE77-4ABB-8E08-0436252463D4}" type="presParOf" srcId="{59EC0429-E40F-44C4-9885-73B19D17B2A1}" destId="{0252F4BE-8AF5-44CA-8D7D-6A3B00F01908}" srcOrd="4" destOrd="0" presId="urn:microsoft.com/office/officeart/2005/8/layout/process4"/>
+    <dgm:cxn modelId="{5A4EB9AD-7A6D-4CD8-9466-EE6A1B4D949D}" type="presParOf" srcId="{59EC0429-E40F-44C4-9885-73B19D17B2A1}" destId="{D975D430-7D86-4587-8704-714240195E55}" srcOrd="5" destOrd="0" presId="urn:microsoft.com/office/officeart/2005/8/layout/process4"/>
+    <dgm:cxn modelId="{23A9574B-E5D6-4276-9E06-C37EE813CE94}" type="presParOf" srcId="{59EC0429-E40F-44C4-9885-73B19D17B2A1}" destId="{1A85879A-1066-4BEA-9673-F10C6ECF6803}" srcOrd="6" destOrd="0" presId="urn:microsoft.com/office/officeart/2005/8/layout/process4"/>
+    <dgm:cxn modelId="{41B55FB1-D1F1-4475-9A14-270E7E3558BA}" type="presParOf" srcId="{BF33F4F7-D221-4425-87C0-803F1674E8EC}" destId="{662D3C99-55C5-4C07-AD36-DE0562B3DBA6}" srcOrd="3" destOrd="0" presId="urn:microsoft.com/office/officeart/2005/8/layout/process4"/>
+    <dgm:cxn modelId="{1CD9567E-8627-4462-9252-44872602FE05}" type="presParOf" srcId="{BF33F4F7-D221-4425-87C0-803F1674E8EC}" destId="{E66817CE-70ED-4919-B03F-091C97B536ED}" srcOrd="4" destOrd="0" presId="urn:microsoft.com/office/officeart/2005/8/layout/process4"/>
+    <dgm:cxn modelId="{A2AF5AF8-8616-45D6-BCD0-FD4765F7DF15}" type="presParOf" srcId="{E66817CE-70ED-4919-B03F-091C97B536ED}" destId="{0482AF17-ACA9-4CA6-8F28-2365A5BC8686}" srcOrd="0" destOrd="0" presId="urn:microsoft.com/office/officeart/2005/8/layout/process4"/>
+    <dgm:cxn modelId="{478C396F-75FD-4BC8-9BE4-EBEACFDDBA20}" type="presParOf" srcId="{E66817CE-70ED-4919-B03F-091C97B536ED}" destId="{5CC56A8B-5753-4482-929A-8A36B8FBF74E}" srcOrd="1" destOrd="0" presId="urn:microsoft.com/office/officeart/2005/8/layout/process4"/>
+    <dgm:cxn modelId="{AE6657A9-550E-45D9-AE9E-87F29A737A21}" type="presParOf" srcId="{E66817CE-70ED-4919-B03F-091C97B536ED}" destId="{B76FFB01-1285-499C-AE90-520BD2562123}" srcOrd="2" destOrd="0" presId="urn:microsoft.com/office/officeart/2005/8/layout/process4"/>
+    <dgm:cxn modelId="{33435B07-632F-42B5-A280-089390331E0C}" type="presParOf" srcId="{B76FFB01-1285-499C-AE90-520BD2562123}" destId="{CDF84800-B25E-4DEB-90EA-0362A24251A0}" srcOrd="0" destOrd="0" presId="urn:microsoft.com/office/officeart/2005/8/layout/process4"/>
+    <dgm:cxn modelId="{12E18CDA-5334-477D-ADF0-6501D40D801F}" type="presParOf" srcId="{B76FFB01-1285-499C-AE90-520BD2562123}" destId="{E8BB6814-1A1E-4E3B-A300-E903272E2D61}" srcOrd="1" destOrd="0" presId="urn:microsoft.com/office/officeart/2005/8/layout/process4"/>
+    <dgm:cxn modelId="{0584967C-6AE7-479D-894A-B28DB78BC7DB}" type="presParOf" srcId="{B76FFB01-1285-499C-AE90-520BD2562123}" destId="{F9EC6CF3-A747-4108-B437-157EF508FE95}" srcOrd="2" destOrd="0" presId="urn:microsoft.com/office/officeart/2005/8/layout/process4"/>
+    <dgm:cxn modelId="{2756B99D-FBA9-4C2B-805B-C0FD8C57007E}" type="presParOf" srcId="{B76FFB01-1285-499C-AE90-520BD2562123}" destId="{AF7E8031-0FD4-473F-9423-AAE6FC1D9509}" srcOrd="3" destOrd="0" presId="urn:microsoft.com/office/officeart/2005/8/layout/process4"/>
+    <dgm:cxn modelId="{C7539804-F7D3-48E9-BAD3-6D71E601B020}" type="presParOf" srcId="{B76FFB01-1285-499C-AE90-520BD2562123}" destId="{1640B84D-123A-4758-9371-DECC37A04343}" srcOrd="4" destOrd="0" presId="urn:microsoft.com/office/officeart/2005/8/layout/process4"/>
+    <dgm:cxn modelId="{B1279944-485E-4E65-A95A-57DECA89A0E4}" type="presParOf" srcId="{B76FFB01-1285-499C-AE90-520BD2562123}" destId="{89A4A3D9-A1AB-4CE3-B446-2049235AE3C9}" srcOrd="5" destOrd="0" presId="urn:microsoft.com/office/officeart/2005/8/layout/process4"/>
+    <dgm:cxn modelId="{20FA50E2-5B6A-4293-A8F5-9309597EC3B0}" type="presParOf" srcId="{B76FFB01-1285-499C-AE90-520BD2562123}" destId="{6469DA7D-878C-4612-9F14-C1AFE5E8BD68}" srcOrd="6" destOrd="0" presId="urn:microsoft.com/office/officeart/2005/8/layout/process4"/>
+    <dgm:cxn modelId="{0E47B8FE-7CF6-4311-B63E-2D95558306C8}" type="presParOf" srcId="{BF33F4F7-D221-4425-87C0-803F1674E8EC}" destId="{E42622EB-3ABB-4CCA-ADF9-E6F8CC2D4423}" srcOrd="5" destOrd="0" presId="urn:microsoft.com/office/officeart/2005/8/layout/process4"/>
+    <dgm:cxn modelId="{2EF1C8B3-5B50-4B40-8666-12FEE50456B9}" type="presParOf" srcId="{BF33F4F7-D221-4425-87C0-803F1674E8EC}" destId="{2EC7451B-B302-409C-A75C-A6B26A029A54}" srcOrd="6" destOrd="0" presId="urn:microsoft.com/office/officeart/2005/8/layout/process4"/>
+    <dgm:cxn modelId="{A54B8386-AC17-46EE-8248-893467BF610E}" type="presParOf" srcId="{2EC7451B-B302-409C-A75C-A6B26A029A54}" destId="{DBEDDBF5-6992-4C6F-92FE-9E24A16F5C62}" srcOrd="0" destOrd="0" presId="urn:microsoft.com/office/officeart/2005/8/layout/process4"/>
+    <dgm:cxn modelId="{492406A2-EA3D-4569-8EB1-A3CA7904C7CF}" type="presParOf" srcId="{2EC7451B-B302-409C-A75C-A6B26A029A54}" destId="{83E5BB6A-D98E-4C53-B2C6-76BF6E6B141C}" srcOrd="1" destOrd="0" presId="urn:microsoft.com/office/officeart/2005/8/layout/process4"/>
+    <dgm:cxn modelId="{4609C360-0DF7-45D7-AC20-4F48C1D70FF6}" type="presParOf" srcId="{2EC7451B-B302-409C-A75C-A6B26A029A54}" destId="{853336A1-4A6E-4F80-8A21-8C98FBF0608D}" srcOrd="2" destOrd="0" presId="urn:microsoft.com/office/officeart/2005/8/layout/process4"/>
+    <dgm:cxn modelId="{CDB302F0-0881-4490-8646-E0FA7D870FC3}" type="presParOf" srcId="{853336A1-4A6E-4F80-8A21-8C98FBF0608D}" destId="{5D295A2D-2BE3-418E-9683-D873D164282F}" srcOrd="0" destOrd="0" presId="urn:microsoft.com/office/officeart/2005/8/layout/process4"/>
+    <dgm:cxn modelId="{DD78AF15-8926-461D-AF65-4BCC9D36E829}" type="presParOf" srcId="{853336A1-4A6E-4F80-8A21-8C98FBF0608D}" destId="{F8325EFC-6A68-499C-BA4E-B8712A211C3B}" srcOrd="1" destOrd="0" presId="urn:microsoft.com/office/officeart/2005/8/layout/process4"/>
+    <dgm:cxn modelId="{887FDAB7-212F-48F0-8DE9-D46669BED88E}" type="presParOf" srcId="{853336A1-4A6E-4F80-8A21-8C98FBF0608D}" destId="{A3855532-026C-4A28-94E9-2509D6A17E3F}" srcOrd="2" destOrd="0" presId="urn:microsoft.com/office/officeart/2005/8/layout/process4"/>
   </dgm:cxnLst>
   <dgm:bg/>
   <dgm:whole/>
@@ -1206,281 +2500,30 @@
       <dsp:cNvGrpSpPr/>
     </dsp:nvGrpSpPr>
     <dsp:grpSpPr/>
-    <dsp:sp modelId="{773455A4-C7A4-45C4-A926-215F4F0C0AFB}">
+    <dsp:sp modelId="{7306D849-764A-42EE-845E-82F2767339C7}">
       <dsp:nvSpPr>
         <dsp:cNvPr id="0" name=""/>
         <dsp:cNvSpPr/>
       </dsp:nvSpPr>
       <dsp:spPr>
         <a:xfrm>
-          <a:off x="1126267" y="2963862"/>
-          <a:ext cx="1983515" cy="1407834"/>
-        </a:xfrm>
-        <a:custGeom>
-          <a:avLst/>
-          <a:gdLst/>
-          <a:ahLst/>
-          <a:cxnLst/>
-          <a:rect l="0" t="0" r="0" b="0"/>
-          <a:pathLst>
-            <a:path>
-              <a:moveTo>
-                <a:pt x="0" y="0"/>
-              </a:moveTo>
-              <a:lnTo>
-                <a:pt x="991757" y="0"/>
-              </a:lnTo>
-              <a:lnTo>
-                <a:pt x="991757" y="1407834"/>
-              </a:lnTo>
-              <a:lnTo>
-                <a:pt x="1983515" y="1407834"/>
-              </a:lnTo>
-            </a:path>
-          </a:pathLst>
-        </a:custGeom>
-        <a:noFill/>
-        <a:ln w="12700" cap="flat" cmpd="sng" algn="ctr">
-          <a:solidFill>
-            <a:schemeClr val="accent4">
-              <a:hueOff val="0"/>
-              <a:satOff val="0"/>
-              <a:lumOff val="0"/>
-              <a:alphaOff val="0"/>
-            </a:schemeClr>
-          </a:solidFill>
-          <a:prstDash val="solid"/>
-          <a:miter lim="800000"/>
-        </a:ln>
-        <a:effectLst/>
-      </dsp:spPr>
-      <dsp:style>
-        <a:lnRef idx="2">
-          <a:scrgbClr r="0" g="0" b="0"/>
-        </a:lnRef>
-        <a:fillRef idx="0">
-          <a:scrgbClr r="0" g="0" b="0"/>
-        </a:fillRef>
-        <a:effectRef idx="0">
-          <a:scrgbClr r="0" g="0" b="0"/>
-        </a:effectRef>
-        <a:fontRef idx="minor"/>
-      </dsp:style>
-      <dsp:txBody>
-        <a:bodyPr spcFirstLastPara="0" vert="horz" wrap="square" lIns="12700" tIns="0" rIns="12700" bIns="0" numCol="1" spcCol="1270" anchor="ctr" anchorCtr="0">
-          <a:noAutofit/>
-        </a:bodyPr>
-        <a:lstStyle/>
-        <a:p>
-          <a:pPr marL="0" lvl="0" indent="0" algn="ctr" defTabSz="355600">
-            <a:lnSpc>
-              <a:spcPct val="90000"/>
-            </a:lnSpc>
-            <a:spcBef>
-              <a:spcPct val="0"/>
-            </a:spcBef>
-            <a:spcAft>
-              <a:spcPct val="35000"/>
-            </a:spcAft>
-            <a:buNone/>
-          </a:pPr>
-          <a:endParaRPr lang="en-US" sz="800" kern="1200"/>
-        </a:p>
-      </dsp:txBody>
-      <dsp:txXfrm>
-        <a:off x="2057216" y="3606971"/>
-        <a:ext cx="121617" cy="121617"/>
-      </dsp:txXfrm>
-    </dsp:sp>
-    <dsp:sp modelId="{3599C707-815F-4CFD-88B1-6B9383155208}">
-      <dsp:nvSpPr>
-        <dsp:cNvPr id="0" name=""/>
-        <dsp:cNvSpPr/>
-      </dsp:nvSpPr>
-      <dsp:spPr>
-        <a:xfrm>
-          <a:off x="1126267" y="2918142"/>
-          <a:ext cx="1983515" cy="91440"/>
-        </a:xfrm>
-        <a:custGeom>
-          <a:avLst/>
-          <a:gdLst/>
-          <a:ahLst/>
-          <a:cxnLst/>
-          <a:rect l="0" t="0" r="0" b="0"/>
-          <a:pathLst>
-            <a:path>
-              <a:moveTo>
-                <a:pt x="0" y="45720"/>
-              </a:moveTo>
-              <a:lnTo>
-                <a:pt x="1983515" y="45720"/>
-              </a:lnTo>
-            </a:path>
-          </a:pathLst>
-        </a:custGeom>
-        <a:noFill/>
-        <a:ln w="12700" cap="flat" cmpd="sng" algn="ctr">
-          <a:solidFill>
-            <a:schemeClr val="accent4">
-              <a:hueOff val="0"/>
-              <a:satOff val="0"/>
-              <a:lumOff val="0"/>
-              <a:alphaOff val="0"/>
-            </a:schemeClr>
-          </a:solidFill>
-          <a:prstDash val="solid"/>
-          <a:miter lim="800000"/>
-        </a:ln>
-        <a:effectLst/>
-      </dsp:spPr>
-      <dsp:style>
-        <a:lnRef idx="2">
-          <a:scrgbClr r="0" g="0" b="0"/>
-        </a:lnRef>
-        <a:fillRef idx="0">
-          <a:scrgbClr r="0" g="0" b="0"/>
-        </a:fillRef>
-        <a:effectRef idx="0">
-          <a:scrgbClr r="0" g="0" b="0"/>
-        </a:effectRef>
-        <a:fontRef idx="minor"/>
-      </dsp:style>
-      <dsp:txBody>
-        <a:bodyPr spcFirstLastPara="0" vert="horz" wrap="square" lIns="12700" tIns="0" rIns="12700" bIns="0" numCol="1" spcCol="1270" anchor="ctr" anchorCtr="0">
-          <a:noAutofit/>
-        </a:bodyPr>
-        <a:lstStyle/>
-        <a:p>
-          <a:pPr marL="0" lvl="0" indent="0" algn="ctr" defTabSz="311150">
-            <a:lnSpc>
-              <a:spcPct val="90000"/>
-            </a:lnSpc>
-            <a:spcBef>
-              <a:spcPct val="0"/>
-            </a:spcBef>
-            <a:spcAft>
-              <a:spcPct val="35000"/>
-            </a:spcAft>
-            <a:buNone/>
-          </a:pPr>
-          <a:endParaRPr lang="en-US" sz="700" kern="1200"/>
-        </a:p>
-      </dsp:txBody>
-      <dsp:txXfrm>
-        <a:off x="2068437" y="2914274"/>
-        <a:ext cx="99175" cy="99175"/>
-      </dsp:txXfrm>
-    </dsp:sp>
-    <dsp:sp modelId="{2FD02FCC-40DF-426E-A445-EB18EDF0B150}">
-      <dsp:nvSpPr>
-        <dsp:cNvPr id="0" name=""/>
-        <dsp:cNvSpPr/>
-      </dsp:nvSpPr>
-      <dsp:spPr>
-        <a:xfrm>
-          <a:off x="1126267" y="1556027"/>
-          <a:ext cx="1983515" cy="1407834"/>
-        </a:xfrm>
-        <a:custGeom>
-          <a:avLst/>
-          <a:gdLst/>
-          <a:ahLst/>
-          <a:cxnLst/>
-          <a:rect l="0" t="0" r="0" b="0"/>
-          <a:pathLst>
-            <a:path>
-              <a:moveTo>
-                <a:pt x="0" y="1407834"/>
-              </a:moveTo>
-              <a:lnTo>
-                <a:pt x="991757" y="1407834"/>
-              </a:lnTo>
-              <a:lnTo>
-                <a:pt x="991757" y="0"/>
-              </a:lnTo>
-              <a:lnTo>
-                <a:pt x="1983515" y="0"/>
-              </a:lnTo>
-            </a:path>
-          </a:pathLst>
-        </a:custGeom>
-        <a:noFill/>
-        <a:ln w="12700" cap="flat" cmpd="sng" algn="ctr">
-          <a:solidFill>
-            <a:schemeClr val="accent4">
-              <a:hueOff val="0"/>
-              <a:satOff val="0"/>
-              <a:lumOff val="0"/>
-              <a:alphaOff val="0"/>
-            </a:schemeClr>
-          </a:solidFill>
-          <a:prstDash val="solid"/>
-          <a:miter lim="800000"/>
-        </a:ln>
-        <a:effectLst/>
-      </dsp:spPr>
-      <dsp:style>
-        <a:lnRef idx="2">
-          <a:scrgbClr r="0" g="0" b="0"/>
-        </a:lnRef>
-        <a:fillRef idx="0">
-          <a:scrgbClr r="0" g="0" b="0"/>
-        </a:fillRef>
-        <a:effectRef idx="0">
-          <a:scrgbClr r="0" g="0" b="0"/>
-        </a:effectRef>
-        <a:fontRef idx="minor"/>
-      </dsp:style>
-      <dsp:txBody>
-        <a:bodyPr spcFirstLastPara="0" vert="horz" wrap="square" lIns="12700" tIns="0" rIns="12700" bIns="0" numCol="1" spcCol="1270" anchor="ctr" anchorCtr="0">
-          <a:noAutofit/>
-        </a:bodyPr>
-        <a:lstStyle/>
-        <a:p>
-          <a:pPr marL="0" lvl="0" indent="0" algn="ctr" defTabSz="355600">
-            <a:lnSpc>
-              <a:spcPct val="90000"/>
-            </a:lnSpc>
-            <a:spcBef>
-              <a:spcPct val="0"/>
-            </a:spcBef>
-            <a:spcAft>
-              <a:spcPct val="35000"/>
-            </a:spcAft>
-            <a:buNone/>
-          </a:pPr>
-          <a:endParaRPr lang="en-US" sz="800" kern="1200"/>
-        </a:p>
-      </dsp:txBody>
-      <dsp:txXfrm>
-        <a:off x="2057216" y="2199136"/>
-        <a:ext cx="121617" cy="121617"/>
-      </dsp:txXfrm>
-    </dsp:sp>
-    <dsp:sp modelId="{EA974E20-DE8C-405C-8770-2C17FED61994}">
-      <dsp:nvSpPr>
-        <dsp:cNvPr id="0" name=""/>
-        <dsp:cNvSpPr/>
-      </dsp:nvSpPr>
-      <dsp:spPr>
-        <a:xfrm rot="16200000">
-          <a:off x="-2400728" y="2400728"/>
-          <a:ext cx="5927724" cy="1126267"/>
+          <a:off x="0" y="7923451"/>
+          <a:ext cx="11179277" cy="1733457"/>
         </a:xfrm>
         <a:prstGeom prst="rect">
           <a:avLst/>
         </a:prstGeom>
         <a:solidFill>
-          <a:srgbClr val="C00000"/>
+          <a:schemeClr val="tx1">
+            <a:lumMod val="95000"/>
+            <a:lumOff val="5000"/>
+          </a:schemeClr>
         </a:solidFill>
         <a:ln w="12700" cap="flat" cmpd="sng" algn="ctr">
           <a:solidFill>
-            <a:schemeClr val="lt1">
-              <a:hueOff val="0"/>
-              <a:satOff val="0"/>
-              <a:lumOff val="0"/>
-              <a:alphaOff val="0"/>
+            <a:schemeClr val="tx1">
+              <a:lumMod val="95000"/>
+              <a:lumOff val="5000"/>
             </a:schemeClr>
           </a:solidFill>
           <a:prstDash val="solid"/>
@@ -1503,12 +2546,12 @@
         </a:fontRef>
       </dsp:style>
       <dsp:txBody>
-        <a:bodyPr spcFirstLastPara="0" vert="horz" wrap="square" lIns="25400" tIns="25400" rIns="25400" bIns="25400" numCol="1" spcCol="1270" anchor="ctr" anchorCtr="0">
+        <a:bodyPr spcFirstLastPara="0" vert="horz" wrap="square" lIns="234696" tIns="234696" rIns="234696" bIns="234696" numCol="1" spcCol="1270" anchor="ctr" anchorCtr="0">
           <a:noAutofit/>
         </a:bodyPr>
         <a:lstStyle/>
         <a:p>
-          <a:pPr marL="0" lvl="0" indent="0" algn="ctr" defTabSz="1778000">
+          <a:pPr marL="0" lvl="0" indent="0" algn="ctr" defTabSz="1466850">
             <a:lnSpc>
               <a:spcPct val="90000"/>
             </a:lnSpc>
@@ -1521,40 +2564,311 @@
             <a:buNone/>
           </a:pPr>
           <a:r>
-            <a:rPr lang="en-US" sz="4000" kern="1200" dirty="0"/>
-            <a:t>Presentation Layer</a:t>
+            <a:rPr lang="en-US" sz="3300" kern="1200" dirty="0"/>
+            <a:t>Data/Databases Layer</a:t>
           </a:r>
         </a:p>
       </dsp:txBody>
       <dsp:txXfrm>
-        <a:off x="-2400728" y="2400728"/>
-        <a:ext cx="5927724" cy="1126267"/>
+        <a:off x="0" y="7923451"/>
+        <a:ext cx="11179277" cy="936067"/>
       </dsp:txXfrm>
     </dsp:sp>
-    <dsp:sp modelId="{FAF086AC-986D-4C76-B8A6-2EE7E82C23E3}">
+    <dsp:sp modelId="{CD7A80B5-52A4-44CB-BFF7-AED1EE2FF8F6}">
       <dsp:nvSpPr>
         <dsp:cNvPr id="0" name=""/>
         <dsp:cNvSpPr/>
       </dsp:nvSpPr>
       <dsp:spPr>
         <a:xfrm>
-          <a:off x="3109783" y="992893"/>
-          <a:ext cx="3694158" cy="1126267"/>
+          <a:off x="0" y="8862802"/>
+          <a:ext cx="2794819" cy="797390"/>
         </a:xfrm>
         <a:prstGeom prst="rect">
           <a:avLst/>
         </a:prstGeom>
         <a:solidFill>
-          <a:srgbClr val="FF7979"/>
+          <a:schemeClr val="bg1">
+            <a:lumMod val="50000"/>
+            <a:alpha val="90000"/>
+          </a:schemeClr>
         </a:solidFill>
         <a:ln w="12700" cap="flat" cmpd="sng" algn="ctr">
           <a:solidFill>
-            <a:schemeClr val="lt1">
-              <a:hueOff val="0"/>
-              <a:satOff val="0"/>
-              <a:lumOff val="0"/>
-              <a:alphaOff val="0"/>
-            </a:schemeClr>
+            <a:schemeClr val="tx1"/>
+          </a:solidFill>
+          <a:prstDash val="solid"/>
+          <a:miter lim="800000"/>
+        </a:ln>
+        <a:effectLst/>
+      </dsp:spPr>
+      <dsp:style>
+        <a:lnRef idx="2">
+          <a:scrgbClr r="0" g="0" b="0"/>
+        </a:lnRef>
+        <a:fillRef idx="1">
+          <a:scrgbClr r="0" g="0" b="0"/>
+        </a:fillRef>
+        <a:effectRef idx="0">
+          <a:scrgbClr r="0" g="0" b="0"/>
+        </a:effectRef>
+        <a:fontRef idx="minor"/>
+      </dsp:style>
+      <dsp:txBody>
+        <a:bodyPr spcFirstLastPara="0" vert="horz" wrap="square" lIns="128016" tIns="22860" rIns="128016" bIns="22860" numCol="1" spcCol="1270" anchor="ctr" anchorCtr="0">
+          <a:noAutofit/>
+        </a:bodyPr>
+        <a:lstStyle/>
+        <a:p>
+          <a:pPr marL="0" lvl="0" indent="0" algn="ctr" defTabSz="800100">
+            <a:lnSpc>
+              <a:spcPct val="90000"/>
+            </a:lnSpc>
+            <a:spcBef>
+              <a:spcPct val="0"/>
+            </a:spcBef>
+            <a:spcAft>
+              <a:spcPct val="35000"/>
+            </a:spcAft>
+            <a:buNone/>
+          </a:pPr>
+          <a:r>
+            <a:rPr lang="en-US" sz="1800" kern="1200" dirty="0"/>
+            <a:t>SQL Server</a:t>
+          </a:r>
+        </a:p>
+      </dsp:txBody>
+      <dsp:txXfrm>
+        <a:off x="0" y="8862802"/>
+        <a:ext cx="2794819" cy="797390"/>
+      </dsp:txXfrm>
+    </dsp:sp>
+    <dsp:sp modelId="{F39D569D-6DD2-4D5B-BC7E-737635419841}">
+      <dsp:nvSpPr>
+        <dsp:cNvPr id="0" name=""/>
+        <dsp:cNvSpPr/>
+      </dsp:nvSpPr>
+      <dsp:spPr>
+        <a:xfrm>
+          <a:off x="2794819" y="8862802"/>
+          <a:ext cx="2794819" cy="797390"/>
+        </a:xfrm>
+        <a:prstGeom prst="rect">
+          <a:avLst/>
+        </a:prstGeom>
+        <a:solidFill>
+          <a:schemeClr val="bg1">
+            <a:lumMod val="65000"/>
+            <a:alpha val="90000"/>
+          </a:schemeClr>
+        </a:solidFill>
+        <a:ln w="12700" cap="flat" cmpd="sng" algn="ctr">
+          <a:solidFill>
+            <a:schemeClr val="tx1"/>
+          </a:solidFill>
+          <a:prstDash val="solid"/>
+          <a:miter lim="800000"/>
+        </a:ln>
+        <a:effectLst/>
+      </dsp:spPr>
+      <dsp:style>
+        <a:lnRef idx="2">
+          <a:scrgbClr r="0" g="0" b="0"/>
+        </a:lnRef>
+        <a:fillRef idx="1">
+          <a:scrgbClr r="0" g="0" b="0"/>
+        </a:fillRef>
+        <a:effectRef idx="0">
+          <a:scrgbClr r="0" g="0" b="0"/>
+        </a:effectRef>
+        <a:fontRef idx="minor"/>
+      </dsp:style>
+      <dsp:txBody>
+        <a:bodyPr spcFirstLastPara="0" vert="horz" wrap="square" lIns="128016" tIns="22860" rIns="128016" bIns="22860" numCol="1" spcCol="1270" anchor="ctr" anchorCtr="0">
+          <a:noAutofit/>
+        </a:bodyPr>
+        <a:lstStyle/>
+        <a:p>
+          <a:pPr marL="0" lvl="0" indent="0" algn="ctr" defTabSz="800100">
+            <a:lnSpc>
+              <a:spcPct val="90000"/>
+            </a:lnSpc>
+            <a:spcBef>
+              <a:spcPct val="0"/>
+            </a:spcBef>
+            <a:spcAft>
+              <a:spcPct val="35000"/>
+            </a:spcAft>
+            <a:buNone/>
+          </a:pPr>
+          <a:r>
+            <a:rPr lang="en-US" sz="1800" kern="1200" dirty="0"/>
+            <a:t>File System</a:t>
+          </a:r>
+        </a:p>
+      </dsp:txBody>
+      <dsp:txXfrm>
+        <a:off x="2794819" y="8862802"/>
+        <a:ext cx="2794819" cy="797390"/>
+      </dsp:txXfrm>
+    </dsp:sp>
+    <dsp:sp modelId="{C84F885C-DC3C-4B1B-8816-BA72ADF797E1}">
+      <dsp:nvSpPr>
+        <dsp:cNvPr id="0" name=""/>
+        <dsp:cNvSpPr/>
+      </dsp:nvSpPr>
+      <dsp:spPr>
+        <a:xfrm>
+          <a:off x="5589638" y="8862802"/>
+          <a:ext cx="2794819" cy="797390"/>
+        </a:xfrm>
+        <a:prstGeom prst="rect">
+          <a:avLst/>
+        </a:prstGeom>
+        <a:solidFill>
+          <a:schemeClr val="bg1">
+            <a:lumMod val="75000"/>
+            <a:alpha val="90000"/>
+          </a:schemeClr>
+        </a:solidFill>
+        <a:ln w="12700" cap="flat" cmpd="sng" algn="ctr">
+          <a:solidFill>
+            <a:schemeClr val="tx1"/>
+          </a:solidFill>
+          <a:prstDash val="solid"/>
+          <a:miter lim="800000"/>
+        </a:ln>
+        <a:effectLst/>
+      </dsp:spPr>
+      <dsp:style>
+        <a:lnRef idx="2">
+          <a:scrgbClr r="0" g="0" b="0"/>
+        </a:lnRef>
+        <a:fillRef idx="1">
+          <a:scrgbClr r="0" g="0" b="0"/>
+        </a:fillRef>
+        <a:effectRef idx="0">
+          <a:scrgbClr r="0" g="0" b="0"/>
+        </a:effectRef>
+        <a:fontRef idx="minor"/>
+      </dsp:style>
+      <dsp:txBody>
+        <a:bodyPr spcFirstLastPara="0" vert="horz" wrap="square" lIns="128016" tIns="22860" rIns="128016" bIns="22860" numCol="1" spcCol="1270" anchor="ctr" anchorCtr="0">
+          <a:noAutofit/>
+        </a:bodyPr>
+        <a:lstStyle/>
+        <a:p>
+          <a:pPr marL="0" lvl="0" indent="0" algn="ctr" defTabSz="800100">
+            <a:lnSpc>
+              <a:spcPct val="90000"/>
+            </a:lnSpc>
+            <a:spcBef>
+              <a:spcPct val="0"/>
+            </a:spcBef>
+            <a:spcAft>
+              <a:spcPct val="35000"/>
+            </a:spcAft>
+            <a:buNone/>
+          </a:pPr>
+          <a:r>
+            <a:rPr lang="en-US" sz="1800" kern="1200" dirty="0"/>
+            <a:t>Data Access Components</a:t>
+          </a:r>
+        </a:p>
+      </dsp:txBody>
+      <dsp:txXfrm>
+        <a:off x="5589638" y="8862802"/>
+        <a:ext cx="2794819" cy="797390"/>
+      </dsp:txXfrm>
+    </dsp:sp>
+    <dsp:sp modelId="{A4C998D9-922E-4F34-BF96-B30FD57FC5B2}">
+      <dsp:nvSpPr>
+        <dsp:cNvPr id="0" name=""/>
+        <dsp:cNvSpPr/>
+      </dsp:nvSpPr>
+      <dsp:spPr>
+        <a:xfrm>
+          <a:off x="8384457" y="8862802"/>
+          <a:ext cx="2794819" cy="797390"/>
+        </a:xfrm>
+        <a:prstGeom prst="rect">
+          <a:avLst/>
+        </a:prstGeom>
+        <a:solidFill>
+          <a:schemeClr val="bg1">
+            <a:lumMod val="85000"/>
+            <a:alpha val="90000"/>
+          </a:schemeClr>
+        </a:solidFill>
+        <a:ln w="12700" cap="flat" cmpd="sng" algn="ctr">
+          <a:solidFill>
+            <a:schemeClr val="tx1"/>
+          </a:solidFill>
+          <a:prstDash val="solid"/>
+          <a:miter lim="800000"/>
+        </a:ln>
+        <a:effectLst/>
+      </dsp:spPr>
+      <dsp:style>
+        <a:lnRef idx="2">
+          <a:scrgbClr r="0" g="0" b="0"/>
+        </a:lnRef>
+        <a:fillRef idx="1">
+          <a:scrgbClr r="0" g="0" b="0"/>
+        </a:fillRef>
+        <a:effectRef idx="0">
+          <a:scrgbClr r="0" g="0" b="0"/>
+        </a:effectRef>
+        <a:fontRef idx="minor"/>
+      </dsp:style>
+      <dsp:txBody>
+        <a:bodyPr spcFirstLastPara="0" vert="horz" wrap="square" lIns="128016" tIns="22860" rIns="128016" bIns="22860" numCol="1" spcCol="1270" anchor="ctr" anchorCtr="0">
+          <a:noAutofit/>
+        </a:bodyPr>
+        <a:lstStyle/>
+        <a:p>
+          <a:pPr marL="0" lvl="0" indent="0" algn="ctr" defTabSz="800100">
+            <a:lnSpc>
+              <a:spcPct val="90000"/>
+            </a:lnSpc>
+            <a:spcBef>
+              <a:spcPct val="0"/>
+            </a:spcBef>
+            <a:spcAft>
+              <a:spcPct val="35000"/>
+            </a:spcAft>
+            <a:buNone/>
+          </a:pPr>
+          <a:r>
+            <a:rPr lang="en-US" sz="1800" kern="1200" dirty="0"/>
+            <a:t>XML/PDF/HTML/CSS Files</a:t>
+          </a:r>
+        </a:p>
+      </dsp:txBody>
+      <dsp:txXfrm>
+        <a:off x="8384457" y="8862802"/>
+        <a:ext cx="2794819" cy="797390"/>
+      </dsp:txXfrm>
+    </dsp:sp>
+    <dsp:sp modelId="{59931FEB-1714-4E33-9605-46E83424265A}">
+      <dsp:nvSpPr>
+        <dsp:cNvPr id="0" name=""/>
+        <dsp:cNvSpPr/>
+      </dsp:nvSpPr>
+      <dsp:spPr>
+        <a:xfrm rot="10800000">
+          <a:off x="0" y="5283395"/>
+          <a:ext cx="11179277" cy="2666057"/>
+        </a:xfrm>
+        <a:prstGeom prst="upArrowCallout">
+          <a:avLst/>
+        </a:prstGeom>
+        <a:solidFill>
+          <a:srgbClr val="006600"/>
+        </a:solidFill>
+        <a:ln w="12700" cap="flat" cmpd="sng" algn="ctr">
+          <a:solidFill>
+            <a:schemeClr val="tx1"/>
           </a:solidFill>
           <a:prstDash val="solid"/>
           <a:miter lim="800000"/>
@@ -1576,12 +2890,12 @@
         </a:fontRef>
       </dsp:style>
       <dsp:txBody>
-        <a:bodyPr spcFirstLastPara="0" vert="horz" wrap="square" lIns="28575" tIns="28575" rIns="28575" bIns="28575" numCol="1" spcCol="1270" anchor="ctr" anchorCtr="0">
+        <a:bodyPr spcFirstLastPara="0" vert="horz" wrap="square" lIns="234696" tIns="234696" rIns="234696" bIns="234696" numCol="1" spcCol="1270" anchor="ctr" anchorCtr="0">
           <a:noAutofit/>
         </a:bodyPr>
         <a:lstStyle/>
         <a:p>
-          <a:pPr marL="0" lvl="0" indent="0" algn="ctr" defTabSz="2000250">
+          <a:pPr marL="0" lvl="0" indent="0" algn="ctr" defTabSz="1466850">
             <a:lnSpc>
               <a:spcPct val="90000"/>
             </a:lnSpc>
@@ -1594,40 +2908,513 @@
             <a:buNone/>
           </a:pPr>
           <a:r>
-            <a:rPr lang="en-US" sz="4500" kern="1200" dirty="0"/>
-            <a:t>UI Components</a:t>
+            <a:rPr lang="en-US" sz="3300" kern="1200" dirty="0"/>
+            <a:t>Business Logic Layer</a:t>
           </a:r>
         </a:p>
       </dsp:txBody>
-      <dsp:txXfrm>
-        <a:off x="3109783" y="992893"/>
-        <a:ext cx="3694158" cy="1126267"/>
+      <dsp:txXfrm rot="-10800000">
+        <a:off x="0" y="5283395"/>
+        <a:ext cx="11179277" cy="935786"/>
       </dsp:txXfrm>
     </dsp:sp>
-    <dsp:sp modelId="{202B4DF4-8776-4CC5-B7AF-909196DE1DD1}">
+    <dsp:sp modelId="{B855DE06-56F8-48E7-A602-310B2DA196F7}">
       <dsp:nvSpPr>
         <dsp:cNvPr id="0" name=""/>
         <dsp:cNvSpPr/>
       </dsp:nvSpPr>
       <dsp:spPr>
         <a:xfrm>
-          <a:off x="3109783" y="2400728"/>
-          <a:ext cx="3694158" cy="1126267"/>
+          <a:off x="1364" y="6219181"/>
+          <a:ext cx="1596649" cy="797151"/>
         </a:xfrm>
         <a:prstGeom prst="rect">
           <a:avLst/>
         </a:prstGeom>
         <a:solidFill>
-          <a:srgbClr val="FF7979"/>
+          <a:srgbClr val="00B800">
+            <a:alpha val="89804"/>
+          </a:srgbClr>
         </a:solidFill>
         <a:ln w="12700" cap="flat" cmpd="sng" algn="ctr">
           <a:solidFill>
-            <a:schemeClr val="lt1">
-              <a:hueOff val="0"/>
-              <a:satOff val="0"/>
-              <a:lumOff val="0"/>
-              <a:alphaOff val="0"/>
-            </a:schemeClr>
+            <a:schemeClr val="tx1"/>
+          </a:solidFill>
+          <a:prstDash val="solid"/>
+          <a:miter lim="800000"/>
+        </a:ln>
+        <a:effectLst/>
+      </dsp:spPr>
+      <dsp:style>
+        <a:lnRef idx="2">
+          <a:scrgbClr r="0" g="0" b="0"/>
+        </a:lnRef>
+        <a:fillRef idx="1">
+          <a:scrgbClr r="0" g="0" b="0"/>
+        </a:fillRef>
+        <a:effectRef idx="0">
+          <a:scrgbClr r="0" g="0" b="0"/>
+        </a:effectRef>
+        <a:fontRef idx="minor"/>
+      </dsp:style>
+      <dsp:txBody>
+        <a:bodyPr spcFirstLastPara="0" vert="horz" wrap="square" lIns="128016" tIns="22860" rIns="128016" bIns="22860" numCol="1" spcCol="1270" anchor="ctr" anchorCtr="0">
+          <a:noAutofit/>
+        </a:bodyPr>
+        <a:lstStyle/>
+        <a:p>
+          <a:pPr marL="0" lvl="0" indent="0" algn="ctr" defTabSz="800100">
+            <a:lnSpc>
+              <a:spcPct val="90000"/>
+            </a:lnSpc>
+            <a:spcBef>
+              <a:spcPct val="0"/>
+            </a:spcBef>
+            <a:spcAft>
+              <a:spcPct val="35000"/>
+            </a:spcAft>
+            <a:buNone/>
+          </a:pPr>
+          <a:r>
+            <a:rPr lang="en-US" sz="1800" kern="1200" dirty="0"/>
+            <a:t>Content Management</a:t>
+          </a:r>
+        </a:p>
+      </dsp:txBody>
+      <dsp:txXfrm>
+        <a:off x="1364" y="6219181"/>
+        <a:ext cx="1596649" cy="797151"/>
+      </dsp:txXfrm>
+    </dsp:sp>
+    <dsp:sp modelId="{8E9B126D-8AC2-44C3-AB7B-FD42EEF56196}">
+      <dsp:nvSpPr>
+        <dsp:cNvPr id="0" name=""/>
+        <dsp:cNvSpPr/>
+      </dsp:nvSpPr>
+      <dsp:spPr>
+        <a:xfrm>
+          <a:off x="1598014" y="6219181"/>
+          <a:ext cx="1596649" cy="797151"/>
+        </a:xfrm>
+        <a:prstGeom prst="rect">
+          <a:avLst/>
+        </a:prstGeom>
+        <a:solidFill>
+          <a:srgbClr val="00EA00">
+            <a:alpha val="89804"/>
+          </a:srgbClr>
+        </a:solidFill>
+        <a:ln w="12700" cap="flat" cmpd="sng" algn="ctr">
+          <a:solidFill>
+            <a:schemeClr val="tx1"/>
+          </a:solidFill>
+          <a:prstDash val="solid"/>
+          <a:miter lim="800000"/>
+        </a:ln>
+        <a:effectLst/>
+      </dsp:spPr>
+      <dsp:style>
+        <a:lnRef idx="2">
+          <a:scrgbClr r="0" g="0" b="0"/>
+        </a:lnRef>
+        <a:fillRef idx="1">
+          <a:scrgbClr r="0" g="0" b="0"/>
+        </a:fillRef>
+        <a:effectRef idx="0">
+          <a:scrgbClr r="0" g="0" b="0"/>
+        </a:effectRef>
+        <a:fontRef idx="minor"/>
+      </dsp:style>
+      <dsp:txBody>
+        <a:bodyPr spcFirstLastPara="0" vert="horz" wrap="square" lIns="128016" tIns="22860" rIns="128016" bIns="22860" numCol="1" spcCol="1270" anchor="ctr" anchorCtr="0">
+          <a:noAutofit/>
+        </a:bodyPr>
+        <a:lstStyle/>
+        <a:p>
+          <a:pPr marL="0" lvl="0" indent="0" algn="ctr" defTabSz="800100">
+            <a:lnSpc>
+              <a:spcPct val="90000"/>
+            </a:lnSpc>
+            <a:spcBef>
+              <a:spcPct val="0"/>
+            </a:spcBef>
+            <a:spcAft>
+              <a:spcPct val="35000"/>
+            </a:spcAft>
+            <a:buNone/>
+          </a:pPr>
+          <a:r>
+            <a:rPr lang="en-US" sz="1800" kern="1200" dirty="0"/>
+            <a:t>Server</a:t>
+          </a:r>
+        </a:p>
+      </dsp:txBody>
+      <dsp:txXfrm>
+        <a:off x="1598014" y="6219181"/>
+        <a:ext cx="1596649" cy="797151"/>
+      </dsp:txXfrm>
+    </dsp:sp>
+    <dsp:sp modelId="{D5A1CADD-06ED-45A1-B18E-CAEA2009415F}">
+      <dsp:nvSpPr>
+        <dsp:cNvPr id="0" name=""/>
+        <dsp:cNvSpPr/>
+      </dsp:nvSpPr>
+      <dsp:spPr>
+        <a:xfrm>
+          <a:off x="3194663" y="6219181"/>
+          <a:ext cx="1596649" cy="797151"/>
+        </a:xfrm>
+        <a:prstGeom prst="rect">
+          <a:avLst/>
+        </a:prstGeom>
+        <a:solidFill>
+          <a:srgbClr val="3BFF3B">
+            <a:alpha val="89804"/>
+          </a:srgbClr>
+        </a:solidFill>
+        <a:ln w="12700" cap="flat" cmpd="sng" algn="ctr">
+          <a:solidFill>
+            <a:schemeClr val="tx1"/>
+          </a:solidFill>
+          <a:prstDash val="solid"/>
+          <a:miter lim="800000"/>
+        </a:ln>
+        <a:effectLst/>
+      </dsp:spPr>
+      <dsp:style>
+        <a:lnRef idx="2">
+          <a:scrgbClr r="0" g="0" b="0"/>
+        </a:lnRef>
+        <a:fillRef idx="1">
+          <a:scrgbClr r="0" g="0" b="0"/>
+        </a:fillRef>
+        <a:effectRef idx="0">
+          <a:scrgbClr r="0" g="0" b="0"/>
+        </a:effectRef>
+        <a:fontRef idx="minor"/>
+      </dsp:style>
+      <dsp:txBody>
+        <a:bodyPr spcFirstLastPara="0" vert="horz" wrap="square" lIns="128016" tIns="22860" rIns="128016" bIns="22860" numCol="1" spcCol="1270" anchor="ctr" anchorCtr="0">
+          <a:noAutofit/>
+        </a:bodyPr>
+        <a:lstStyle/>
+        <a:p>
+          <a:pPr marL="0" lvl="0" indent="0" algn="ctr" defTabSz="800100">
+            <a:lnSpc>
+              <a:spcPct val="90000"/>
+            </a:lnSpc>
+            <a:spcBef>
+              <a:spcPct val="0"/>
+            </a:spcBef>
+            <a:spcAft>
+              <a:spcPct val="35000"/>
+            </a:spcAft>
+            <a:buNone/>
+          </a:pPr>
+          <a:r>
+            <a:rPr lang="en-US" sz="1800" kern="1200" dirty="0"/>
+            <a:t>Network</a:t>
+          </a:r>
+        </a:p>
+      </dsp:txBody>
+      <dsp:txXfrm>
+        <a:off x="3194663" y="6219181"/>
+        <a:ext cx="1596649" cy="797151"/>
+      </dsp:txXfrm>
+    </dsp:sp>
+    <dsp:sp modelId="{7BAFB321-92A4-465E-B9BD-D00EFF960789}">
+      <dsp:nvSpPr>
+        <dsp:cNvPr id="0" name=""/>
+        <dsp:cNvSpPr/>
+      </dsp:nvSpPr>
+      <dsp:spPr>
+        <a:xfrm>
+          <a:off x="4791313" y="6219181"/>
+          <a:ext cx="1596649" cy="797151"/>
+        </a:xfrm>
+        <a:prstGeom prst="rect">
+          <a:avLst/>
+        </a:prstGeom>
+        <a:solidFill>
+          <a:srgbClr val="9FFF9F">
+            <a:alpha val="89804"/>
+          </a:srgbClr>
+        </a:solidFill>
+        <a:ln w="12700" cap="flat" cmpd="sng" algn="ctr">
+          <a:solidFill>
+            <a:schemeClr val="tx1"/>
+          </a:solidFill>
+          <a:prstDash val="solid"/>
+          <a:miter lim="800000"/>
+        </a:ln>
+        <a:effectLst/>
+      </dsp:spPr>
+      <dsp:style>
+        <a:lnRef idx="2">
+          <a:scrgbClr r="0" g="0" b="0"/>
+        </a:lnRef>
+        <a:fillRef idx="1">
+          <a:scrgbClr r="0" g="0" b="0"/>
+        </a:fillRef>
+        <a:effectRef idx="0">
+          <a:scrgbClr r="0" g="0" b="0"/>
+        </a:effectRef>
+        <a:fontRef idx="minor"/>
+      </dsp:style>
+      <dsp:txBody>
+        <a:bodyPr spcFirstLastPara="0" vert="horz" wrap="square" lIns="128016" tIns="22860" rIns="128016" bIns="22860" numCol="1" spcCol="1270" anchor="ctr" anchorCtr="0">
+          <a:noAutofit/>
+        </a:bodyPr>
+        <a:lstStyle/>
+        <a:p>
+          <a:pPr marL="0" lvl="0" indent="0" algn="ctr" defTabSz="800100">
+            <a:lnSpc>
+              <a:spcPct val="90000"/>
+            </a:lnSpc>
+            <a:spcBef>
+              <a:spcPct val="0"/>
+            </a:spcBef>
+            <a:spcAft>
+              <a:spcPct val="35000"/>
+            </a:spcAft>
+            <a:buNone/>
+          </a:pPr>
+          <a:r>
+            <a:rPr lang="en-US" sz="1800" kern="1200" dirty="0"/>
+            <a:t>Browse Tools</a:t>
+          </a:r>
+        </a:p>
+      </dsp:txBody>
+      <dsp:txXfrm>
+        <a:off x="4791313" y="6219181"/>
+        <a:ext cx="1596649" cy="797151"/>
+      </dsp:txXfrm>
+    </dsp:sp>
+    <dsp:sp modelId="{0252F4BE-8AF5-44CA-8D7D-6A3B00F01908}">
+      <dsp:nvSpPr>
+        <dsp:cNvPr id="0" name=""/>
+        <dsp:cNvSpPr/>
+      </dsp:nvSpPr>
+      <dsp:spPr>
+        <a:xfrm>
+          <a:off x="6387963" y="6219181"/>
+          <a:ext cx="1596649" cy="797151"/>
+        </a:xfrm>
+        <a:prstGeom prst="rect">
+          <a:avLst/>
+        </a:prstGeom>
+        <a:solidFill>
+          <a:srgbClr val="CDFFCD">
+            <a:alpha val="89804"/>
+          </a:srgbClr>
+        </a:solidFill>
+        <a:ln w="12700" cap="flat" cmpd="sng" algn="ctr">
+          <a:solidFill>
+            <a:schemeClr val="tx1"/>
+          </a:solidFill>
+          <a:prstDash val="solid"/>
+          <a:miter lim="800000"/>
+        </a:ln>
+        <a:effectLst/>
+      </dsp:spPr>
+      <dsp:style>
+        <a:lnRef idx="2">
+          <a:scrgbClr r="0" g="0" b="0"/>
+        </a:lnRef>
+        <a:fillRef idx="1">
+          <a:scrgbClr r="0" g="0" b="0"/>
+        </a:fillRef>
+        <a:effectRef idx="0">
+          <a:scrgbClr r="0" g="0" b="0"/>
+        </a:effectRef>
+        <a:fontRef idx="minor"/>
+      </dsp:style>
+      <dsp:txBody>
+        <a:bodyPr spcFirstLastPara="0" vert="horz" wrap="square" lIns="128016" tIns="22860" rIns="128016" bIns="22860" numCol="1" spcCol="1270" anchor="ctr" anchorCtr="0">
+          <a:noAutofit/>
+        </a:bodyPr>
+        <a:lstStyle/>
+        <a:p>
+          <a:pPr marL="0" lvl="0" indent="0" algn="ctr" defTabSz="800100">
+            <a:lnSpc>
+              <a:spcPct val="90000"/>
+            </a:lnSpc>
+            <a:spcBef>
+              <a:spcPct val="0"/>
+            </a:spcBef>
+            <a:spcAft>
+              <a:spcPct val="35000"/>
+            </a:spcAft>
+            <a:buNone/>
+          </a:pPr>
+          <a:r>
+            <a:rPr lang="en-US" sz="1800" kern="1200" dirty="0"/>
+            <a:t>E-mail</a:t>
+          </a:r>
+        </a:p>
+      </dsp:txBody>
+      <dsp:txXfrm>
+        <a:off x="6387963" y="6219181"/>
+        <a:ext cx="1596649" cy="797151"/>
+      </dsp:txXfrm>
+    </dsp:sp>
+    <dsp:sp modelId="{D975D430-7D86-4587-8704-714240195E55}">
+      <dsp:nvSpPr>
+        <dsp:cNvPr id="0" name=""/>
+        <dsp:cNvSpPr/>
+      </dsp:nvSpPr>
+      <dsp:spPr>
+        <a:xfrm>
+          <a:off x="7984613" y="6219181"/>
+          <a:ext cx="1596649" cy="797151"/>
+        </a:xfrm>
+        <a:prstGeom prst="rect">
+          <a:avLst/>
+        </a:prstGeom>
+        <a:solidFill>
+          <a:srgbClr val="EBFFEB">
+            <a:alpha val="89804"/>
+          </a:srgbClr>
+        </a:solidFill>
+        <a:ln w="12700" cap="flat" cmpd="sng" algn="ctr">
+          <a:solidFill>
+            <a:schemeClr val="tx1"/>
+          </a:solidFill>
+          <a:prstDash val="solid"/>
+          <a:miter lim="800000"/>
+        </a:ln>
+        <a:effectLst/>
+      </dsp:spPr>
+      <dsp:style>
+        <a:lnRef idx="2">
+          <a:scrgbClr r="0" g="0" b="0"/>
+        </a:lnRef>
+        <a:fillRef idx="1">
+          <a:scrgbClr r="0" g="0" b="0"/>
+        </a:fillRef>
+        <a:effectRef idx="0">
+          <a:scrgbClr r="0" g="0" b="0"/>
+        </a:effectRef>
+        <a:fontRef idx="minor"/>
+      </dsp:style>
+      <dsp:txBody>
+        <a:bodyPr spcFirstLastPara="0" vert="horz" wrap="square" lIns="128016" tIns="22860" rIns="128016" bIns="22860" numCol="1" spcCol="1270" anchor="ctr" anchorCtr="0">
+          <a:noAutofit/>
+        </a:bodyPr>
+        <a:lstStyle/>
+        <a:p>
+          <a:pPr marL="0" lvl="0" indent="0" algn="ctr" defTabSz="800100">
+            <a:lnSpc>
+              <a:spcPct val="90000"/>
+            </a:lnSpc>
+            <a:spcBef>
+              <a:spcPct val="0"/>
+            </a:spcBef>
+            <a:spcAft>
+              <a:spcPct val="35000"/>
+            </a:spcAft>
+            <a:buNone/>
+          </a:pPr>
+          <a:r>
+            <a:rPr lang="en-US" sz="1800" kern="1200" dirty="0"/>
+            <a:t>Algorithms</a:t>
+          </a:r>
+        </a:p>
+      </dsp:txBody>
+      <dsp:txXfrm>
+        <a:off x="7984613" y="6219181"/>
+        <a:ext cx="1596649" cy="797151"/>
+      </dsp:txXfrm>
+    </dsp:sp>
+    <dsp:sp modelId="{1A85879A-1066-4BEA-9673-F10C6ECF6803}">
+      <dsp:nvSpPr>
+        <dsp:cNvPr id="0" name=""/>
+        <dsp:cNvSpPr/>
+      </dsp:nvSpPr>
+      <dsp:spPr>
+        <a:xfrm>
+          <a:off x="9581262" y="6219181"/>
+          <a:ext cx="1596649" cy="797151"/>
+        </a:xfrm>
+        <a:prstGeom prst="rect">
+          <a:avLst/>
+        </a:prstGeom>
+        <a:solidFill>
+          <a:srgbClr val="FFFFFF">
+            <a:alpha val="89804"/>
+          </a:srgbClr>
+        </a:solidFill>
+        <a:ln w="12700" cap="flat" cmpd="sng" algn="ctr">
+          <a:solidFill>
+            <a:schemeClr val="tx1"/>
+          </a:solidFill>
+          <a:prstDash val="solid"/>
+          <a:miter lim="800000"/>
+        </a:ln>
+        <a:effectLst/>
+      </dsp:spPr>
+      <dsp:style>
+        <a:lnRef idx="2">
+          <a:scrgbClr r="0" g="0" b="0"/>
+        </a:lnRef>
+        <a:fillRef idx="1">
+          <a:scrgbClr r="0" g="0" b="0"/>
+        </a:fillRef>
+        <a:effectRef idx="0">
+          <a:scrgbClr r="0" g="0" b="0"/>
+        </a:effectRef>
+        <a:fontRef idx="minor"/>
+      </dsp:style>
+      <dsp:txBody>
+        <a:bodyPr spcFirstLastPara="0" vert="horz" wrap="square" lIns="128016" tIns="22860" rIns="128016" bIns="22860" numCol="1" spcCol="1270" anchor="ctr" anchorCtr="0">
+          <a:noAutofit/>
+        </a:bodyPr>
+        <a:lstStyle/>
+        <a:p>
+          <a:pPr marL="0" lvl="0" indent="0" algn="ctr" defTabSz="800100">
+            <a:lnSpc>
+              <a:spcPct val="90000"/>
+            </a:lnSpc>
+            <a:spcBef>
+              <a:spcPct val="0"/>
+            </a:spcBef>
+            <a:spcAft>
+              <a:spcPct val="35000"/>
+            </a:spcAft>
+            <a:buNone/>
+          </a:pPr>
+          <a:r>
+            <a:rPr lang="en-US" sz="1800" kern="1200" dirty="0"/>
+            <a:t>Data Structures</a:t>
+          </a:r>
+        </a:p>
+      </dsp:txBody>
+      <dsp:txXfrm>
+        <a:off x="9581262" y="6219181"/>
+        <a:ext cx="1596649" cy="797151"/>
+      </dsp:txXfrm>
+    </dsp:sp>
+    <dsp:sp modelId="{5CC56A8B-5753-4482-929A-8A36B8FBF74E}">
+      <dsp:nvSpPr>
+        <dsp:cNvPr id="0" name=""/>
+        <dsp:cNvSpPr/>
+      </dsp:nvSpPr>
+      <dsp:spPr>
+        <a:xfrm rot="10800000">
+          <a:off x="0" y="2643339"/>
+          <a:ext cx="11179277" cy="2666057"/>
+        </a:xfrm>
+        <a:prstGeom prst="upArrowCallout">
+          <a:avLst/>
+        </a:prstGeom>
+        <a:solidFill>
+          <a:schemeClr val="accent5">
+            <a:lumMod val="50000"/>
+          </a:schemeClr>
+        </a:solidFill>
+        <a:ln w="12700" cap="flat" cmpd="sng" algn="ctr">
+          <a:solidFill>
+            <a:schemeClr val="tx1"/>
           </a:solidFill>
           <a:prstDash val="solid"/>
           <a:miter lim="800000"/>
@@ -1649,12 +3436,12 @@
         </a:fontRef>
       </dsp:style>
       <dsp:txBody>
-        <a:bodyPr spcFirstLastPara="0" vert="horz" wrap="square" lIns="28575" tIns="28575" rIns="28575" bIns="28575" numCol="1" spcCol="1270" anchor="ctr" anchorCtr="0">
+        <a:bodyPr spcFirstLastPara="0" vert="horz" wrap="square" lIns="234696" tIns="234696" rIns="234696" bIns="234696" numCol="1" spcCol="1270" anchor="ctr" anchorCtr="0">
           <a:noAutofit/>
         </a:bodyPr>
         <a:lstStyle/>
         <a:p>
-          <a:pPr marL="0" lvl="0" indent="0" algn="ctr" defTabSz="2000250">
+          <a:pPr marL="0" lvl="0" indent="0" algn="ctr" defTabSz="1466850">
             <a:lnSpc>
               <a:spcPct val="90000"/>
             </a:lnSpc>
@@ -1667,40 +3454,534 @@
             <a:buNone/>
           </a:pPr>
           <a:r>
-            <a:rPr lang="en-US" sz="4500" kern="1200" dirty="0"/>
-            <a:t>UI Processes</a:t>
+            <a:rPr lang="en-US" sz="3300" kern="1200" dirty="0"/>
+            <a:t>Services Layer</a:t>
           </a:r>
         </a:p>
       </dsp:txBody>
-      <dsp:txXfrm>
-        <a:off x="3109783" y="2400728"/>
-        <a:ext cx="3694158" cy="1126267"/>
+      <dsp:txXfrm rot="-10800000">
+        <a:off x="0" y="2643339"/>
+        <a:ext cx="11179277" cy="935786"/>
       </dsp:txXfrm>
     </dsp:sp>
-    <dsp:sp modelId="{44F160D8-9A0D-41E3-A5FE-A084FB43B148}">
+    <dsp:sp modelId="{CDF84800-B25E-4DEB-90EA-0362A24251A0}">
       <dsp:nvSpPr>
         <dsp:cNvPr id="0" name=""/>
         <dsp:cNvSpPr/>
       </dsp:nvSpPr>
       <dsp:spPr>
         <a:xfrm>
-          <a:off x="3109783" y="3808563"/>
-          <a:ext cx="3694158" cy="1126267"/>
+          <a:off x="1364" y="3579126"/>
+          <a:ext cx="1596649" cy="797151"/>
         </a:xfrm>
         <a:prstGeom prst="rect">
           <a:avLst/>
         </a:prstGeom>
         <a:solidFill>
-          <a:srgbClr val="FF7979"/>
+          <a:schemeClr val="accent5">
+            <a:lumMod val="75000"/>
+            <a:alpha val="90000"/>
+          </a:schemeClr>
         </a:solidFill>
         <a:ln w="12700" cap="flat" cmpd="sng" algn="ctr">
           <a:solidFill>
-            <a:schemeClr val="lt1">
-              <a:hueOff val="0"/>
-              <a:satOff val="0"/>
-              <a:lumOff val="0"/>
-              <a:alphaOff val="0"/>
+            <a:schemeClr val="tx1">
+              <a:alpha val="90000"/>
             </a:schemeClr>
+          </a:solidFill>
+          <a:prstDash val="solid"/>
+          <a:miter lim="800000"/>
+        </a:ln>
+        <a:effectLst/>
+      </dsp:spPr>
+      <dsp:style>
+        <a:lnRef idx="2">
+          <a:scrgbClr r="0" g="0" b="0"/>
+        </a:lnRef>
+        <a:fillRef idx="1">
+          <a:scrgbClr r="0" g="0" b="0"/>
+        </a:fillRef>
+        <a:effectRef idx="0">
+          <a:scrgbClr r="0" g="0" b="0"/>
+        </a:effectRef>
+        <a:fontRef idx="minor"/>
+      </dsp:style>
+      <dsp:txBody>
+        <a:bodyPr spcFirstLastPara="0" vert="horz" wrap="square" lIns="128016" tIns="22860" rIns="128016" bIns="22860" numCol="1" spcCol="1270" anchor="ctr" anchorCtr="0">
+          <a:noAutofit/>
+        </a:bodyPr>
+        <a:lstStyle/>
+        <a:p>
+          <a:pPr marL="0" lvl="0" indent="0" algn="ctr" defTabSz="800100">
+            <a:lnSpc>
+              <a:spcPct val="90000"/>
+            </a:lnSpc>
+            <a:spcBef>
+              <a:spcPct val="0"/>
+            </a:spcBef>
+            <a:spcAft>
+              <a:spcPct val="35000"/>
+            </a:spcAft>
+            <a:buNone/>
+          </a:pPr>
+          <a:r>
+            <a:rPr lang="en-US" sz="1800" kern="1200" dirty="0"/>
+            <a:t>Widgets &amp; Visualizations</a:t>
+          </a:r>
+          <a:endParaRPr lang="en-US" sz="1800" kern="1200" dirty="0"/>
+        </a:p>
+      </dsp:txBody>
+      <dsp:txXfrm>
+        <a:off x="1364" y="3579126"/>
+        <a:ext cx="1596649" cy="797151"/>
+      </dsp:txXfrm>
+    </dsp:sp>
+    <dsp:sp modelId="{E8BB6814-1A1E-4E3B-A300-E903272E2D61}">
+      <dsp:nvSpPr>
+        <dsp:cNvPr id="0" name=""/>
+        <dsp:cNvSpPr/>
+      </dsp:nvSpPr>
+      <dsp:spPr>
+        <a:xfrm>
+          <a:off x="1598014" y="3579126"/>
+          <a:ext cx="1596649" cy="797151"/>
+        </a:xfrm>
+        <a:prstGeom prst="rect">
+          <a:avLst/>
+        </a:prstGeom>
+        <a:solidFill>
+          <a:schemeClr val="accent5">
+            <a:alpha val="90000"/>
+          </a:schemeClr>
+        </a:solidFill>
+        <a:ln w="12700" cap="flat" cmpd="sng" algn="ctr">
+          <a:solidFill>
+            <a:schemeClr val="tx1">
+              <a:alpha val="90000"/>
+            </a:schemeClr>
+          </a:solidFill>
+          <a:prstDash val="solid"/>
+          <a:miter lim="800000"/>
+        </a:ln>
+        <a:effectLst/>
+      </dsp:spPr>
+      <dsp:style>
+        <a:lnRef idx="2">
+          <a:scrgbClr r="0" g="0" b="0"/>
+        </a:lnRef>
+        <a:fillRef idx="1">
+          <a:scrgbClr r="0" g="0" b="0"/>
+        </a:fillRef>
+        <a:effectRef idx="0">
+          <a:scrgbClr r="0" g="0" b="0"/>
+        </a:effectRef>
+        <a:fontRef idx="minor"/>
+      </dsp:style>
+      <dsp:txBody>
+        <a:bodyPr spcFirstLastPara="0" vert="horz" wrap="square" lIns="128016" tIns="22860" rIns="128016" bIns="22860" numCol="1" spcCol="1270" anchor="ctr" anchorCtr="0">
+          <a:noAutofit/>
+        </a:bodyPr>
+        <a:lstStyle/>
+        <a:p>
+          <a:pPr marL="0" lvl="0" indent="0" algn="ctr" defTabSz="800100">
+            <a:lnSpc>
+              <a:spcPct val="90000"/>
+            </a:lnSpc>
+            <a:spcBef>
+              <a:spcPct val="0"/>
+            </a:spcBef>
+            <a:spcAft>
+              <a:spcPct val="35000"/>
+            </a:spcAft>
+            <a:buNone/>
+          </a:pPr>
+          <a:r>
+            <a:rPr lang="en-US" sz="1800" kern="1200" dirty="0"/>
+            <a:t>HTML &amp; PDF view</a:t>
+          </a:r>
+        </a:p>
+      </dsp:txBody>
+      <dsp:txXfrm>
+        <a:off x="1598014" y="3579126"/>
+        <a:ext cx="1596649" cy="797151"/>
+      </dsp:txXfrm>
+    </dsp:sp>
+    <dsp:sp modelId="{F9EC6CF3-A747-4108-B437-157EF508FE95}">
+      <dsp:nvSpPr>
+        <dsp:cNvPr id="0" name=""/>
+        <dsp:cNvSpPr/>
+      </dsp:nvSpPr>
+      <dsp:spPr>
+        <a:xfrm>
+          <a:off x="3194663" y="3579126"/>
+          <a:ext cx="1596649" cy="797151"/>
+        </a:xfrm>
+        <a:prstGeom prst="rect">
+          <a:avLst/>
+        </a:prstGeom>
+        <a:solidFill>
+          <a:schemeClr val="accent5">
+            <a:lumMod val="60000"/>
+            <a:lumOff val="40000"/>
+            <a:alpha val="90000"/>
+          </a:schemeClr>
+        </a:solidFill>
+        <a:ln w="12700" cap="flat" cmpd="sng" algn="ctr">
+          <a:solidFill>
+            <a:schemeClr val="tx1">
+              <a:alpha val="90000"/>
+            </a:schemeClr>
+          </a:solidFill>
+          <a:prstDash val="solid"/>
+          <a:miter lim="800000"/>
+        </a:ln>
+        <a:effectLst/>
+      </dsp:spPr>
+      <dsp:style>
+        <a:lnRef idx="2">
+          <a:scrgbClr r="0" g="0" b="0"/>
+        </a:lnRef>
+        <a:fillRef idx="1">
+          <a:scrgbClr r="0" g="0" b="0"/>
+        </a:fillRef>
+        <a:effectRef idx="0">
+          <a:scrgbClr r="0" g="0" b="0"/>
+        </a:effectRef>
+        <a:fontRef idx="minor"/>
+      </dsp:style>
+      <dsp:txBody>
+        <a:bodyPr spcFirstLastPara="0" vert="horz" wrap="square" lIns="92456" tIns="16510" rIns="92456" bIns="16510" numCol="1" spcCol="1270" anchor="ctr" anchorCtr="0">
+          <a:noAutofit/>
+        </a:bodyPr>
+        <a:lstStyle/>
+        <a:p>
+          <a:pPr marL="0" lvl="0" indent="0" algn="ctr" defTabSz="577850">
+            <a:lnSpc>
+              <a:spcPct val="90000"/>
+            </a:lnSpc>
+            <a:spcBef>
+              <a:spcPct val="0"/>
+            </a:spcBef>
+            <a:spcAft>
+              <a:spcPct val="35000"/>
+            </a:spcAft>
+            <a:buNone/>
+          </a:pPr>
+          <a:r>
+            <a:rPr lang="en-US" sz="1300" kern="1200" dirty="0"/>
+            <a:t>Display academic profile &amp; other important information</a:t>
+          </a:r>
+        </a:p>
+      </dsp:txBody>
+      <dsp:txXfrm>
+        <a:off x="3194663" y="3579126"/>
+        <a:ext cx="1596649" cy="797151"/>
+      </dsp:txXfrm>
+    </dsp:sp>
+    <dsp:sp modelId="{AF7E8031-0FD4-473F-9423-AAE6FC1D9509}">
+      <dsp:nvSpPr>
+        <dsp:cNvPr id="0" name=""/>
+        <dsp:cNvSpPr/>
+      </dsp:nvSpPr>
+      <dsp:spPr>
+        <a:xfrm>
+          <a:off x="4791313" y="3579126"/>
+          <a:ext cx="1596649" cy="797151"/>
+        </a:xfrm>
+        <a:prstGeom prst="rect">
+          <a:avLst/>
+        </a:prstGeom>
+        <a:solidFill>
+          <a:schemeClr val="accent5">
+            <a:lumMod val="40000"/>
+            <a:lumOff val="60000"/>
+            <a:alpha val="90000"/>
+          </a:schemeClr>
+        </a:solidFill>
+        <a:ln w="12700" cap="flat" cmpd="sng" algn="ctr">
+          <a:solidFill>
+            <a:schemeClr val="tx1">
+              <a:alpha val="90000"/>
+            </a:schemeClr>
+          </a:solidFill>
+          <a:prstDash val="solid"/>
+          <a:miter lim="800000"/>
+        </a:ln>
+        <a:effectLst/>
+      </dsp:spPr>
+      <dsp:style>
+        <a:lnRef idx="2">
+          <a:scrgbClr r="0" g="0" b="0"/>
+        </a:lnRef>
+        <a:fillRef idx="1">
+          <a:scrgbClr r="0" g="0" b="0"/>
+        </a:fillRef>
+        <a:effectRef idx="0">
+          <a:scrgbClr r="0" g="0" b="0"/>
+        </a:effectRef>
+        <a:fontRef idx="minor"/>
+      </dsp:style>
+      <dsp:txBody>
+        <a:bodyPr spcFirstLastPara="0" vert="horz" wrap="square" lIns="128016" tIns="22860" rIns="128016" bIns="22860" numCol="1" spcCol="1270" anchor="ctr" anchorCtr="0">
+          <a:noAutofit/>
+        </a:bodyPr>
+        <a:lstStyle/>
+        <a:p>
+          <a:pPr marL="0" lvl="0" indent="0" algn="ctr" defTabSz="800100">
+            <a:lnSpc>
+              <a:spcPct val="90000"/>
+            </a:lnSpc>
+            <a:spcBef>
+              <a:spcPct val="0"/>
+            </a:spcBef>
+            <a:spcAft>
+              <a:spcPct val="35000"/>
+            </a:spcAft>
+            <a:buNone/>
+          </a:pPr>
+          <a:r>
+            <a:rPr lang="en-US" sz="1800" kern="1200" dirty="0"/>
+            <a:t>E-mail Services</a:t>
+          </a:r>
+          <a:endParaRPr lang="en-US" sz="1800" kern="1200" dirty="0"/>
+        </a:p>
+      </dsp:txBody>
+      <dsp:txXfrm>
+        <a:off x="4791313" y="3579126"/>
+        <a:ext cx="1596649" cy="797151"/>
+      </dsp:txXfrm>
+    </dsp:sp>
+    <dsp:sp modelId="{1640B84D-123A-4758-9371-DECC37A04343}">
+      <dsp:nvSpPr>
+        <dsp:cNvPr id="0" name=""/>
+        <dsp:cNvSpPr/>
+      </dsp:nvSpPr>
+      <dsp:spPr>
+        <a:xfrm>
+          <a:off x="6387963" y="3579126"/>
+          <a:ext cx="1596649" cy="797151"/>
+        </a:xfrm>
+        <a:prstGeom prst="rect">
+          <a:avLst/>
+        </a:prstGeom>
+        <a:solidFill>
+          <a:schemeClr val="accent5">
+            <a:lumMod val="20000"/>
+            <a:lumOff val="80000"/>
+            <a:alpha val="90000"/>
+          </a:schemeClr>
+        </a:solidFill>
+        <a:ln w="12700" cap="flat" cmpd="sng" algn="ctr">
+          <a:solidFill>
+            <a:schemeClr val="tx1">
+              <a:alpha val="90000"/>
+            </a:schemeClr>
+          </a:solidFill>
+          <a:prstDash val="solid"/>
+          <a:miter lim="800000"/>
+        </a:ln>
+        <a:effectLst/>
+      </dsp:spPr>
+      <dsp:style>
+        <a:lnRef idx="2">
+          <a:scrgbClr r="0" g="0" b="0"/>
+        </a:lnRef>
+        <a:fillRef idx="1">
+          <a:scrgbClr r="0" g="0" b="0"/>
+        </a:fillRef>
+        <a:effectRef idx="0">
+          <a:scrgbClr r="0" g="0" b="0"/>
+        </a:effectRef>
+        <a:fontRef idx="minor"/>
+      </dsp:style>
+      <dsp:txBody>
+        <a:bodyPr spcFirstLastPara="0" vert="horz" wrap="square" lIns="128016" tIns="22860" rIns="128016" bIns="22860" numCol="1" spcCol="1270" anchor="ctr" anchorCtr="0">
+          <a:noAutofit/>
+        </a:bodyPr>
+        <a:lstStyle/>
+        <a:p>
+          <a:pPr marL="0" lvl="0" indent="0" algn="ctr" defTabSz="800100">
+            <a:lnSpc>
+              <a:spcPct val="90000"/>
+            </a:lnSpc>
+            <a:spcBef>
+              <a:spcPct val="0"/>
+            </a:spcBef>
+            <a:spcAft>
+              <a:spcPct val="35000"/>
+            </a:spcAft>
+            <a:buNone/>
+          </a:pPr>
+          <a:r>
+            <a:rPr lang="en-US" sz="1800" kern="1200" dirty="0"/>
+            <a:t>Login/Password View</a:t>
+          </a:r>
+        </a:p>
+      </dsp:txBody>
+      <dsp:txXfrm>
+        <a:off x="6387963" y="3579126"/>
+        <a:ext cx="1596649" cy="797151"/>
+      </dsp:txXfrm>
+    </dsp:sp>
+    <dsp:sp modelId="{89A4A3D9-A1AB-4CE3-B446-2049235AE3C9}">
+      <dsp:nvSpPr>
+        <dsp:cNvPr id="0" name=""/>
+        <dsp:cNvSpPr/>
+      </dsp:nvSpPr>
+      <dsp:spPr>
+        <a:xfrm>
+          <a:off x="7984613" y="3579126"/>
+          <a:ext cx="1596649" cy="797151"/>
+        </a:xfrm>
+        <a:prstGeom prst="rect">
+          <a:avLst/>
+        </a:prstGeom>
+        <a:solidFill>
+          <a:srgbClr val="E5EBFF">
+            <a:alpha val="89804"/>
+          </a:srgbClr>
+        </a:solidFill>
+        <a:ln w="12700" cap="flat" cmpd="sng" algn="ctr">
+          <a:solidFill>
+            <a:schemeClr val="tx1">
+              <a:alpha val="90000"/>
+            </a:schemeClr>
+          </a:solidFill>
+          <a:prstDash val="solid"/>
+          <a:miter lim="800000"/>
+        </a:ln>
+        <a:effectLst/>
+      </dsp:spPr>
+      <dsp:style>
+        <a:lnRef idx="2">
+          <a:scrgbClr r="0" g="0" b="0"/>
+        </a:lnRef>
+        <a:fillRef idx="1">
+          <a:scrgbClr r="0" g="0" b="0"/>
+        </a:fillRef>
+        <a:effectRef idx="0">
+          <a:scrgbClr r="0" g="0" b="0"/>
+        </a:effectRef>
+        <a:fontRef idx="minor"/>
+      </dsp:style>
+      <dsp:txBody>
+        <a:bodyPr spcFirstLastPara="0" vert="horz" wrap="square" lIns="128016" tIns="22860" rIns="128016" bIns="22860" numCol="1" spcCol="1270" anchor="ctr" anchorCtr="0">
+          <a:noAutofit/>
+        </a:bodyPr>
+        <a:lstStyle/>
+        <a:p>
+          <a:pPr marL="0" lvl="0" indent="0" algn="ctr" defTabSz="800100">
+            <a:lnSpc>
+              <a:spcPct val="90000"/>
+            </a:lnSpc>
+            <a:spcBef>
+              <a:spcPct val="0"/>
+            </a:spcBef>
+            <a:spcAft>
+              <a:spcPct val="35000"/>
+            </a:spcAft>
+            <a:buNone/>
+          </a:pPr>
+          <a:r>
+            <a:rPr lang="en-US" sz="1800" kern="1200" dirty="0"/>
+            <a:t>HTML/PDF Generator</a:t>
+          </a:r>
+        </a:p>
+      </dsp:txBody>
+      <dsp:txXfrm>
+        <a:off x="7984613" y="3579126"/>
+        <a:ext cx="1596649" cy="797151"/>
+      </dsp:txXfrm>
+    </dsp:sp>
+    <dsp:sp modelId="{6469DA7D-878C-4612-9F14-C1AFE5E8BD68}">
+      <dsp:nvSpPr>
+        <dsp:cNvPr id="0" name=""/>
+        <dsp:cNvSpPr/>
+      </dsp:nvSpPr>
+      <dsp:spPr>
+        <a:xfrm>
+          <a:off x="9581262" y="3579126"/>
+          <a:ext cx="1596649" cy="797151"/>
+        </a:xfrm>
+        <a:prstGeom prst="rect">
+          <a:avLst/>
+        </a:prstGeom>
+        <a:solidFill>
+          <a:schemeClr val="bg1">
+            <a:alpha val="90000"/>
+          </a:schemeClr>
+        </a:solidFill>
+        <a:ln w="12700" cap="flat" cmpd="sng" algn="ctr">
+          <a:solidFill>
+            <a:schemeClr val="tx1">
+              <a:alpha val="90000"/>
+            </a:schemeClr>
+          </a:solidFill>
+          <a:prstDash val="solid"/>
+          <a:miter lim="800000"/>
+        </a:ln>
+        <a:effectLst/>
+      </dsp:spPr>
+      <dsp:style>
+        <a:lnRef idx="2">
+          <a:scrgbClr r="0" g="0" b="0"/>
+        </a:lnRef>
+        <a:fillRef idx="1">
+          <a:scrgbClr r="0" g="0" b="0"/>
+        </a:fillRef>
+        <a:effectRef idx="0">
+          <a:scrgbClr r="0" g="0" b="0"/>
+        </a:effectRef>
+        <a:fontRef idx="minor"/>
+      </dsp:style>
+      <dsp:txBody>
+        <a:bodyPr spcFirstLastPara="0" vert="horz" wrap="square" lIns="128016" tIns="22860" rIns="128016" bIns="22860" numCol="1" spcCol="1270" anchor="ctr" anchorCtr="0">
+          <a:noAutofit/>
+        </a:bodyPr>
+        <a:lstStyle/>
+        <a:p>
+          <a:pPr marL="0" lvl="0" indent="0" algn="ctr" defTabSz="800100">
+            <a:lnSpc>
+              <a:spcPct val="90000"/>
+            </a:lnSpc>
+            <a:spcBef>
+              <a:spcPct val="0"/>
+            </a:spcBef>
+            <a:spcAft>
+              <a:spcPct val="35000"/>
+            </a:spcAft>
+            <a:buNone/>
+          </a:pPr>
+          <a:r>
+            <a:rPr lang="en-US" sz="1800" kern="1200" dirty="0"/>
+            <a:t>Create new course(s)</a:t>
+          </a:r>
+        </a:p>
+      </dsp:txBody>
+      <dsp:txXfrm>
+        <a:off x="9581262" y="3579126"/>
+        <a:ext cx="1596649" cy="797151"/>
+      </dsp:txXfrm>
+    </dsp:sp>
+    <dsp:sp modelId="{83E5BB6A-D98E-4C53-B2C6-76BF6E6B141C}">
+      <dsp:nvSpPr>
+        <dsp:cNvPr id="0" name=""/>
+        <dsp:cNvSpPr/>
+      </dsp:nvSpPr>
+      <dsp:spPr>
+        <a:xfrm rot="10800000">
+          <a:off x="0" y="0"/>
+          <a:ext cx="11179277" cy="2666057"/>
+        </a:xfrm>
+        <a:prstGeom prst="upArrowCallout">
+          <a:avLst/>
+        </a:prstGeom>
+        <a:solidFill>
+          <a:srgbClr val="C00000"/>
+        </a:solidFill>
+        <a:ln w="12700" cap="flat" cmpd="sng" algn="ctr">
+          <a:solidFill>
+            <a:schemeClr val="tx1"/>
           </a:solidFill>
           <a:prstDash val="solid"/>
           <a:miter lim="800000"/>
@@ -1722,12 +4003,12 @@
         </a:fontRef>
       </dsp:style>
       <dsp:txBody>
-        <a:bodyPr spcFirstLastPara="0" vert="horz" wrap="square" lIns="28575" tIns="28575" rIns="28575" bIns="28575" numCol="1" spcCol="1270" anchor="ctr" anchorCtr="0">
+        <a:bodyPr spcFirstLastPara="0" vert="horz" wrap="square" lIns="234696" tIns="234696" rIns="234696" bIns="234696" numCol="1" spcCol="1270" anchor="ctr" anchorCtr="0">
           <a:noAutofit/>
         </a:bodyPr>
         <a:lstStyle/>
         <a:p>
-          <a:pPr marL="0" lvl="0" indent="0" algn="ctr" defTabSz="2000250">
+          <a:pPr marL="0" lvl="0" indent="0" algn="ctr" defTabSz="1466850">
             <a:lnSpc>
               <a:spcPct val="90000"/>
             </a:lnSpc>
@@ -1740,14 +4021,224 @@
             <a:buNone/>
           </a:pPr>
           <a:r>
-            <a:rPr lang="en-US" sz="4500" kern="1200" dirty="0"/>
-            <a:t>Web Interface</a:t>
+            <a:rPr lang="en-US" sz="3300" kern="1200"/>
+            <a:t>Presentation Layer</a:t>
+          </a:r>
+        </a:p>
+      </dsp:txBody>
+      <dsp:txXfrm rot="-10800000">
+        <a:off x="0" y="0"/>
+        <a:ext cx="11179277" cy="935786"/>
+      </dsp:txXfrm>
+    </dsp:sp>
+    <dsp:sp modelId="{5D295A2D-2BE3-418E-9683-D873D164282F}">
+      <dsp:nvSpPr>
+        <dsp:cNvPr id="0" name=""/>
+        <dsp:cNvSpPr/>
+      </dsp:nvSpPr>
+      <dsp:spPr>
+        <a:xfrm>
+          <a:off x="5458" y="939070"/>
+          <a:ext cx="3722786" cy="797151"/>
+        </a:xfrm>
+        <a:prstGeom prst="rect">
+          <a:avLst/>
+        </a:prstGeom>
+        <a:solidFill>
+          <a:srgbClr val="FF5757">
+            <a:alpha val="89804"/>
+          </a:srgbClr>
+        </a:solidFill>
+        <a:ln w="12700" cap="flat" cmpd="sng" algn="ctr">
+          <a:solidFill>
+            <a:schemeClr val="tx1">
+              <a:alpha val="90000"/>
+            </a:schemeClr>
+          </a:solidFill>
+          <a:prstDash val="solid"/>
+          <a:miter lim="800000"/>
+        </a:ln>
+        <a:effectLst/>
+      </dsp:spPr>
+      <dsp:style>
+        <a:lnRef idx="2">
+          <a:scrgbClr r="0" g="0" b="0"/>
+        </a:lnRef>
+        <a:fillRef idx="1">
+          <a:scrgbClr r="0" g="0" b="0"/>
+        </a:fillRef>
+        <a:effectRef idx="0">
+          <a:scrgbClr r="0" g="0" b="0"/>
+        </a:effectRef>
+        <a:fontRef idx="minor"/>
+      </dsp:style>
+      <dsp:txBody>
+        <a:bodyPr spcFirstLastPara="0" vert="horz" wrap="square" lIns="128016" tIns="22860" rIns="128016" bIns="22860" numCol="1" spcCol="1270" anchor="ctr" anchorCtr="0">
+          <a:noAutofit/>
+        </a:bodyPr>
+        <a:lstStyle/>
+        <a:p>
+          <a:pPr marL="0" lvl="0" indent="0" algn="ctr" defTabSz="800100">
+            <a:lnSpc>
+              <a:spcPct val="90000"/>
+            </a:lnSpc>
+            <a:spcBef>
+              <a:spcPct val="0"/>
+            </a:spcBef>
+            <a:spcAft>
+              <a:spcPct val="35000"/>
+            </a:spcAft>
+            <a:buNone/>
+          </a:pPr>
+          <a:r>
+            <a:rPr lang="en-US" sz="1800" kern="1200" dirty="0"/>
+            <a:t>GUI Components</a:t>
           </a:r>
         </a:p>
       </dsp:txBody>
       <dsp:txXfrm>
-        <a:off x="3109783" y="3808563"/>
-        <a:ext cx="3694158" cy="1126267"/>
+        <a:off x="5458" y="939070"/>
+        <a:ext cx="3722786" cy="797151"/>
+      </dsp:txXfrm>
+    </dsp:sp>
+    <dsp:sp modelId="{F8325EFC-6A68-499C-BA4E-B8712A211C3B}">
+      <dsp:nvSpPr>
+        <dsp:cNvPr id="0" name=""/>
+        <dsp:cNvSpPr/>
+      </dsp:nvSpPr>
+      <dsp:spPr>
+        <a:xfrm>
+          <a:off x="3728245" y="939070"/>
+          <a:ext cx="3722786" cy="797151"/>
+        </a:xfrm>
+        <a:prstGeom prst="rect">
+          <a:avLst/>
+        </a:prstGeom>
+        <a:solidFill>
+          <a:srgbClr val="FF7171">
+            <a:alpha val="89804"/>
+          </a:srgbClr>
+        </a:solidFill>
+        <a:ln w="12700" cap="flat" cmpd="sng" algn="ctr">
+          <a:solidFill>
+            <a:schemeClr val="tx1">
+              <a:alpha val="90000"/>
+            </a:schemeClr>
+          </a:solidFill>
+          <a:prstDash val="solid"/>
+          <a:miter lim="800000"/>
+        </a:ln>
+        <a:effectLst/>
+      </dsp:spPr>
+      <dsp:style>
+        <a:lnRef idx="2">
+          <a:scrgbClr r="0" g="0" b="0"/>
+        </a:lnRef>
+        <a:fillRef idx="1">
+          <a:scrgbClr r="0" g="0" b="0"/>
+        </a:fillRef>
+        <a:effectRef idx="0">
+          <a:scrgbClr r="0" g="0" b="0"/>
+        </a:effectRef>
+        <a:fontRef idx="minor"/>
+      </dsp:style>
+      <dsp:txBody>
+        <a:bodyPr spcFirstLastPara="0" vert="horz" wrap="square" lIns="128016" tIns="22860" rIns="128016" bIns="22860" numCol="1" spcCol="1270" anchor="ctr" anchorCtr="0">
+          <a:noAutofit/>
+        </a:bodyPr>
+        <a:lstStyle/>
+        <a:p>
+          <a:pPr marL="0" lvl="0" indent="0" algn="ctr" defTabSz="800100">
+            <a:lnSpc>
+              <a:spcPct val="90000"/>
+            </a:lnSpc>
+            <a:spcBef>
+              <a:spcPct val="0"/>
+            </a:spcBef>
+            <a:spcAft>
+              <a:spcPct val="35000"/>
+            </a:spcAft>
+            <a:buNone/>
+          </a:pPr>
+          <a:r>
+            <a:rPr lang="en-US" sz="1800" kern="1200" dirty="0"/>
+            <a:t>GUI Processes</a:t>
+          </a:r>
+        </a:p>
+      </dsp:txBody>
+      <dsp:txXfrm>
+        <a:off x="3728245" y="939070"/>
+        <a:ext cx="3722786" cy="797151"/>
+      </dsp:txXfrm>
+    </dsp:sp>
+    <dsp:sp modelId="{A3855532-026C-4A28-94E9-2509D6A17E3F}">
+      <dsp:nvSpPr>
+        <dsp:cNvPr id="0" name=""/>
+        <dsp:cNvSpPr/>
+      </dsp:nvSpPr>
+      <dsp:spPr>
+        <a:xfrm>
+          <a:off x="7451031" y="939070"/>
+          <a:ext cx="3722786" cy="797151"/>
+        </a:xfrm>
+        <a:prstGeom prst="rect">
+          <a:avLst/>
+        </a:prstGeom>
+        <a:solidFill>
+          <a:srgbClr val="FF8F8F">
+            <a:alpha val="89804"/>
+          </a:srgbClr>
+        </a:solidFill>
+        <a:ln w="12700" cap="flat" cmpd="sng" algn="ctr">
+          <a:solidFill>
+            <a:schemeClr val="tx1">
+              <a:alpha val="90000"/>
+            </a:schemeClr>
+          </a:solidFill>
+          <a:prstDash val="solid"/>
+          <a:miter lim="800000"/>
+        </a:ln>
+        <a:effectLst/>
+      </dsp:spPr>
+      <dsp:style>
+        <a:lnRef idx="2">
+          <a:scrgbClr r="0" g="0" b="0"/>
+        </a:lnRef>
+        <a:fillRef idx="1">
+          <a:scrgbClr r="0" g="0" b="0"/>
+        </a:fillRef>
+        <a:effectRef idx="0">
+          <a:scrgbClr r="0" g="0" b="0"/>
+        </a:effectRef>
+        <a:fontRef idx="minor"/>
+      </dsp:style>
+      <dsp:txBody>
+        <a:bodyPr spcFirstLastPara="0" vert="horz" wrap="square" lIns="128016" tIns="22860" rIns="128016" bIns="22860" numCol="1" spcCol="1270" anchor="ctr" anchorCtr="0">
+          <a:noAutofit/>
+        </a:bodyPr>
+        <a:lstStyle/>
+        <a:p>
+          <a:pPr marL="0" lvl="0" indent="0" algn="ctr" defTabSz="800100">
+            <a:lnSpc>
+              <a:spcPct val="90000"/>
+            </a:lnSpc>
+            <a:spcBef>
+              <a:spcPct val="0"/>
+            </a:spcBef>
+            <a:spcAft>
+              <a:spcPct val="35000"/>
+            </a:spcAft>
+            <a:buNone/>
+          </a:pPr>
+          <a:r>
+            <a:rPr lang="en-US" sz="1800" kern="1200" dirty="0"/>
+            <a:t>Controllers</a:t>
+          </a:r>
+        </a:p>
+      </dsp:txBody>
+      <dsp:txXfrm>
+        <a:off x="7451031" y="939070"/>
+        <a:ext cx="3722786" cy="797151"/>
       </dsp:txXfrm>
     </dsp:sp>
   </dsp:spTree>
@@ -1755,11 +4246,12 @@
 </file>
 
 <file path=ppt/diagrams/layout1.xml><?xml version="1.0" encoding="utf-8"?>
-<dgm:layoutDef xmlns:dgm="http://schemas.openxmlformats.org/drawingml/2006/diagram" xmlns:a="http://schemas.openxmlformats.org/drawingml/2006/main" uniqueId="urn:microsoft.com/office/officeart/2008/layout/HorizontalMultiLevelHierarchy">
+<dgm:layoutDef xmlns:dgm="http://schemas.openxmlformats.org/drawingml/2006/diagram" xmlns:a="http://schemas.openxmlformats.org/drawingml/2006/main" uniqueId="urn:microsoft.com/office/officeart/2005/8/layout/process4">
   <dgm:title val=""/>
   <dgm:desc val=""/>
   <dgm:catLst>
-    <dgm:cat type="hierarchy" pri="4600"/>
+    <dgm:cat type="process" pri="16000"/>
+    <dgm:cat type="list" pri="20000"/>
   </dgm:catLst>
   <dgm:sampData>
     <dgm:dataModel>
@@ -1774,15 +4266,35 @@
         <dgm:pt modelId="12">
           <dgm:prSet phldr="1"/>
         </dgm:pt>
-        <dgm:pt modelId="13">
+        <dgm:pt modelId="2">
+          <dgm:prSet phldr="1"/>
+        </dgm:pt>
+        <dgm:pt modelId="21">
+          <dgm:prSet phldr="1"/>
+        </dgm:pt>
+        <dgm:pt modelId="22">
+          <dgm:prSet phldr="1"/>
+        </dgm:pt>
+        <dgm:pt modelId="3">
+          <dgm:prSet phldr="1"/>
+        </dgm:pt>
+        <dgm:pt modelId="31">
+          <dgm:prSet phldr="1"/>
+        </dgm:pt>
+        <dgm:pt modelId="32">
           <dgm:prSet phldr="1"/>
         </dgm:pt>
       </dgm:ptLst>
       <dgm:cxnLst>
-        <dgm:cxn modelId="2" srcId="0" destId="1" srcOrd="0" destOrd="0"/>
-        <dgm:cxn modelId="3" srcId="1" destId="11" srcOrd="0" destOrd="0"/>
-        <dgm:cxn modelId="4" srcId="1" destId="12" srcOrd="1" destOrd="0"/>
-        <dgm:cxn modelId="5" srcId="1" destId="13" srcOrd="2" destOrd="0"/>
+        <dgm:cxn modelId="4" srcId="0" destId="1" srcOrd="0" destOrd="0"/>
+        <dgm:cxn modelId="5" srcId="0" destId="2" srcOrd="1" destOrd="0"/>
+        <dgm:cxn modelId="6" srcId="0" destId="3" srcOrd="2" destOrd="0"/>
+        <dgm:cxn modelId="13" srcId="1" destId="11" srcOrd="0" destOrd="0"/>
+        <dgm:cxn modelId="14" srcId="1" destId="12" srcOrd="1" destOrd="0"/>
+        <dgm:cxn modelId="23" srcId="2" destId="21" srcOrd="0" destOrd="0"/>
+        <dgm:cxn modelId="24" srcId="2" destId="22" srcOrd="1" destOrd="0"/>
+        <dgm:cxn modelId="33" srcId="3" destId="31" srcOrd="0" destOrd="0"/>
+        <dgm:cxn modelId="34" srcId="3" destId="32" srcOrd="1" destOrd="0"/>
       </dgm:cxnLst>
       <dgm:bg/>
       <dgm:whole/>
@@ -1792,20 +4304,16 @@
     <dgm:dataModel>
       <dgm:ptLst>
         <dgm:pt modelId="0" type="doc"/>
-        <dgm:pt modelId="1">
-          <dgm:prSet phldr="1"/>
-        </dgm:pt>
-        <dgm:pt modelId="11">
-          <dgm:prSet phldr="1"/>
-        </dgm:pt>
-        <dgm:pt modelId="12">
-          <dgm:prSet phldr="1"/>
-        </dgm:pt>
+        <dgm:pt modelId="1"/>
+        <dgm:pt modelId="11"/>
+        <dgm:pt modelId="2"/>
+        <dgm:pt modelId="21"/>
       </dgm:ptLst>
       <dgm:cxnLst>
-        <dgm:cxn modelId="2" srcId="0" destId="1" srcOrd="0" destOrd="0"/>
-        <dgm:cxn modelId="3" srcId="1" destId="11" srcOrd="0" destOrd="0"/>
-        <dgm:cxn modelId="4" srcId="1" destId="12" srcOrd="1" destOrd="0"/>
+        <dgm:cxn modelId="4" srcId="0" destId="1" srcOrd="0" destOrd="0"/>
+        <dgm:cxn modelId="5" srcId="0" destId="2" srcOrd="1" destOrd="0"/>
+        <dgm:cxn modelId="13" srcId="1" destId="11" srcOrd="0" destOrd="0"/>
+        <dgm:cxn modelId="23" srcId="2" destId="21" srcOrd="0" destOrd="0"/>
       </dgm:cxnLst>
       <dgm:bg/>
       <dgm:whole/>
@@ -1815,24 +4323,24 @@
     <dgm:dataModel>
       <dgm:ptLst>
         <dgm:pt modelId="0" type="doc"/>
-        <dgm:pt modelId="1">
-          <dgm:prSet phldr="1"/>
-        </dgm:pt>
-        <dgm:pt modelId="11">
-          <dgm:prSet phldr="1"/>
-        </dgm:pt>
-        <dgm:pt modelId="12">
-          <dgm:prSet phldr="1"/>
-        </dgm:pt>
-        <dgm:pt modelId="13">
-          <dgm:prSet phldr="1"/>
-        </dgm:pt>
+        <dgm:pt modelId="1"/>
+        <dgm:pt modelId="11"/>
+        <dgm:pt modelId="2"/>
+        <dgm:pt modelId="21"/>
+        <dgm:pt modelId="3"/>
+        <dgm:pt modelId="31"/>
+        <dgm:pt modelId="4"/>
+        <dgm:pt modelId="41"/>
       </dgm:ptLst>
       <dgm:cxnLst>
-        <dgm:cxn modelId="2" srcId="0" destId="1" srcOrd="0" destOrd="0"/>
-        <dgm:cxn modelId="3" srcId="1" destId="11" srcOrd="0" destOrd="0"/>
-        <dgm:cxn modelId="4" srcId="1" destId="12" srcOrd="1" destOrd="0"/>
-        <dgm:cxn modelId="5" srcId="1" destId="13" srcOrd="2" destOrd="0"/>
+        <dgm:cxn modelId="5" srcId="0" destId="1" srcOrd="0" destOrd="0"/>
+        <dgm:cxn modelId="6" srcId="0" destId="2" srcOrd="1" destOrd="0"/>
+        <dgm:cxn modelId="7" srcId="0" destId="3" srcOrd="2" destOrd="0"/>
+        <dgm:cxn modelId="8" srcId="0" destId="4" srcOrd="3" destOrd="0"/>
+        <dgm:cxn modelId="13" srcId="1" destId="11" srcOrd="0" destOrd="0"/>
+        <dgm:cxn modelId="23" srcId="2" destId="21" srcOrd="0" destOrd="0"/>
+        <dgm:cxn modelId="33" srcId="3" destId="31" srcOrd="0" destOrd="0"/>
+        <dgm:cxn modelId="43" srcId="4" destId="41" srcOrd="0" destOrd="0"/>
       </dgm:cxnLst>
       <dgm:bg/>
       <dgm:whole/>
@@ -1840,185 +4348,98 @@
   </dgm:clrData>
   <dgm:layoutNode name="Name0">
     <dgm:varLst>
-      <dgm:chPref val="1"/>
       <dgm:dir/>
-      <dgm:animOne val="branch"/>
       <dgm:animLvl val="lvl"/>
       <dgm:resizeHandles val="exact"/>
     </dgm:varLst>
-    <dgm:choose name="Name1">
-      <dgm:if name="Name2" func="var" arg="dir" op="equ" val="norm">
-        <dgm:alg type="hierChild">
-          <dgm:param type="linDir" val="fromT"/>
-          <dgm:param type="chAlign" val="l"/>
-        </dgm:alg>
-      </dgm:if>
-      <dgm:else name="Name3">
-        <dgm:alg type="hierChild">
-          <dgm:param type="linDir" val="fromT"/>
-          <dgm:param type="chAlign" val="r"/>
-        </dgm:alg>
-      </dgm:else>
-    </dgm:choose>
+    <dgm:alg type="lin">
+      <dgm:param type="linDir" val="fromB"/>
+    </dgm:alg>
     <dgm:shape xmlns:r="http://schemas.openxmlformats.org/officeDocument/2006/relationships" r:blip="">
       <dgm:adjLst/>
     </dgm:shape>
     <dgm:presOf/>
     <dgm:constrLst>
-      <dgm:constr type="h" for="des" forName="LevelOneTextNode" refType="h"/>
-      <dgm:constr type="w" for="des" forName="LevelOneTextNode" refType="h" refFor="des" refForName="LevelOneTextNode" fact="0.19"/>
-      <dgm:constr type="h" for="des" forName="LevelTwoTextNode" refType="w" refFor="des" refForName="LevelOneTextNode"/>
-      <dgm:constr type="w" for="des" forName="LevelTwoTextNode" refType="h" refFor="des" refForName="LevelTwoTextNode" fact="3.28"/>
-      <dgm:constr type="sibSp" refType="h" refFor="des" refForName="LevelTwoTextNode" op="equ" fact="0.25"/>
-      <dgm:constr type="sibSp" for="des" forName="level2hierChild" refType="h" refFor="des" refForName="LevelTwoTextNode" op="equ" fact="0.25"/>
-      <dgm:constr type="sibSp" for="des" forName="level3hierChild" refType="h" refFor="des" refForName="LevelTwoTextNode" op="equ" fact="0.25"/>
-      <dgm:constr type="sp" for="des" forName="root1" refType="w" refFor="des" refForName="LevelTwoTextNode" fact="0.2"/>
-      <dgm:constr type="sp" for="des" forName="root2" refType="sp" refFor="des" refForName="root1" op="equ"/>
-      <dgm:constr type="primFontSz" for="des" forName="LevelOneTextNode" op="equ" val="65"/>
-      <dgm:constr type="primFontSz" for="des" forName="LevelTwoTextNode" op="equ" val="65"/>
-      <dgm:constr type="primFontSz" for="des" forName="LevelTwoTextNode" refType="primFontSz" refFor="des" refForName="LevelOneTextNode" op="lte"/>
-      <dgm:constr type="primFontSz" for="des" forName="connTx" op="equ" val="50"/>
-      <dgm:constr type="primFontSz" for="des" forName="connTx" refType="primFontSz" refFor="des" refForName="LevelOneTextNode" op="lte" fact="0.78"/>
+      <dgm:constr type="h" for="ch" forName="boxAndChildren" refType="h"/>
+      <dgm:constr type="h" for="ch" forName="arrowAndChildren" refType="h" refFor="ch" refForName="boxAndChildren" op="equ" fact="1.538"/>
+      <dgm:constr type="w" for="ch" forName="arrowAndChildren" refType="w"/>
+      <dgm:constr type="w" for="ch" forName="boxAndChildren" refType="w"/>
+      <dgm:constr type="h" for="ch" forName="sp" refType="h" fact="-0.015"/>
+      <dgm:constr type="primFontSz" for="des" forName="parentTextBox" val="65"/>
+      <dgm:constr type="primFontSz" for="des" forName="parentTextArrow" refType="primFontSz" refFor="des" refForName="parentTextBox" op="equ"/>
+      <dgm:constr type="primFontSz" for="des" forName="childTextArrow" val="65"/>
+      <dgm:constr type="primFontSz" for="des" forName="childTextBox" refType="primFontSz" refFor="des" refForName="childTextArrow" op="equ"/>
     </dgm:constrLst>
-    <dgm:forEach name="Name4" axis="ch">
-      <dgm:forEach name="Name5" axis="self" ptType="node">
-        <dgm:layoutNode name="root1">
-          <dgm:choose name="Name6">
-            <dgm:if name="Name7" func="var" arg="dir" op="equ" val="norm">
-              <dgm:alg type="hierRoot">
-                <dgm:param type="hierAlign" val="lCtrCh"/>
-              </dgm:alg>
-            </dgm:if>
-            <dgm:else name="Name8">
-              <dgm:alg type="hierRoot">
-                <dgm:param type="hierAlign" val="rCtrCh"/>
-              </dgm:alg>
-            </dgm:else>
-          </dgm:choose>
-          <dgm:shape xmlns:r="http://schemas.openxmlformats.org/officeDocument/2006/relationships" r:blip="">
-            <dgm:adjLst/>
-          </dgm:shape>
-          <dgm:presOf/>
-          <dgm:layoutNode name="LevelOneTextNode" styleLbl="node0">
-            <dgm:varLst>
-              <dgm:chPref val="3"/>
-            </dgm:varLst>
-            <dgm:alg type="tx">
-              <dgm:param type="autoTxRot" val="grav"/>
-            </dgm:alg>
-            <dgm:choose name="Name9">
-              <dgm:if name="Name10" func="var" arg="dir" op="equ" val="norm">
-                <dgm:shape xmlns:r="http://schemas.openxmlformats.org/officeDocument/2006/relationships" rot="270" type="rect" r:blip="">
-                  <dgm:adjLst/>
-                </dgm:shape>
-              </dgm:if>
-              <dgm:else name="Name11">
-                <dgm:shape xmlns:r="http://schemas.openxmlformats.org/officeDocument/2006/relationships" rot="90" type="rect" r:blip="">
-                  <dgm:adjLst/>
-                </dgm:shape>
-              </dgm:else>
-            </dgm:choose>
-            <dgm:presOf axis="self"/>
-            <dgm:constrLst>
-              <dgm:constr type="tMarg" refType="primFontSz" fact="0.05"/>
-              <dgm:constr type="bMarg" refType="primFontSz" fact="0.05"/>
-              <dgm:constr type="lMarg" refType="primFontSz" fact="0.05"/>
-              <dgm:constr type="rMarg" refType="primFontSz" fact="0.05"/>
-            </dgm:constrLst>
-            <dgm:ruleLst>
-              <dgm:rule type="primFontSz" val="2" fact="NaN" max="NaN"/>
-            </dgm:ruleLst>
-          </dgm:layoutNode>
-          <dgm:layoutNode name="level2hierChild">
-            <dgm:choose name="Name12">
-              <dgm:if name="Name13" func="var" arg="dir" op="equ" val="norm">
-                <dgm:alg type="hierChild">
-                  <dgm:param type="linDir" val="fromT"/>
-                  <dgm:param type="chAlign" val="l"/>
-                </dgm:alg>
-              </dgm:if>
-              <dgm:else name="Name14">
-                <dgm:alg type="hierChild">
-                  <dgm:param type="linDir" val="fromT"/>
-                  <dgm:param type="chAlign" val="r"/>
-                </dgm:alg>
-              </dgm:else>
-            </dgm:choose>
+    <dgm:ruleLst/>
+    <dgm:forEach name="Name1" axis="ch" ptType="node" st="-1" step="-1">
+      <dgm:choose name="Name2">
+        <dgm:if name="Name3" axis="self" ptType="node" func="revPos" op="equ" val="1">
+          <dgm:layoutNode name="boxAndChildren">
+            <dgm:alg type="composite"/>
             <dgm:shape xmlns:r="http://schemas.openxmlformats.org/officeDocument/2006/relationships" r:blip="">
               <dgm:adjLst/>
             </dgm:shape>
             <dgm:presOf/>
-            <dgm:forEach name="repeat" axis="ch">
-              <dgm:forEach name="Name15" axis="self" ptType="parTrans" cnt="1">
-                <dgm:layoutNode name="conn2-1">
-                  <dgm:choose name="Name16">
-                    <dgm:if name="Name17" func="var" arg="dir" op="equ" val="norm">
-                      <dgm:alg type="conn">
-                        <dgm:param type="dim" val="1D"/>
-                        <dgm:param type="begPts" val="midR"/>
-                        <dgm:param type="endPts" val="midL"/>
-                        <dgm:param type="endSty" val="noArr"/>
-                        <dgm:param type="connRout" val="bend"/>
-                      </dgm:alg>
-                    </dgm:if>
-                    <dgm:else name="Name18">
-                      <dgm:alg type="conn">
-                        <dgm:param type="dim" val="1D"/>
-                        <dgm:param type="begPts" val="midL"/>
-                        <dgm:param type="endPts" val="midR"/>
-                        <dgm:param type="endSty" val="noArr"/>
-                        <dgm:param type="connRout" val="bend"/>
-                      </dgm:alg>
-                    </dgm:else>
-                  </dgm:choose>
-                  <dgm:shape xmlns:r="http://schemas.openxmlformats.org/officeDocument/2006/relationships" type="conn" r:blip="" zOrderOff="-99999">
+            <dgm:choose name="Name4">
+              <dgm:if name="Name5" axis="ch" ptType="node" func="cnt" op="gte" val="1">
+                <dgm:constrLst>
+                  <dgm:constr type="w" for="ch" forName="parentTextBox" refType="w"/>
+                  <dgm:constr type="h" for="ch" forName="parentTextBox" refType="h" fact="0.54"/>
+                  <dgm:constr type="t" for="ch" forName="parentTextBox"/>
+                  <dgm:constr type="w" for="ch" forName="entireBox" refType="w"/>
+                  <dgm:constr type="h" for="ch" forName="entireBox" refType="h"/>
+                  <dgm:constr type="w" for="ch" forName="descendantBox" refType="w"/>
+                  <dgm:constr type="b" for="ch" forName="descendantBox" refType="h" fact="0.98"/>
+                  <dgm:constr type="h" for="ch" forName="descendantBox" refType="h" fact="0.46"/>
+                </dgm:constrLst>
+              </dgm:if>
+              <dgm:else name="Name6">
+                <dgm:constrLst>
+                  <dgm:constr type="w" for="ch" forName="parentTextBox" refType="w"/>
+                  <dgm:constr type="h" for="ch" forName="parentTextBox" refType="h"/>
+                </dgm:constrLst>
+              </dgm:else>
+            </dgm:choose>
+            <dgm:ruleLst/>
+            <dgm:layoutNode name="parentTextBox">
+              <dgm:alg type="tx"/>
+              <dgm:choose name="Name7">
+                <dgm:if name="Name8" axis="ch" ptType="node" func="cnt" op="gte" val="1">
+                  <dgm:shape xmlns:r="http://schemas.openxmlformats.org/officeDocument/2006/relationships" type="rect" r:blip="" zOrderOff="1" hideGeom="1">
+                    <dgm:adjLst/>
+                  </dgm:shape>
+                </dgm:if>
+                <dgm:else name="Name9">
+                  <dgm:shape xmlns:r="http://schemas.openxmlformats.org/officeDocument/2006/relationships" type="rect" r:blip="">
+                    <dgm:adjLst/>
+                  </dgm:shape>
+                </dgm:else>
+              </dgm:choose>
+              <dgm:presOf axis="self"/>
+              <dgm:constrLst/>
+              <dgm:ruleLst>
+                <dgm:rule type="primFontSz" val="5" fact="NaN" max="NaN"/>
+              </dgm:ruleLst>
+            </dgm:layoutNode>
+            <dgm:choose name="Name10">
+              <dgm:if name="Name11" axis="ch" ptType="node" func="cnt" op="gte" val="1">
+                <dgm:layoutNode name="entireBox">
+                  <dgm:alg type="sp"/>
+                  <dgm:shape xmlns:r="http://schemas.openxmlformats.org/officeDocument/2006/relationships" type="rect" r:blip="">
                     <dgm:adjLst/>
                   </dgm:shape>
                   <dgm:presOf axis="self"/>
-                  <dgm:constrLst>
-                    <dgm:constr type="w" val="1"/>
-                    <dgm:constr type="h" val="5"/>
-                    <dgm:constr type="connDist"/>
-                    <dgm:constr type="begPad"/>
-                    <dgm:constr type="endPad"/>
-                    <dgm:constr type="userA" for="ch" refType="connDist"/>
-                  </dgm:constrLst>
-                  <dgm:layoutNode name="connTx">
-                    <dgm:alg type="tx">
-                      <dgm:param type="autoTxRot" val="grav"/>
-                    </dgm:alg>
-                    <dgm:shape xmlns:r="http://schemas.openxmlformats.org/officeDocument/2006/relationships" type="rect" r:blip="" hideGeom="1">
-                      <dgm:adjLst/>
-                    </dgm:shape>
-                    <dgm:presOf axis="self"/>
-                    <dgm:constrLst>
-                      <dgm:constr type="userA"/>
-                      <dgm:constr type="w" refType="userA" fact="0.05"/>
-                      <dgm:constr type="h" refType="userA" fact="0.05"/>
-                      <dgm:constr type="lMarg" val="1"/>
-                      <dgm:constr type="rMarg" val="1"/>
-                      <dgm:constr type="tMarg"/>
-                      <dgm:constr type="bMarg"/>
-                    </dgm:constrLst>
-                    <dgm:ruleLst>
-                      <dgm:rule type="h" val="NaN" fact="0.25" max="NaN"/>
-                      <dgm:rule type="w" val="NaN" fact="0.8" max="NaN"/>
-                      <dgm:rule type="primFontSz" val="5" fact="NaN" max="NaN"/>
-                    </dgm:ruleLst>
-                  </dgm:layoutNode>
+                  <dgm:constrLst/>
+                  <dgm:ruleLst/>
                 </dgm:layoutNode>
-              </dgm:forEach>
-              <dgm:forEach name="Name19" axis="self" ptType="node">
-                <dgm:layoutNode name="root2">
-                  <dgm:choose name="Name20">
-                    <dgm:if name="Name21" func="var" arg="dir" op="equ" val="norm">
-                      <dgm:alg type="hierRoot">
-                        <dgm:param type="hierAlign" val="lCtrCh"/>
-                      </dgm:alg>
+                <dgm:layoutNode name="descendantBox" styleLbl="fgAccFollowNode1">
+                  <dgm:choose name="Name12">
+                    <dgm:if name="Name13" func="var" arg="dir" op="equ" val="norm">
+                      <dgm:alg type="lin"/>
                     </dgm:if>
-                    <dgm:else name="Name22">
-                      <dgm:alg type="hierRoot">
-                        <dgm:param type="hierAlign" val="rCtrCh"/>
+                    <dgm:else name="Name14">
+                      <dgm:alg type="lin">
+                        <dgm:param type="linDir" val="fromR"/>
                       </dgm:alg>
                     </dgm:else>
                   </dgm:choose>
@@ -2026,50 +4447,150 @@
                     <dgm:adjLst/>
                   </dgm:shape>
                   <dgm:presOf/>
-                  <dgm:layoutNode name="LevelTwoTextNode">
-                    <dgm:varLst>
-                      <dgm:chPref val="3"/>
-                    </dgm:varLst>
-                    <dgm:alg type="tx"/>
-                    <dgm:shape xmlns:r="http://schemas.openxmlformats.org/officeDocument/2006/relationships" type="rect" r:blip="">
-                      <dgm:adjLst/>
-                    </dgm:shape>
-                    <dgm:presOf axis="self"/>
-                    <dgm:constrLst>
-                      <dgm:constr type="tMarg" refType="primFontSz" fact="0.05"/>
-                      <dgm:constr type="bMarg" refType="primFontSz" fact="0.05"/>
-                      <dgm:constr type="lMarg" refType="primFontSz" fact="0.05"/>
-                      <dgm:constr type="rMarg" refType="primFontSz" fact="0.05"/>
-                    </dgm:constrLst>
-                    <dgm:ruleLst>
-                      <dgm:rule type="primFontSz" val="2" fact="NaN" max="NaN"/>
-                    </dgm:ruleLst>
-                  </dgm:layoutNode>
-                  <dgm:layoutNode name="level3hierChild">
-                    <dgm:choose name="Name23">
-                      <dgm:if name="Name24" func="var" arg="dir" op="equ" val="norm">
-                        <dgm:alg type="hierChild">
-                          <dgm:param type="linDir" val="fromT"/>
-                          <dgm:param type="chAlign" val="l"/>
-                        </dgm:alg>
-                      </dgm:if>
-                      <dgm:else name="Name25">
-                        <dgm:alg type="hierChild">
-                          <dgm:param type="linDir" val="fromT"/>
-                          <dgm:param type="chAlign" val="r"/>
-                        </dgm:alg>
-                      </dgm:else>
-                    </dgm:choose>
-                    <dgm:shape xmlns:r="http://schemas.openxmlformats.org/officeDocument/2006/relationships" r:blip="">
-                      <dgm:adjLst/>
-                    </dgm:shape>
-                    <dgm:presOf/>
-                    <dgm:forEach name="Name26" ref="repeat"/>
-                  </dgm:layoutNode>
+                  <dgm:constrLst>
+                    <dgm:constr type="w" for="ch" forName="childTextBox" refType="w"/>
+                    <dgm:constr type="h" for="ch" forName="childTextBox" refType="h"/>
+                  </dgm:constrLst>
+                  <dgm:ruleLst/>
+                  <dgm:forEach name="Name15" axis="ch" ptType="node">
+                    <dgm:layoutNode name="childTextBox" styleLbl="fgAccFollowNode1">
+                      <dgm:varLst>
+                        <dgm:bulletEnabled val="1"/>
+                      </dgm:varLst>
+                      <dgm:alg type="tx"/>
+                      <dgm:shape xmlns:r="http://schemas.openxmlformats.org/officeDocument/2006/relationships" type="rect" r:blip="">
+                        <dgm:adjLst/>
+                      </dgm:shape>
+                      <dgm:presOf axis="desOrSelf" ptType="node"/>
+                      <dgm:constrLst>
+                        <dgm:constr type="tMarg" refType="primFontSz" fact="0.1"/>
+                        <dgm:constr type="bMarg" refType="primFontSz" fact="0.1"/>
+                      </dgm:constrLst>
+                      <dgm:ruleLst>
+                        <dgm:rule type="primFontSz" val="5" fact="NaN" max="NaN"/>
+                      </dgm:ruleLst>
+                    </dgm:layoutNode>
+                  </dgm:forEach>
                 </dgm:layoutNode>
-              </dgm:forEach>
-            </dgm:forEach>
+              </dgm:if>
+              <dgm:else name="Name16"/>
+            </dgm:choose>
           </dgm:layoutNode>
+        </dgm:if>
+        <dgm:else name="Name17">
+          <dgm:layoutNode name="arrowAndChildren">
+            <dgm:alg type="composite"/>
+            <dgm:shape xmlns:r="http://schemas.openxmlformats.org/officeDocument/2006/relationships" r:blip="">
+              <dgm:adjLst/>
+            </dgm:shape>
+            <dgm:presOf/>
+            <dgm:choose name="Name18">
+              <dgm:if name="Name19" axis="ch" ptType="node" func="cnt" op="gte" val="1">
+                <dgm:constrLst>
+                  <dgm:constr type="w" for="ch" forName="parentTextArrow" refType="w"/>
+                  <dgm:constr type="t" for="ch" forName="parentTextArrow"/>
+                  <dgm:constr type="h" for="ch" forName="parentTextArrow" refType="h" fact="0.351"/>
+                  <dgm:constr type="w" for="ch" forName="arrow" refType="w"/>
+                  <dgm:constr type="h" for="ch" forName="arrow" refType="h"/>
+                  <dgm:constr type="w" for="ch" forName="descendantArrow" refType="w"/>
+                  <dgm:constr type="b" for="ch" forName="descendantArrow" refType="h" fact="0.65"/>
+                  <dgm:constr type="h" for="ch" forName="descendantArrow" refType="h" fact="0.299"/>
+                </dgm:constrLst>
+              </dgm:if>
+              <dgm:else name="Name20">
+                <dgm:constrLst>
+                  <dgm:constr type="w" for="ch" forName="parentTextArrow" refType="w"/>
+                  <dgm:constr type="h" for="ch" forName="parentTextArrow" refType="h"/>
+                </dgm:constrLst>
+              </dgm:else>
+            </dgm:choose>
+            <dgm:ruleLst/>
+            <dgm:layoutNode name="parentTextArrow">
+              <dgm:alg type="tx"/>
+              <dgm:choose name="Name21">
+                <dgm:if name="Name22" axis="ch" ptType="node" func="cnt" op="gte" val="1">
+                  <dgm:shape xmlns:r="http://schemas.openxmlformats.org/officeDocument/2006/relationships" type="rect" r:blip="" zOrderOff="1" hideGeom="1">
+                    <dgm:adjLst/>
+                  </dgm:shape>
+                </dgm:if>
+                <dgm:else name="Name23">
+                  <dgm:shape xmlns:r="http://schemas.openxmlformats.org/officeDocument/2006/relationships" rot="180" type="upArrowCallout" r:blip="">
+                    <dgm:adjLst/>
+                  </dgm:shape>
+                </dgm:else>
+              </dgm:choose>
+              <dgm:presOf axis="self"/>
+              <dgm:constrLst/>
+              <dgm:ruleLst>
+                <dgm:rule type="primFontSz" val="5" fact="NaN" max="NaN"/>
+              </dgm:ruleLst>
+            </dgm:layoutNode>
+            <dgm:choose name="Name24">
+              <dgm:if name="Name25" axis="ch" ptType="node" func="cnt" op="gte" val="1">
+                <dgm:layoutNode name="arrow">
+                  <dgm:alg type="sp"/>
+                  <dgm:shape xmlns:r="http://schemas.openxmlformats.org/officeDocument/2006/relationships" rot="180" type="upArrowCallout" r:blip="">
+                    <dgm:adjLst/>
+                  </dgm:shape>
+                  <dgm:presOf axis="self"/>
+                  <dgm:constrLst/>
+                  <dgm:ruleLst/>
+                </dgm:layoutNode>
+                <dgm:layoutNode name="descendantArrow">
+                  <dgm:choose name="Name26">
+                    <dgm:if name="Name27" func="var" arg="dir" op="equ" val="norm">
+                      <dgm:alg type="lin"/>
+                    </dgm:if>
+                    <dgm:else name="Name28">
+                      <dgm:alg type="lin">
+                        <dgm:param type="linDir" val="fromR"/>
+                      </dgm:alg>
+                    </dgm:else>
+                  </dgm:choose>
+                  <dgm:shape xmlns:r="http://schemas.openxmlformats.org/officeDocument/2006/relationships" r:blip="">
+                    <dgm:adjLst/>
+                  </dgm:shape>
+                  <dgm:presOf/>
+                  <dgm:constrLst>
+                    <dgm:constr type="w" for="ch" forName="childTextArrow" refType="w"/>
+                    <dgm:constr type="h" for="ch" forName="childTextArrow" refType="h"/>
+                  </dgm:constrLst>
+                  <dgm:ruleLst/>
+                  <dgm:forEach name="Name29" axis="ch" ptType="node">
+                    <dgm:layoutNode name="childTextArrow" styleLbl="fgAccFollowNode1">
+                      <dgm:varLst>
+                        <dgm:bulletEnabled val="1"/>
+                      </dgm:varLst>
+                      <dgm:alg type="tx"/>
+                      <dgm:shape xmlns:r="http://schemas.openxmlformats.org/officeDocument/2006/relationships" type="rect" r:blip="">
+                        <dgm:adjLst/>
+                      </dgm:shape>
+                      <dgm:presOf axis="desOrSelf" ptType="node"/>
+                      <dgm:constrLst>
+                        <dgm:constr type="tMarg" refType="primFontSz" fact="0.1"/>
+                        <dgm:constr type="bMarg" refType="primFontSz" fact="0.1"/>
+                      </dgm:constrLst>
+                      <dgm:ruleLst>
+                        <dgm:rule type="primFontSz" val="5" fact="NaN" max="NaN"/>
+                      </dgm:ruleLst>
+                    </dgm:layoutNode>
+                  </dgm:forEach>
+                </dgm:layoutNode>
+              </dgm:if>
+              <dgm:else name="Name30"/>
+            </dgm:choose>
+          </dgm:layoutNode>
+        </dgm:else>
+      </dgm:choose>
+      <dgm:forEach name="Name31" axis="precedSib" ptType="sibTrans" st="-1" cnt="1">
+        <dgm:layoutNode name="sp">
+          <dgm:alg type="sp"/>
+          <dgm:shape xmlns:r="http://schemas.openxmlformats.org/officeDocument/2006/relationships" r:blip="">
+            <dgm:adjLst/>
+          </dgm:shape>
+          <dgm:presOf axis="self"/>
+          <dgm:constrLst/>
+          <dgm:ruleLst/>
         </dgm:layoutNode>
       </dgm:forEach>
     </dgm:forEach>
@@ -3140,15 +5661,15 @@
         </p:nvSpPr>
         <p:spPr>
           <a:xfrm>
-            <a:off x="685800" y="1122363"/>
-            <a:ext cx="7772400" cy="2387600"/>
+            <a:off x="914400" y="1990376"/>
+            <a:ext cx="10363200" cy="4234121"/>
           </a:xfrm>
         </p:spPr>
         <p:txBody>
           <a:bodyPr anchor="b"/>
           <a:lstStyle>
             <a:lvl1pPr algn="ctr">
-              <a:defRPr sz="6000"/>
+              <a:defRPr sz="8000"/>
             </a:lvl1pPr>
           </a:lstStyle>
           <a:p>
@@ -3172,8 +5693,8 @@
         </p:nvSpPr>
         <p:spPr>
           <a:xfrm>
-            <a:off x="1143000" y="3602038"/>
-            <a:ext cx="6858000" cy="1655762"/>
+            <a:off x="1524000" y="6387781"/>
+            <a:ext cx="9144000" cy="2936295"/>
           </a:xfrm>
         </p:spPr>
         <p:txBody>
@@ -3181,39 +5702,39 @@
           <a:lstStyle>
             <a:lvl1pPr marL="0" indent="0" algn="ctr">
               <a:buNone/>
+              <a:defRPr sz="3200"/>
+            </a:lvl1pPr>
+            <a:lvl2pPr marL="609585" indent="0" algn="ctr">
+              <a:buNone/>
+              <a:defRPr sz="2667"/>
+            </a:lvl2pPr>
+            <a:lvl3pPr marL="1219170" indent="0" algn="ctr">
+              <a:buNone/>
               <a:defRPr sz="2400"/>
-            </a:lvl1pPr>
-            <a:lvl2pPr marL="457200" indent="0" algn="ctr">
+            </a:lvl3pPr>
+            <a:lvl4pPr marL="1828754" indent="0" algn="ctr">
               <a:buNone/>
-              <a:defRPr sz="2000"/>
-            </a:lvl2pPr>
-            <a:lvl3pPr marL="914400" indent="0" algn="ctr">
+              <a:defRPr sz="2133"/>
+            </a:lvl4pPr>
+            <a:lvl5pPr marL="2438339" indent="0" algn="ctr">
               <a:buNone/>
-              <a:defRPr sz="1800"/>
-            </a:lvl3pPr>
-            <a:lvl4pPr marL="1371600" indent="0" algn="ctr">
+              <a:defRPr sz="2133"/>
+            </a:lvl5pPr>
+            <a:lvl6pPr marL="3047924" indent="0" algn="ctr">
               <a:buNone/>
-              <a:defRPr sz="1600"/>
-            </a:lvl4pPr>
-            <a:lvl5pPr marL="1828800" indent="0" algn="ctr">
+              <a:defRPr sz="2133"/>
+            </a:lvl6pPr>
+            <a:lvl7pPr marL="3657509" indent="0" algn="ctr">
               <a:buNone/>
-              <a:defRPr sz="1600"/>
-            </a:lvl5pPr>
-            <a:lvl6pPr marL="2286000" indent="0" algn="ctr">
+              <a:defRPr sz="2133"/>
+            </a:lvl7pPr>
+            <a:lvl8pPr marL="4267093" indent="0" algn="ctr">
               <a:buNone/>
-              <a:defRPr sz="1600"/>
-            </a:lvl6pPr>
-            <a:lvl7pPr marL="2743200" indent="0" algn="ctr">
+              <a:defRPr sz="2133"/>
+            </a:lvl8pPr>
+            <a:lvl9pPr marL="4876678" indent="0" algn="ctr">
               <a:buNone/>
-              <a:defRPr sz="1600"/>
-            </a:lvl7pPr>
-            <a:lvl8pPr marL="3200400" indent="0" algn="ctr">
-              <a:buNone/>
-              <a:defRPr sz="1600"/>
-            </a:lvl8pPr>
-            <a:lvl9pPr marL="3657600" indent="0" algn="ctr">
-              <a:buNone/>
-              <a:defRPr sz="1600"/>
+              <a:defRPr sz="2133"/>
             </a:lvl9pPr>
           </a:lstStyle>
           <a:p>
@@ -3242,7 +5763,7 @@
           <a:p>
             <a:fld id="{6C64C709-5F01-4917-BF91-AD93E62EBE60}" type="datetimeFigureOut">
               <a:rPr lang="en-US" smtClean="0"/>
-              <a:t>11/1/2016</a:t>
+              <a:t>11/3/2016</a:t>
             </a:fld>
             <a:endParaRPr lang="en-US"/>
           </a:p>
@@ -3293,7 +5814,7 @@
     </p:spTree>
     <p:extLst>
       <p:ext uri="{BB962C8B-B14F-4D97-AF65-F5344CB8AC3E}">
-        <p14:creationId xmlns:p14="http://schemas.microsoft.com/office/powerpoint/2010/main" val="649089737"/>
+        <p14:creationId xmlns:p14="http://schemas.microsoft.com/office/powerpoint/2010/main" val="277824222"/>
       </p:ext>
     </p:extLst>
   </p:cSld>
@@ -3412,7 +5933,7 @@
           <a:p>
             <a:fld id="{6C64C709-5F01-4917-BF91-AD93E62EBE60}" type="datetimeFigureOut">
               <a:rPr lang="en-US" smtClean="0"/>
-              <a:t>11/1/2016</a:t>
+              <a:t>11/3/2016</a:t>
             </a:fld>
             <a:endParaRPr lang="en-US"/>
           </a:p>
@@ -3463,7 +5984,7 @@
     </p:spTree>
     <p:extLst>
       <p:ext uri="{BB962C8B-B14F-4D97-AF65-F5344CB8AC3E}">
-        <p14:creationId xmlns:p14="http://schemas.microsoft.com/office/powerpoint/2010/main" val="2155932244"/>
+        <p14:creationId xmlns:p14="http://schemas.microsoft.com/office/powerpoint/2010/main" val="594827530"/>
       </p:ext>
     </p:extLst>
   </p:cSld>
@@ -3502,8 +6023,8 @@
         </p:nvSpPr>
         <p:spPr>
           <a:xfrm>
-            <a:off x="6543675" y="365125"/>
-            <a:ext cx="1971675" cy="5811838"/>
+            <a:off x="8724901" y="647505"/>
+            <a:ext cx="2628900" cy="10306596"/>
           </a:xfrm>
         </p:spPr>
         <p:txBody>
@@ -3530,8 +6051,8 @@
         </p:nvSpPr>
         <p:spPr>
           <a:xfrm>
-            <a:off x="628650" y="365125"/>
-            <a:ext cx="5800725" cy="5811838"/>
+            <a:off x="838201" y="647505"/>
+            <a:ext cx="7734300" cy="10306596"/>
           </a:xfrm>
         </p:spPr>
         <p:txBody>
@@ -3592,7 +6113,7 @@
           <a:p>
             <a:fld id="{6C64C709-5F01-4917-BF91-AD93E62EBE60}" type="datetimeFigureOut">
               <a:rPr lang="en-US" smtClean="0"/>
-              <a:t>11/1/2016</a:t>
+              <a:t>11/3/2016</a:t>
             </a:fld>
             <a:endParaRPr lang="en-US"/>
           </a:p>
@@ -3643,7 +6164,7 @@
     </p:spTree>
     <p:extLst>
       <p:ext uri="{BB962C8B-B14F-4D97-AF65-F5344CB8AC3E}">
-        <p14:creationId xmlns:p14="http://schemas.microsoft.com/office/powerpoint/2010/main" val="3755151448"/>
+        <p14:creationId xmlns:p14="http://schemas.microsoft.com/office/powerpoint/2010/main" val="1203905653"/>
       </p:ext>
     </p:extLst>
   </p:cSld>
@@ -3762,7 +6283,7 @@
           <a:p>
             <a:fld id="{6C64C709-5F01-4917-BF91-AD93E62EBE60}" type="datetimeFigureOut">
               <a:rPr lang="en-US" smtClean="0"/>
-              <a:t>11/1/2016</a:t>
+              <a:t>11/3/2016</a:t>
             </a:fld>
             <a:endParaRPr lang="en-US"/>
           </a:p>
@@ -3813,7 +6334,7 @@
     </p:spTree>
     <p:extLst>
       <p:ext uri="{BB962C8B-B14F-4D97-AF65-F5344CB8AC3E}">
-        <p14:creationId xmlns:p14="http://schemas.microsoft.com/office/powerpoint/2010/main" val="397450775"/>
+        <p14:creationId xmlns:p14="http://schemas.microsoft.com/office/powerpoint/2010/main" val="647464823"/>
       </p:ext>
     </p:extLst>
   </p:cSld>
@@ -3852,15 +6373,15 @@
         </p:nvSpPr>
         <p:spPr>
           <a:xfrm>
-            <a:off x="623888" y="1709739"/>
-            <a:ext cx="7886700" cy="2852737"/>
+            <a:off x="831851" y="3032017"/>
+            <a:ext cx="10515600" cy="5058986"/>
           </a:xfrm>
         </p:spPr>
         <p:txBody>
           <a:bodyPr anchor="b"/>
           <a:lstStyle>
             <a:lvl1pPr>
-              <a:defRPr sz="6000"/>
+              <a:defRPr sz="8000"/>
             </a:lvl1pPr>
           </a:lstStyle>
           <a:p>
@@ -3884,8 +6405,8 @@
         </p:nvSpPr>
         <p:spPr>
           <a:xfrm>
-            <a:off x="623888" y="4589464"/>
-            <a:ext cx="7886700" cy="1500187"/>
+            <a:off x="831851" y="8138863"/>
+            <a:ext cx="10515600" cy="2660401"/>
           </a:xfrm>
         </p:spPr>
         <p:txBody>
@@ -3893,15 +6414,15 @@
           <a:lstStyle>
             <a:lvl1pPr marL="0" indent="0">
               <a:buNone/>
-              <a:defRPr sz="2400">
+              <a:defRPr sz="3200">
                 <a:solidFill>
                   <a:schemeClr val="tx1"/>
                 </a:solidFill>
               </a:defRPr>
             </a:lvl1pPr>
-            <a:lvl2pPr marL="457200" indent="0">
+            <a:lvl2pPr marL="609585" indent="0">
               <a:buNone/>
-              <a:defRPr sz="2000">
+              <a:defRPr sz="2667">
                 <a:solidFill>
                   <a:schemeClr val="tx1">
                     <a:tint val="75000"/>
@@ -3909,9 +6430,9 @@
                 </a:solidFill>
               </a:defRPr>
             </a:lvl2pPr>
-            <a:lvl3pPr marL="914400" indent="0">
+            <a:lvl3pPr marL="1219170" indent="0">
               <a:buNone/>
-              <a:defRPr sz="1800">
+              <a:defRPr sz="2400">
                 <a:solidFill>
                   <a:schemeClr val="tx1">
                     <a:tint val="75000"/>
@@ -3919,9 +6440,9 @@
                 </a:solidFill>
               </a:defRPr>
             </a:lvl3pPr>
-            <a:lvl4pPr marL="1371600" indent="0">
+            <a:lvl4pPr marL="1828754" indent="0">
               <a:buNone/>
-              <a:defRPr sz="1600">
+              <a:defRPr sz="2133">
                 <a:solidFill>
                   <a:schemeClr val="tx1">
                     <a:tint val="75000"/>
@@ -3929,9 +6450,9 @@
                 </a:solidFill>
               </a:defRPr>
             </a:lvl4pPr>
-            <a:lvl5pPr marL="1828800" indent="0">
+            <a:lvl5pPr marL="2438339" indent="0">
               <a:buNone/>
-              <a:defRPr sz="1600">
+              <a:defRPr sz="2133">
                 <a:solidFill>
                   <a:schemeClr val="tx1">
                     <a:tint val="75000"/>
@@ -3939,9 +6460,9 @@
                 </a:solidFill>
               </a:defRPr>
             </a:lvl5pPr>
-            <a:lvl6pPr marL="2286000" indent="0">
+            <a:lvl6pPr marL="3047924" indent="0">
               <a:buNone/>
-              <a:defRPr sz="1600">
+              <a:defRPr sz="2133">
                 <a:solidFill>
                   <a:schemeClr val="tx1">
                     <a:tint val="75000"/>
@@ -3949,9 +6470,9 @@
                 </a:solidFill>
               </a:defRPr>
             </a:lvl6pPr>
-            <a:lvl7pPr marL="2743200" indent="0">
+            <a:lvl7pPr marL="3657509" indent="0">
               <a:buNone/>
-              <a:defRPr sz="1600">
+              <a:defRPr sz="2133">
                 <a:solidFill>
                   <a:schemeClr val="tx1">
                     <a:tint val="75000"/>
@@ -3959,9 +6480,9 @@
                 </a:solidFill>
               </a:defRPr>
             </a:lvl7pPr>
-            <a:lvl8pPr marL="3200400" indent="0">
+            <a:lvl8pPr marL="4267093" indent="0">
               <a:buNone/>
-              <a:defRPr sz="1600">
+              <a:defRPr sz="2133">
                 <a:solidFill>
                   <a:schemeClr val="tx1">
                     <a:tint val="75000"/>
@@ -3969,9 +6490,9 @@
                 </a:solidFill>
               </a:defRPr>
             </a:lvl8pPr>
-            <a:lvl9pPr marL="3657600" indent="0">
+            <a:lvl9pPr marL="4876678" indent="0">
               <a:buNone/>
-              <a:defRPr sz="1600">
+              <a:defRPr sz="2133">
                 <a:solidFill>
                   <a:schemeClr val="tx1">
                     <a:tint val="75000"/>
@@ -4006,7 +6527,7 @@
           <a:p>
             <a:fld id="{6C64C709-5F01-4917-BF91-AD93E62EBE60}" type="datetimeFigureOut">
               <a:rPr lang="en-US" smtClean="0"/>
-              <a:t>11/1/2016</a:t>
+              <a:t>11/3/2016</a:t>
             </a:fld>
             <a:endParaRPr lang="en-US"/>
           </a:p>
@@ -4057,7 +6578,7 @@
     </p:spTree>
     <p:extLst>
       <p:ext uri="{BB962C8B-B14F-4D97-AF65-F5344CB8AC3E}">
-        <p14:creationId xmlns:p14="http://schemas.microsoft.com/office/powerpoint/2010/main" val="236116485"/>
+        <p14:creationId xmlns:p14="http://schemas.microsoft.com/office/powerpoint/2010/main" val="2906505945"/>
       </p:ext>
     </p:extLst>
   </p:cSld>
@@ -4119,8 +6640,8 @@
         </p:nvSpPr>
         <p:spPr>
           <a:xfrm>
-            <a:off x="628650" y="1825625"/>
-            <a:ext cx="3886200" cy="4351338"/>
+            <a:off x="838200" y="3237527"/>
+            <a:ext cx="5181600" cy="7716574"/>
           </a:xfrm>
         </p:spPr>
         <p:txBody>
@@ -4176,8 +6697,8 @@
         </p:nvSpPr>
         <p:spPr>
           <a:xfrm>
-            <a:off x="4629150" y="1825625"/>
-            <a:ext cx="3886200" cy="4351338"/>
+            <a:off x="6172200" y="3237527"/>
+            <a:ext cx="5181600" cy="7716574"/>
           </a:xfrm>
         </p:spPr>
         <p:txBody>
@@ -4238,7 +6759,7 @@
           <a:p>
             <a:fld id="{6C64C709-5F01-4917-BF91-AD93E62EBE60}" type="datetimeFigureOut">
               <a:rPr lang="en-US" smtClean="0"/>
-              <a:t>11/1/2016</a:t>
+              <a:t>11/3/2016</a:t>
             </a:fld>
             <a:endParaRPr lang="en-US"/>
           </a:p>
@@ -4289,7 +6810,7 @@
     </p:spTree>
     <p:extLst>
       <p:ext uri="{BB962C8B-B14F-4D97-AF65-F5344CB8AC3E}">
-        <p14:creationId xmlns:p14="http://schemas.microsoft.com/office/powerpoint/2010/main" val="1553159415"/>
+        <p14:creationId xmlns:p14="http://schemas.microsoft.com/office/powerpoint/2010/main" val="3523399153"/>
       </p:ext>
     </p:extLst>
   </p:cSld>
@@ -4328,8 +6849,8 @@
         </p:nvSpPr>
         <p:spPr>
           <a:xfrm>
-            <a:off x="629841" y="365126"/>
-            <a:ext cx="7886700" cy="1325563"/>
+            <a:off x="839788" y="647508"/>
+            <a:ext cx="10515600" cy="2350727"/>
           </a:xfrm>
         </p:spPr>
         <p:txBody>
@@ -4356,8 +6877,8 @@
         </p:nvSpPr>
         <p:spPr>
           <a:xfrm>
-            <a:off x="629842" y="1681163"/>
-            <a:ext cx="3868340" cy="823912"/>
+            <a:off x="839789" y="2981340"/>
+            <a:ext cx="5157787" cy="1461109"/>
           </a:xfrm>
         </p:spPr>
         <p:txBody>
@@ -4365,39 +6886,39 @@
           <a:lstStyle>
             <a:lvl1pPr marL="0" indent="0">
               <a:buNone/>
+              <a:defRPr sz="3200" b="1"/>
+            </a:lvl1pPr>
+            <a:lvl2pPr marL="609585" indent="0">
+              <a:buNone/>
+              <a:defRPr sz="2667" b="1"/>
+            </a:lvl2pPr>
+            <a:lvl3pPr marL="1219170" indent="0">
+              <a:buNone/>
               <a:defRPr sz="2400" b="1"/>
-            </a:lvl1pPr>
-            <a:lvl2pPr marL="457200" indent="0">
+            </a:lvl3pPr>
+            <a:lvl4pPr marL="1828754" indent="0">
               <a:buNone/>
-              <a:defRPr sz="2000" b="1"/>
-            </a:lvl2pPr>
-            <a:lvl3pPr marL="914400" indent="0">
+              <a:defRPr sz="2133" b="1"/>
+            </a:lvl4pPr>
+            <a:lvl5pPr marL="2438339" indent="0">
               <a:buNone/>
-              <a:defRPr sz="1800" b="1"/>
-            </a:lvl3pPr>
-            <a:lvl4pPr marL="1371600" indent="0">
+              <a:defRPr sz="2133" b="1"/>
+            </a:lvl5pPr>
+            <a:lvl6pPr marL="3047924" indent="0">
               <a:buNone/>
-              <a:defRPr sz="1600" b="1"/>
-            </a:lvl4pPr>
-            <a:lvl5pPr marL="1828800" indent="0">
+              <a:defRPr sz="2133" b="1"/>
+            </a:lvl6pPr>
+            <a:lvl7pPr marL="3657509" indent="0">
               <a:buNone/>
-              <a:defRPr sz="1600" b="1"/>
-            </a:lvl5pPr>
-            <a:lvl6pPr marL="2286000" indent="0">
+              <a:defRPr sz="2133" b="1"/>
+            </a:lvl7pPr>
+            <a:lvl8pPr marL="4267093" indent="0">
               <a:buNone/>
-              <a:defRPr sz="1600" b="1"/>
-            </a:lvl6pPr>
-            <a:lvl7pPr marL="2743200" indent="0">
+              <a:defRPr sz="2133" b="1"/>
+            </a:lvl8pPr>
+            <a:lvl9pPr marL="4876678" indent="0">
               <a:buNone/>
-              <a:defRPr sz="1600" b="1"/>
-            </a:lvl7pPr>
-            <a:lvl8pPr marL="3200400" indent="0">
-              <a:buNone/>
-              <a:defRPr sz="1600" b="1"/>
-            </a:lvl8pPr>
-            <a:lvl9pPr marL="3657600" indent="0">
-              <a:buNone/>
-              <a:defRPr sz="1600" b="1"/>
+              <a:defRPr sz="2133" b="1"/>
             </a:lvl9pPr>
           </a:lstStyle>
           <a:p>
@@ -4421,8 +6942,8 @@
         </p:nvSpPr>
         <p:spPr>
           <a:xfrm>
-            <a:off x="629842" y="2505075"/>
-            <a:ext cx="3868340" cy="3684588"/>
+            <a:off x="839789" y="4442449"/>
+            <a:ext cx="5157787" cy="6534174"/>
           </a:xfrm>
         </p:spPr>
         <p:txBody>
@@ -4478,8 +6999,8 @@
         </p:nvSpPr>
         <p:spPr>
           <a:xfrm>
-            <a:off x="4629150" y="1681163"/>
-            <a:ext cx="3887391" cy="823912"/>
+            <a:off x="6172201" y="2981340"/>
+            <a:ext cx="5183188" cy="1461109"/>
           </a:xfrm>
         </p:spPr>
         <p:txBody>
@@ -4487,39 +7008,39 @@
           <a:lstStyle>
             <a:lvl1pPr marL="0" indent="0">
               <a:buNone/>
+              <a:defRPr sz="3200" b="1"/>
+            </a:lvl1pPr>
+            <a:lvl2pPr marL="609585" indent="0">
+              <a:buNone/>
+              <a:defRPr sz="2667" b="1"/>
+            </a:lvl2pPr>
+            <a:lvl3pPr marL="1219170" indent="0">
+              <a:buNone/>
               <a:defRPr sz="2400" b="1"/>
-            </a:lvl1pPr>
-            <a:lvl2pPr marL="457200" indent="0">
+            </a:lvl3pPr>
+            <a:lvl4pPr marL="1828754" indent="0">
               <a:buNone/>
-              <a:defRPr sz="2000" b="1"/>
-            </a:lvl2pPr>
-            <a:lvl3pPr marL="914400" indent="0">
+              <a:defRPr sz="2133" b="1"/>
+            </a:lvl4pPr>
+            <a:lvl5pPr marL="2438339" indent="0">
               <a:buNone/>
-              <a:defRPr sz="1800" b="1"/>
-            </a:lvl3pPr>
-            <a:lvl4pPr marL="1371600" indent="0">
+              <a:defRPr sz="2133" b="1"/>
+            </a:lvl5pPr>
+            <a:lvl6pPr marL="3047924" indent="0">
               <a:buNone/>
-              <a:defRPr sz="1600" b="1"/>
-            </a:lvl4pPr>
-            <a:lvl5pPr marL="1828800" indent="0">
+              <a:defRPr sz="2133" b="1"/>
+            </a:lvl6pPr>
+            <a:lvl7pPr marL="3657509" indent="0">
               <a:buNone/>
-              <a:defRPr sz="1600" b="1"/>
-            </a:lvl5pPr>
-            <a:lvl6pPr marL="2286000" indent="0">
+              <a:defRPr sz="2133" b="1"/>
+            </a:lvl7pPr>
+            <a:lvl8pPr marL="4267093" indent="0">
               <a:buNone/>
-              <a:defRPr sz="1600" b="1"/>
-            </a:lvl6pPr>
-            <a:lvl7pPr marL="2743200" indent="0">
+              <a:defRPr sz="2133" b="1"/>
+            </a:lvl8pPr>
+            <a:lvl9pPr marL="4876678" indent="0">
               <a:buNone/>
-              <a:defRPr sz="1600" b="1"/>
-            </a:lvl7pPr>
-            <a:lvl8pPr marL="3200400" indent="0">
-              <a:buNone/>
-              <a:defRPr sz="1600" b="1"/>
-            </a:lvl8pPr>
-            <a:lvl9pPr marL="3657600" indent="0">
-              <a:buNone/>
-              <a:defRPr sz="1600" b="1"/>
+              <a:defRPr sz="2133" b="1"/>
             </a:lvl9pPr>
           </a:lstStyle>
           <a:p>
@@ -4543,8 +7064,8 @@
         </p:nvSpPr>
         <p:spPr>
           <a:xfrm>
-            <a:off x="4629150" y="2505075"/>
-            <a:ext cx="3887391" cy="3684588"/>
+            <a:off x="6172201" y="4442449"/>
+            <a:ext cx="5183188" cy="6534174"/>
           </a:xfrm>
         </p:spPr>
         <p:txBody>
@@ -4605,7 +7126,7 @@
           <a:p>
             <a:fld id="{6C64C709-5F01-4917-BF91-AD93E62EBE60}" type="datetimeFigureOut">
               <a:rPr lang="en-US" smtClean="0"/>
-              <a:t>11/1/2016</a:t>
+              <a:t>11/3/2016</a:t>
             </a:fld>
             <a:endParaRPr lang="en-US"/>
           </a:p>
@@ -4656,7 +7177,7 @@
     </p:spTree>
     <p:extLst>
       <p:ext uri="{BB962C8B-B14F-4D97-AF65-F5344CB8AC3E}">
-        <p14:creationId xmlns:p14="http://schemas.microsoft.com/office/powerpoint/2010/main" val="1423280931"/>
+        <p14:creationId xmlns:p14="http://schemas.microsoft.com/office/powerpoint/2010/main" val="3063096605"/>
       </p:ext>
     </p:extLst>
   </p:cSld>
@@ -4723,7 +7244,7 @@
           <a:p>
             <a:fld id="{6C64C709-5F01-4917-BF91-AD93E62EBE60}" type="datetimeFigureOut">
               <a:rPr lang="en-US" smtClean="0"/>
-              <a:t>11/1/2016</a:t>
+              <a:t>11/3/2016</a:t>
             </a:fld>
             <a:endParaRPr lang="en-US"/>
           </a:p>
@@ -4774,7 +7295,7 @@
     </p:spTree>
     <p:extLst>
       <p:ext uri="{BB962C8B-B14F-4D97-AF65-F5344CB8AC3E}">
-        <p14:creationId xmlns:p14="http://schemas.microsoft.com/office/powerpoint/2010/main" val="2777064221"/>
+        <p14:creationId xmlns:p14="http://schemas.microsoft.com/office/powerpoint/2010/main" val="315383525"/>
       </p:ext>
     </p:extLst>
   </p:cSld>
@@ -4818,7 +7339,7 @@
           <a:p>
             <a:fld id="{6C64C709-5F01-4917-BF91-AD93E62EBE60}" type="datetimeFigureOut">
               <a:rPr lang="en-US" smtClean="0"/>
-              <a:t>11/1/2016</a:t>
+              <a:t>11/3/2016</a:t>
             </a:fld>
             <a:endParaRPr lang="en-US"/>
           </a:p>
@@ -4869,7 +7390,7 @@
     </p:spTree>
     <p:extLst>
       <p:ext uri="{BB962C8B-B14F-4D97-AF65-F5344CB8AC3E}">
-        <p14:creationId xmlns:p14="http://schemas.microsoft.com/office/powerpoint/2010/main" val="3366827583"/>
+        <p14:creationId xmlns:p14="http://schemas.microsoft.com/office/powerpoint/2010/main" val="795571380"/>
       </p:ext>
     </p:extLst>
   </p:cSld>
@@ -4908,15 +7429,15 @@
         </p:nvSpPr>
         <p:spPr>
           <a:xfrm>
-            <a:off x="629841" y="457200"/>
-            <a:ext cx="2949178" cy="1600200"/>
+            <a:off x="839788" y="810789"/>
+            <a:ext cx="3932237" cy="2837762"/>
           </a:xfrm>
         </p:spPr>
         <p:txBody>
           <a:bodyPr anchor="b"/>
           <a:lstStyle>
             <a:lvl1pPr>
-              <a:defRPr sz="3200"/>
+              <a:defRPr sz="4267"/>
             </a:lvl1pPr>
           </a:lstStyle>
           <a:p>
@@ -4940,39 +7461,39 @@
         </p:nvSpPr>
         <p:spPr>
           <a:xfrm>
-            <a:off x="3887391" y="987426"/>
-            <a:ext cx="4629150" cy="4873625"/>
+            <a:off x="5183188" y="1751082"/>
+            <a:ext cx="6172200" cy="8642788"/>
           </a:xfrm>
         </p:spPr>
         <p:txBody>
           <a:bodyPr/>
           <a:lstStyle>
             <a:lvl1pPr>
-              <a:defRPr sz="3200"/>
+              <a:defRPr sz="4267"/>
             </a:lvl1pPr>
             <a:lvl2pPr>
-              <a:defRPr sz="2800"/>
+              <a:defRPr sz="3733"/>
             </a:lvl2pPr>
             <a:lvl3pPr>
-              <a:defRPr sz="2400"/>
+              <a:defRPr sz="3200"/>
             </a:lvl3pPr>
             <a:lvl4pPr>
-              <a:defRPr sz="2000"/>
+              <a:defRPr sz="2667"/>
             </a:lvl4pPr>
             <a:lvl5pPr>
-              <a:defRPr sz="2000"/>
+              <a:defRPr sz="2667"/>
             </a:lvl5pPr>
             <a:lvl6pPr>
-              <a:defRPr sz="2000"/>
+              <a:defRPr sz="2667"/>
             </a:lvl6pPr>
             <a:lvl7pPr>
-              <a:defRPr sz="2000"/>
+              <a:defRPr sz="2667"/>
             </a:lvl7pPr>
             <a:lvl8pPr>
-              <a:defRPr sz="2000"/>
+              <a:defRPr sz="2667"/>
             </a:lvl8pPr>
             <a:lvl9pPr>
-              <a:defRPr sz="2000"/>
+              <a:defRPr sz="2667"/>
             </a:lvl9pPr>
           </a:lstStyle>
           <a:p>
@@ -5025,8 +7546,8 @@
         </p:nvSpPr>
         <p:spPr>
           <a:xfrm>
-            <a:off x="629841" y="2057400"/>
-            <a:ext cx="2949178" cy="3811588"/>
+            <a:off x="839788" y="3648551"/>
+            <a:ext cx="3932237" cy="6759393"/>
           </a:xfrm>
         </p:spPr>
         <p:txBody>
@@ -5034,39 +7555,39 @@
           <a:lstStyle>
             <a:lvl1pPr marL="0" indent="0">
               <a:buNone/>
+              <a:defRPr sz="2133"/>
+            </a:lvl1pPr>
+            <a:lvl2pPr marL="609585" indent="0">
+              <a:buNone/>
+              <a:defRPr sz="1867"/>
+            </a:lvl2pPr>
+            <a:lvl3pPr marL="1219170" indent="0">
+              <a:buNone/>
               <a:defRPr sz="1600"/>
-            </a:lvl1pPr>
-            <a:lvl2pPr marL="457200" indent="0">
+            </a:lvl3pPr>
+            <a:lvl4pPr marL="1828754" indent="0">
               <a:buNone/>
-              <a:defRPr sz="1400"/>
-            </a:lvl2pPr>
-            <a:lvl3pPr marL="914400" indent="0">
+              <a:defRPr sz="1333"/>
+            </a:lvl4pPr>
+            <a:lvl5pPr marL="2438339" indent="0">
               <a:buNone/>
-              <a:defRPr sz="1200"/>
-            </a:lvl3pPr>
-            <a:lvl4pPr marL="1371600" indent="0">
+              <a:defRPr sz="1333"/>
+            </a:lvl5pPr>
+            <a:lvl6pPr marL="3047924" indent="0">
               <a:buNone/>
-              <a:defRPr sz="1000"/>
-            </a:lvl4pPr>
-            <a:lvl5pPr marL="1828800" indent="0">
+              <a:defRPr sz="1333"/>
+            </a:lvl6pPr>
+            <a:lvl7pPr marL="3657509" indent="0">
               <a:buNone/>
-              <a:defRPr sz="1000"/>
-            </a:lvl5pPr>
-            <a:lvl6pPr marL="2286000" indent="0">
+              <a:defRPr sz="1333"/>
+            </a:lvl7pPr>
+            <a:lvl8pPr marL="4267093" indent="0">
               <a:buNone/>
-              <a:defRPr sz="1000"/>
-            </a:lvl6pPr>
-            <a:lvl7pPr marL="2743200" indent="0">
+              <a:defRPr sz="1333"/>
+            </a:lvl8pPr>
+            <a:lvl9pPr marL="4876678" indent="0">
               <a:buNone/>
-              <a:defRPr sz="1000"/>
-            </a:lvl7pPr>
-            <a:lvl8pPr marL="3200400" indent="0">
-              <a:buNone/>
-              <a:defRPr sz="1000"/>
-            </a:lvl8pPr>
-            <a:lvl9pPr marL="3657600" indent="0">
-              <a:buNone/>
-              <a:defRPr sz="1000"/>
+              <a:defRPr sz="1333"/>
             </a:lvl9pPr>
           </a:lstStyle>
           <a:p>
@@ -5095,7 +7616,7 @@
           <a:p>
             <a:fld id="{6C64C709-5F01-4917-BF91-AD93E62EBE60}" type="datetimeFigureOut">
               <a:rPr lang="en-US" smtClean="0"/>
-              <a:t>11/1/2016</a:t>
+              <a:t>11/3/2016</a:t>
             </a:fld>
             <a:endParaRPr lang="en-US"/>
           </a:p>
@@ -5146,7 +7667,7 @@
     </p:spTree>
     <p:extLst>
       <p:ext uri="{BB962C8B-B14F-4D97-AF65-F5344CB8AC3E}">
-        <p14:creationId xmlns:p14="http://schemas.microsoft.com/office/powerpoint/2010/main" val="876294491"/>
+        <p14:creationId xmlns:p14="http://schemas.microsoft.com/office/powerpoint/2010/main" val="2938894366"/>
       </p:ext>
     </p:extLst>
   </p:cSld>
@@ -5185,15 +7706,15 @@
         </p:nvSpPr>
         <p:spPr>
           <a:xfrm>
-            <a:off x="629841" y="457200"/>
-            <a:ext cx="2949178" cy="1600200"/>
+            <a:off x="839788" y="810789"/>
+            <a:ext cx="3932237" cy="2837762"/>
           </a:xfrm>
         </p:spPr>
         <p:txBody>
           <a:bodyPr anchor="b"/>
           <a:lstStyle>
             <a:lvl1pPr>
-              <a:defRPr sz="3200"/>
+              <a:defRPr sz="4267"/>
             </a:lvl1pPr>
           </a:lstStyle>
           <a:p>
@@ -5217,8 +7738,8 @@
         </p:nvSpPr>
         <p:spPr>
           <a:xfrm>
-            <a:off x="3887391" y="987426"/>
-            <a:ext cx="4629150" cy="4873625"/>
+            <a:off x="5183188" y="1751082"/>
+            <a:ext cx="6172200" cy="8642788"/>
           </a:xfrm>
         </p:spPr>
         <p:txBody>
@@ -5226,39 +7747,39 @@
           <a:lstStyle>
             <a:lvl1pPr marL="0" indent="0">
               <a:buNone/>
+              <a:defRPr sz="4267"/>
+            </a:lvl1pPr>
+            <a:lvl2pPr marL="609585" indent="0">
+              <a:buNone/>
+              <a:defRPr sz="3733"/>
+            </a:lvl2pPr>
+            <a:lvl3pPr marL="1219170" indent="0">
+              <a:buNone/>
               <a:defRPr sz="3200"/>
-            </a:lvl1pPr>
-            <a:lvl2pPr marL="457200" indent="0">
+            </a:lvl3pPr>
+            <a:lvl4pPr marL="1828754" indent="0">
               <a:buNone/>
-              <a:defRPr sz="2800"/>
-            </a:lvl2pPr>
-            <a:lvl3pPr marL="914400" indent="0">
+              <a:defRPr sz="2667"/>
+            </a:lvl4pPr>
+            <a:lvl5pPr marL="2438339" indent="0">
               <a:buNone/>
-              <a:defRPr sz="2400"/>
-            </a:lvl3pPr>
-            <a:lvl4pPr marL="1371600" indent="0">
+              <a:defRPr sz="2667"/>
+            </a:lvl5pPr>
+            <a:lvl6pPr marL="3047924" indent="0">
               <a:buNone/>
-              <a:defRPr sz="2000"/>
-            </a:lvl4pPr>
-            <a:lvl5pPr marL="1828800" indent="0">
+              <a:defRPr sz="2667"/>
+            </a:lvl6pPr>
+            <a:lvl7pPr marL="3657509" indent="0">
               <a:buNone/>
-              <a:defRPr sz="2000"/>
-            </a:lvl5pPr>
-            <a:lvl6pPr marL="2286000" indent="0">
+              <a:defRPr sz="2667"/>
+            </a:lvl7pPr>
+            <a:lvl8pPr marL="4267093" indent="0">
               <a:buNone/>
-              <a:defRPr sz="2000"/>
-            </a:lvl6pPr>
-            <a:lvl7pPr marL="2743200" indent="0">
+              <a:defRPr sz="2667"/>
+            </a:lvl8pPr>
+            <a:lvl9pPr marL="4876678" indent="0">
               <a:buNone/>
-              <a:defRPr sz="2000"/>
-            </a:lvl7pPr>
-            <a:lvl8pPr marL="3200400" indent="0">
-              <a:buNone/>
-              <a:defRPr sz="2000"/>
-            </a:lvl8pPr>
-            <a:lvl9pPr marL="3657600" indent="0">
-              <a:buNone/>
-              <a:defRPr sz="2000"/>
+              <a:defRPr sz="2667"/>
             </a:lvl9pPr>
           </a:lstStyle>
           <a:p>
@@ -5282,8 +7803,8 @@
         </p:nvSpPr>
         <p:spPr>
           <a:xfrm>
-            <a:off x="629841" y="2057400"/>
-            <a:ext cx="2949178" cy="3811588"/>
+            <a:off x="839788" y="3648551"/>
+            <a:ext cx="3932237" cy="6759393"/>
           </a:xfrm>
         </p:spPr>
         <p:txBody>
@@ -5291,39 +7812,39 @@
           <a:lstStyle>
             <a:lvl1pPr marL="0" indent="0">
               <a:buNone/>
+              <a:defRPr sz="2133"/>
+            </a:lvl1pPr>
+            <a:lvl2pPr marL="609585" indent="0">
+              <a:buNone/>
+              <a:defRPr sz="1867"/>
+            </a:lvl2pPr>
+            <a:lvl3pPr marL="1219170" indent="0">
+              <a:buNone/>
               <a:defRPr sz="1600"/>
-            </a:lvl1pPr>
-            <a:lvl2pPr marL="457200" indent="0">
+            </a:lvl3pPr>
+            <a:lvl4pPr marL="1828754" indent="0">
               <a:buNone/>
-              <a:defRPr sz="1400"/>
-            </a:lvl2pPr>
-            <a:lvl3pPr marL="914400" indent="0">
+              <a:defRPr sz="1333"/>
+            </a:lvl4pPr>
+            <a:lvl5pPr marL="2438339" indent="0">
               <a:buNone/>
-              <a:defRPr sz="1200"/>
-            </a:lvl3pPr>
-            <a:lvl4pPr marL="1371600" indent="0">
+              <a:defRPr sz="1333"/>
+            </a:lvl5pPr>
+            <a:lvl6pPr marL="3047924" indent="0">
               <a:buNone/>
-              <a:defRPr sz="1000"/>
-            </a:lvl4pPr>
-            <a:lvl5pPr marL="1828800" indent="0">
+              <a:defRPr sz="1333"/>
+            </a:lvl6pPr>
+            <a:lvl7pPr marL="3657509" indent="0">
               <a:buNone/>
-              <a:defRPr sz="1000"/>
-            </a:lvl5pPr>
-            <a:lvl6pPr marL="2286000" indent="0">
+              <a:defRPr sz="1333"/>
+            </a:lvl7pPr>
+            <a:lvl8pPr marL="4267093" indent="0">
               <a:buNone/>
-              <a:defRPr sz="1000"/>
-            </a:lvl6pPr>
-            <a:lvl7pPr marL="2743200" indent="0">
+              <a:defRPr sz="1333"/>
+            </a:lvl8pPr>
+            <a:lvl9pPr marL="4876678" indent="0">
               <a:buNone/>
-              <a:defRPr sz="1000"/>
-            </a:lvl7pPr>
-            <a:lvl8pPr marL="3200400" indent="0">
-              <a:buNone/>
-              <a:defRPr sz="1000"/>
-            </a:lvl8pPr>
-            <a:lvl9pPr marL="3657600" indent="0">
-              <a:buNone/>
-              <a:defRPr sz="1000"/>
+              <a:defRPr sz="1333"/>
             </a:lvl9pPr>
           </a:lstStyle>
           <a:p>
@@ -5352,7 +7873,7 @@
           <a:p>
             <a:fld id="{6C64C709-5F01-4917-BF91-AD93E62EBE60}" type="datetimeFigureOut">
               <a:rPr lang="en-US" smtClean="0"/>
-              <a:t>11/1/2016</a:t>
+              <a:t>11/3/2016</a:t>
             </a:fld>
             <a:endParaRPr lang="en-US"/>
           </a:p>
@@ -5403,7 +7924,7 @@
     </p:spTree>
     <p:extLst>
       <p:ext uri="{BB962C8B-B14F-4D97-AF65-F5344CB8AC3E}">
-        <p14:creationId xmlns:p14="http://schemas.microsoft.com/office/powerpoint/2010/main" val="2183875888"/>
+        <p14:creationId xmlns:p14="http://schemas.microsoft.com/office/powerpoint/2010/main" val="3616174774"/>
       </p:ext>
     </p:extLst>
   </p:cSld>
@@ -5447,8 +7968,8 @@
         </p:nvSpPr>
         <p:spPr>
           <a:xfrm>
-            <a:off x="628650" y="365126"/>
-            <a:ext cx="7886700" cy="1325563"/>
+            <a:off x="838200" y="647508"/>
+            <a:ext cx="10515600" cy="2350727"/>
           </a:xfrm>
           <a:prstGeom prst="rect">
             <a:avLst/>
@@ -5480,8 +8001,8 @@
         </p:nvSpPr>
         <p:spPr>
           <a:xfrm>
-            <a:off x="628650" y="1825625"/>
-            <a:ext cx="7886700" cy="4351338"/>
+            <a:off x="838200" y="3237527"/>
+            <a:ext cx="10515600" cy="7716574"/>
           </a:xfrm>
           <a:prstGeom prst="rect">
             <a:avLst/>
@@ -5542,8 +8063,8 @@
         </p:nvSpPr>
         <p:spPr>
           <a:xfrm>
-            <a:off x="628650" y="6356351"/>
-            <a:ext cx="2057400" cy="365125"/>
+            <a:off x="838200" y="11272225"/>
+            <a:ext cx="2743200" cy="647505"/>
           </a:xfrm>
           <a:prstGeom prst="rect">
             <a:avLst/>
@@ -5553,7 +8074,7 @@
           <a:bodyPr vert="horz" lIns="91440" tIns="45720" rIns="91440" bIns="45720" rtlCol="0" anchor="ctr"/>
           <a:lstStyle>
             <a:lvl1pPr algn="l">
-              <a:defRPr sz="1200">
+              <a:defRPr sz="1600">
                 <a:solidFill>
                   <a:schemeClr val="tx1">
                     <a:tint val="75000"/>
@@ -5565,7 +8086,7 @@
           <a:p>
             <a:fld id="{6C64C709-5F01-4917-BF91-AD93E62EBE60}" type="datetimeFigureOut">
               <a:rPr lang="en-US" smtClean="0"/>
-              <a:t>11/1/2016</a:t>
+              <a:t>11/3/2016</a:t>
             </a:fld>
             <a:endParaRPr lang="en-US"/>
           </a:p>
@@ -5583,8 +8104,8 @@
         </p:nvSpPr>
         <p:spPr>
           <a:xfrm>
-            <a:off x="3028950" y="6356351"/>
-            <a:ext cx="3086100" cy="365125"/>
+            <a:off x="4038600" y="11272225"/>
+            <a:ext cx="4114800" cy="647505"/>
           </a:xfrm>
           <a:prstGeom prst="rect">
             <a:avLst/>
@@ -5594,7 +8115,7 @@
           <a:bodyPr vert="horz" lIns="91440" tIns="45720" rIns="91440" bIns="45720" rtlCol="0" anchor="ctr"/>
           <a:lstStyle>
             <a:lvl1pPr algn="ctr">
-              <a:defRPr sz="1200">
+              <a:defRPr sz="1600">
                 <a:solidFill>
                   <a:schemeClr val="tx1">
                     <a:tint val="75000"/>
@@ -5620,8 +8141,8 @@
         </p:nvSpPr>
         <p:spPr>
           <a:xfrm>
-            <a:off x="6457950" y="6356351"/>
-            <a:ext cx="2057400" cy="365125"/>
+            <a:off x="8610600" y="11272225"/>
+            <a:ext cx="2743200" cy="647505"/>
           </a:xfrm>
           <a:prstGeom prst="rect">
             <a:avLst/>
@@ -5631,7 +8152,7 @@
           <a:bodyPr vert="horz" lIns="91440" tIns="45720" rIns="91440" bIns="45720" rtlCol="0" anchor="ctr"/>
           <a:lstStyle>
             <a:lvl1pPr algn="r">
-              <a:defRPr sz="1200">
+              <a:defRPr sz="1600">
                 <a:solidFill>
                   <a:schemeClr val="tx1">
                     <a:tint val="75000"/>
@@ -5652,27 +8173,27 @@
     </p:spTree>
     <p:extLst>
       <p:ext uri="{BB962C8B-B14F-4D97-AF65-F5344CB8AC3E}">
-        <p14:creationId xmlns:p14="http://schemas.microsoft.com/office/powerpoint/2010/main" val="706248232"/>
+        <p14:creationId xmlns:p14="http://schemas.microsoft.com/office/powerpoint/2010/main" val="1797428271"/>
       </p:ext>
     </p:extLst>
   </p:cSld>
   <p:clrMap bg1="lt1" tx1="dk1" bg2="lt2" tx2="dk2" accent1="accent1" accent2="accent2" accent3="accent3" accent4="accent4" accent5="accent5" accent6="accent6" hlink="hlink" folHlink="folHlink"/>
   <p:sldLayoutIdLst>
-    <p:sldLayoutId id="2147483661" r:id="rId1"/>
-    <p:sldLayoutId id="2147483662" r:id="rId2"/>
-    <p:sldLayoutId id="2147483663" r:id="rId3"/>
-    <p:sldLayoutId id="2147483664" r:id="rId4"/>
-    <p:sldLayoutId id="2147483665" r:id="rId5"/>
-    <p:sldLayoutId id="2147483666" r:id="rId6"/>
-    <p:sldLayoutId id="2147483667" r:id="rId7"/>
-    <p:sldLayoutId id="2147483668" r:id="rId8"/>
-    <p:sldLayoutId id="2147483669" r:id="rId9"/>
-    <p:sldLayoutId id="2147483670" r:id="rId10"/>
-    <p:sldLayoutId id="2147483671" r:id="rId11"/>
+    <p:sldLayoutId id="2147483673" r:id="rId1"/>
+    <p:sldLayoutId id="2147483674" r:id="rId2"/>
+    <p:sldLayoutId id="2147483675" r:id="rId3"/>
+    <p:sldLayoutId id="2147483676" r:id="rId4"/>
+    <p:sldLayoutId id="2147483677" r:id="rId5"/>
+    <p:sldLayoutId id="2147483678" r:id="rId6"/>
+    <p:sldLayoutId id="2147483679" r:id="rId7"/>
+    <p:sldLayoutId id="2147483680" r:id="rId8"/>
+    <p:sldLayoutId id="2147483681" r:id="rId9"/>
+    <p:sldLayoutId id="2147483682" r:id="rId10"/>
+    <p:sldLayoutId id="2147483683" r:id="rId11"/>
   </p:sldLayoutIdLst>
   <p:txStyles>
     <p:titleStyle>
-      <a:lvl1pPr algn="l" defTabSz="914400" rtl="0" eaLnBrk="1" latinLnBrk="0" hangingPunct="1">
+      <a:lvl1pPr algn="l" defTabSz="1219170" rtl="0" eaLnBrk="1" latinLnBrk="0" hangingPunct="1">
         <a:lnSpc>
           <a:spcPct val="90000"/>
         </a:lnSpc>
@@ -5680,7 +8201,7 @@
           <a:spcPct val="0"/>
         </a:spcBef>
         <a:buNone/>
-        <a:defRPr sz="4400" kern="1200">
+        <a:defRPr sz="5867" kern="1200">
           <a:solidFill>
             <a:schemeClr val="tx1"/>
           </a:solidFill>
@@ -5691,16 +8212,16 @@
       </a:lvl1pPr>
     </p:titleStyle>
     <p:bodyStyle>
-      <a:lvl1pPr marL="228600" indent="-228600" algn="l" defTabSz="914400" rtl="0" eaLnBrk="1" latinLnBrk="0" hangingPunct="1">
+      <a:lvl1pPr marL="304792" indent="-304792" algn="l" defTabSz="1219170" rtl="0" eaLnBrk="1" latinLnBrk="0" hangingPunct="1">
         <a:lnSpc>
           <a:spcPct val="90000"/>
         </a:lnSpc>
         <a:spcBef>
-          <a:spcPts val="1000"/>
+          <a:spcPts val="1333"/>
         </a:spcBef>
         <a:buFont typeface="Arial" panose="020B0604020202020204" pitchFamily="34" charset="0"/>
         <a:buChar char="•"/>
-        <a:defRPr sz="2800" kern="1200">
+        <a:defRPr sz="3733" kern="1200">
           <a:solidFill>
             <a:schemeClr val="tx1"/>
           </a:solidFill>
@@ -5709,12 +8230,48 @@
           <a:cs typeface="+mn-cs"/>
         </a:defRPr>
       </a:lvl1pPr>
-      <a:lvl2pPr marL="685800" indent="-228600" algn="l" defTabSz="914400" rtl="0" eaLnBrk="1" latinLnBrk="0" hangingPunct="1">
+      <a:lvl2pPr marL="914377" indent="-304792" algn="l" defTabSz="1219170" rtl="0" eaLnBrk="1" latinLnBrk="0" hangingPunct="1">
         <a:lnSpc>
           <a:spcPct val="90000"/>
         </a:lnSpc>
         <a:spcBef>
-          <a:spcPts val="500"/>
+          <a:spcPts val="667"/>
+        </a:spcBef>
+        <a:buFont typeface="Arial" panose="020B0604020202020204" pitchFamily="34" charset="0"/>
+        <a:buChar char="•"/>
+        <a:defRPr sz="3200" kern="1200">
+          <a:solidFill>
+            <a:schemeClr val="tx1"/>
+          </a:solidFill>
+          <a:latin typeface="+mn-lt"/>
+          <a:ea typeface="+mn-ea"/>
+          <a:cs typeface="+mn-cs"/>
+        </a:defRPr>
+      </a:lvl2pPr>
+      <a:lvl3pPr marL="1523962" indent="-304792" algn="l" defTabSz="1219170" rtl="0" eaLnBrk="1" latinLnBrk="0" hangingPunct="1">
+        <a:lnSpc>
+          <a:spcPct val="90000"/>
+        </a:lnSpc>
+        <a:spcBef>
+          <a:spcPts val="667"/>
+        </a:spcBef>
+        <a:buFont typeface="Arial" panose="020B0604020202020204" pitchFamily="34" charset="0"/>
+        <a:buChar char="•"/>
+        <a:defRPr sz="2667" kern="1200">
+          <a:solidFill>
+            <a:schemeClr val="tx1"/>
+          </a:solidFill>
+          <a:latin typeface="+mn-lt"/>
+          <a:ea typeface="+mn-ea"/>
+          <a:cs typeface="+mn-cs"/>
+        </a:defRPr>
+      </a:lvl3pPr>
+      <a:lvl4pPr marL="2133547" indent="-304792" algn="l" defTabSz="1219170" rtl="0" eaLnBrk="1" latinLnBrk="0" hangingPunct="1">
+        <a:lnSpc>
+          <a:spcPct val="90000"/>
+        </a:lnSpc>
+        <a:spcBef>
+          <a:spcPts val="667"/>
         </a:spcBef>
         <a:buFont typeface="Arial" panose="020B0604020202020204" pitchFamily="34" charset="0"/>
         <a:buChar char="•"/>
@@ -5726,53 +8283,17 @@
           <a:ea typeface="+mn-ea"/>
           <a:cs typeface="+mn-cs"/>
         </a:defRPr>
-      </a:lvl2pPr>
-      <a:lvl3pPr marL="1143000" indent="-228600" algn="l" defTabSz="914400" rtl="0" eaLnBrk="1" latinLnBrk="0" hangingPunct="1">
+      </a:lvl4pPr>
+      <a:lvl5pPr marL="2743131" indent="-304792" algn="l" defTabSz="1219170" rtl="0" eaLnBrk="1" latinLnBrk="0" hangingPunct="1">
         <a:lnSpc>
           <a:spcPct val="90000"/>
         </a:lnSpc>
         <a:spcBef>
-          <a:spcPts val="500"/>
+          <a:spcPts val="667"/>
         </a:spcBef>
         <a:buFont typeface="Arial" panose="020B0604020202020204" pitchFamily="34" charset="0"/>
         <a:buChar char="•"/>
-        <a:defRPr sz="2000" kern="1200">
-          <a:solidFill>
-            <a:schemeClr val="tx1"/>
-          </a:solidFill>
-          <a:latin typeface="+mn-lt"/>
-          <a:ea typeface="+mn-ea"/>
-          <a:cs typeface="+mn-cs"/>
-        </a:defRPr>
-      </a:lvl3pPr>
-      <a:lvl4pPr marL="1600200" indent="-228600" algn="l" defTabSz="914400" rtl="0" eaLnBrk="1" latinLnBrk="0" hangingPunct="1">
-        <a:lnSpc>
-          <a:spcPct val="90000"/>
-        </a:lnSpc>
-        <a:spcBef>
-          <a:spcPts val="500"/>
-        </a:spcBef>
-        <a:buFont typeface="Arial" panose="020B0604020202020204" pitchFamily="34" charset="0"/>
-        <a:buChar char="•"/>
-        <a:defRPr sz="1800" kern="1200">
-          <a:solidFill>
-            <a:schemeClr val="tx1"/>
-          </a:solidFill>
-          <a:latin typeface="+mn-lt"/>
-          <a:ea typeface="+mn-ea"/>
-          <a:cs typeface="+mn-cs"/>
-        </a:defRPr>
-      </a:lvl4pPr>
-      <a:lvl5pPr marL="2057400" indent="-228600" algn="l" defTabSz="914400" rtl="0" eaLnBrk="1" latinLnBrk="0" hangingPunct="1">
-        <a:lnSpc>
-          <a:spcPct val="90000"/>
-        </a:lnSpc>
-        <a:spcBef>
-          <a:spcPts val="500"/>
-        </a:spcBef>
-        <a:buFont typeface="Arial" panose="020B0604020202020204" pitchFamily="34" charset="0"/>
-        <a:buChar char="•"/>
-        <a:defRPr sz="1800" kern="1200">
+        <a:defRPr sz="2400" kern="1200">
           <a:solidFill>
             <a:schemeClr val="tx1"/>
           </a:solidFill>
@@ -5781,16 +8302,16 @@
           <a:cs typeface="+mn-cs"/>
         </a:defRPr>
       </a:lvl5pPr>
-      <a:lvl6pPr marL="2514600" indent="-228600" algn="l" defTabSz="914400" rtl="0" eaLnBrk="1" latinLnBrk="0" hangingPunct="1">
+      <a:lvl6pPr marL="3352716" indent="-304792" algn="l" defTabSz="1219170" rtl="0" eaLnBrk="1" latinLnBrk="0" hangingPunct="1">
         <a:lnSpc>
           <a:spcPct val="90000"/>
         </a:lnSpc>
         <a:spcBef>
-          <a:spcPts val="500"/>
+          <a:spcPts val="667"/>
         </a:spcBef>
         <a:buFont typeface="Arial" panose="020B0604020202020204" pitchFamily="34" charset="0"/>
         <a:buChar char="•"/>
-        <a:defRPr sz="1800" kern="1200">
+        <a:defRPr sz="2400" kern="1200">
           <a:solidFill>
             <a:schemeClr val="tx1"/>
           </a:solidFill>
@@ -5799,16 +8320,16 @@
           <a:cs typeface="+mn-cs"/>
         </a:defRPr>
       </a:lvl6pPr>
-      <a:lvl7pPr marL="2971800" indent="-228600" algn="l" defTabSz="914400" rtl="0" eaLnBrk="1" latinLnBrk="0" hangingPunct="1">
+      <a:lvl7pPr marL="3962301" indent="-304792" algn="l" defTabSz="1219170" rtl="0" eaLnBrk="1" latinLnBrk="0" hangingPunct="1">
         <a:lnSpc>
           <a:spcPct val="90000"/>
         </a:lnSpc>
         <a:spcBef>
-          <a:spcPts val="500"/>
+          <a:spcPts val="667"/>
         </a:spcBef>
         <a:buFont typeface="Arial" panose="020B0604020202020204" pitchFamily="34" charset="0"/>
         <a:buChar char="•"/>
-        <a:defRPr sz="1800" kern="1200">
+        <a:defRPr sz="2400" kern="1200">
           <a:solidFill>
             <a:schemeClr val="tx1"/>
           </a:solidFill>
@@ -5817,16 +8338,16 @@
           <a:cs typeface="+mn-cs"/>
         </a:defRPr>
       </a:lvl7pPr>
-      <a:lvl8pPr marL="3429000" indent="-228600" algn="l" defTabSz="914400" rtl="0" eaLnBrk="1" latinLnBrk="0" hangingPunct="1">
+      <a:lvl8pPr marL="4571886" indent="-304792" algn="l" defTabSz="1219170" rtl="0" eaLnBrk="1" latinLnBrk="0" hangingPunct="1">
         <a:lnSpc>
           <a:spcPct val="90000"/>
         </a:lnSpc>
         <a:spcBef>
-          <a:spcPts val="500"/>
+          <a:spcPts val="667"/>
         </a:spcBef>
         <a:buFont typeface="Arial" panose="020B0604020202020204" pitchFamily="34" charset="0"/>
         <a:buChar char="•"/>
-        <a:defRPr sz="1800" kern="1200">
+        <a:defRPr sz="2400" kern="1200">
           <a:solidFill>
             <a:schemeClr val="tx1"/>
           </a:solidFill>
@@ -5835,16 +8356,16 @@
           <a:cs typeface="+mn-cs"/>
         </a:defRPr>
       </a:lvl8pPr>
-      <a:lvl9pPr marL="3886200" indent="-228600" algn="l" defTabSz="914400" rtl="0" eaLnBrk="1" latinLnBrk="0" hangingPunct="1">
+      <a:lvl9pPr marL="5181470" indent="-304792" algn="l" defTabSz="1219170" rtl="0" eaLnBrk="1" latinLnBrk="0" hangingPunct="1">
         <a:lnSpc>
           <a:spcPct val="90000"/>
         </a:lnSpc>
         <a:spcBef>
-          <a:spcPts val="500"/>
+          <a:spcPts val="667"/>
         </a:spcBef>
         <a:buFont typeface="Arial" panose="020B0604020202020204" pitchFamily="34" charset="0"/>
         <a:buChar char="•"/>
-        <a:defRPr sz="1800" kern="1200">
+        <a:defRPr sz="2400" kern="1200">
           <a:solidFill>
             <a:schemeClr val="tx1"/>
           </a:solidFill>
@@ -5858,8 +8379,8 @@
       <a:defPPr>
         <a:defRPr lang="en-US"/>
       </a:defPPr>
-      <a:lvl1pPr marL="0" algn="l" defTabSz="914400" rtl="0" eaLnBrk="1" latinLnBrk="0" hangingPunct="1">
-        <a:defRPr sz="1800" kern="1200">
+      <a:lvl1pPr marL="0" algn="l" defTabSz="1219170" rtl="0" eaLnBrk="1" latinLnBrk="0" hangingPunct="1">
+        <a:defRPr sz="2400" kern="1200">
           <a:solidFill>
             <a:schemeClr val="tx1"/>
           </a:solidFill>
@@ -5868,8 +8389,8 @@
           <a:cs typeface="+mn-cs"/>
         </a:defRPr>
       </a:lvl1pPr>
-      <a:lvl2pPr marL="457200" algn="l" defTabSz="914400" rtl="0" eaLnBrk="1" latinLnBrk="0" hangingPunct="1">
-        <a:defRPr sz="1800" kern="1200">
+      <a:lvl2pPr marL="609585" algn="l" defTabSz="1219170" rtl="0" eaLnBrk="1" latinLnBrk="0" hangingPunct="1">
+        <a:defRPr sz="2400" kern="1200">
           <a:solidFill>
             <a:schemeClr val="tx1"/>
           </a:solidFill>
@@ -5878,8 +8399,8 @@
           <a:cs typeface="+mn-cs"/>
         </a:defRPr>
       </a:lvl2pPr>
-      <a:lvl3pPr marL="914400" algn="l" defTabSz="914400" rtl="0" eaLnBrk="1" latinLnBrk="0" hangingPunct="1">
-        <a:defRPr sz="1800" kern="1200">
+      <a:lvl3pPr marL="1219170" algn="l" defTabSz="1219170" rtl="0" eaLnBrk="1" latinLnBrk="0" hangingPunct="1">
+        <a:defRPr sz="2400" kern="1200">
           <a:solidFill>
             <a:schemeClr val="tx1"/>
           </a:solidFill>
@@ -5888,8 +8409,8 @@
           <a:cs typeface="+mn-cs"/>
         </a:defRPr>
       </a:lvl3pPr>
-      <a:lvl4pPr marL="1371600" algn="l" defTabSz="914400" rtl="0" eaLnBrk="1" latinLnBrk="0" hangingPunct="1">
-        <a:defRPr sz="1800" kern="1200">
+      <a:lvl4pPr marL="1828754" algn="l" defTabSz="1219170" rtl="0" eaLnBrk="1" latinLnBrk="0" hangingPunct="1">
+        <a:defRPr sz="2400" kern="1200">
           <a:solidFill>
             <a:schemeClr val="tx1"/>
           </a:solidFill>
@@ -5898,8 +8419,8 @@
           <a:cs typeface="+mn-cs"/>
         </a:defRPr>
       </a:lvl4pPr>
-      <a:lvl5pPr marL="1828800" algn="l" defTabSz="914400" rtl="0" eaLnBrk="1" latinLnBrk="0" hangingPunct="1">
-        <a:defRPr sz="1800" kern="1200">
+      <a:lvl5pPr marL="2438339" algn="l" defTabSz="1219170" rtl="0" eaLnBrk="1" latinLnBrk="0" hangingPunct="1">
+        <a:defRPr sz="2400" kern="1200">
           <a:solidFill>
             <a:schemeClr val="tx1"/>
           </a:solidFill>
@@ -5908,8 +8429,8 @@
           <a:cs typeface="+mn-cs"/>
         </a:defRPr>
       </a:lvl5pPr>
-      <a:lvl6pPr marL="2286000" algn="l" defTabSz="914400" rtl="0" eaLnBrk="1" latinLnBrk="0" hangingPunct="1">
-        <a:defRPr sz="1800" kern="1200">
+      <a:lvl6pPr marL="3047924" algn="l" defTabSz="1219170" rtl="0" eaLnBrk="1" latinLnBrk="0" hangingPunct="1">
+        <a:defRPr sz="2400" kern="1200">
           <a:solidFill>
             <a:schemeClr val="tx1"/>
           </a:solidFill>
@@ -5918,8 +8439,8 @@
           <a:cs typeface="+mn-cs"/>
         </a:defRPr>
       </a:lvl6pPr>
-      <a:lvl7pPr marL="2743200" algn="l" defTabSz="914400" rtl="0" eaLnBrk="1" latinLnBrk="0" hangingPunct="1">
-        <a:defRPr sz="1800" kern="1200">
+      <a:lvl7pPr marL="3657509" algn="l" defTabSz="1219170" rtl="0" eaLnBrk="1" latinLnBrk="0" hangingPunct="1">
+        <a:defRPr sz="2400" kern="1200">
           <a:solidFill>
             <a:schemeClr val="tx1"/>
           </a:solidFill>
@@ -5928,8 +8449,8 @@
           <a:cs typeface="+mn-cs"/>
         </a:defRPr>
       </a:lvl7pPr>
-      <a:lvl8pPr marL="3200400" algn="l" defTabSz="914400" rtl="0" eaLnBrk="1" latinLnBrk="0" hangingPunct="1">
-        <a:defRPr sz="1800" kern="1200">
+      <a:lvl8pPr marL="4267093" algn="l" defTabSz="1219170" rtl="0" eaLnBrk="1" latinLnBrk="0" hangingPunct="1">
+        <a:defRPr sz="2400" kern="1200">
           <a:solidFill>
             <a:schemeClr val="tx1"/>
           </a:solidFill>
@@ -5938,8 +8459,8 @@
           <a:cs typeface="+mn-cs"/>
         </a:defRPr>
       </a:lvl8pPr>
-      <a:lvl9pPr marL="3657600" algn="l" defTabSz="914400" rtl="0" eaLnBrk="1" latinLnBrk="0" hangingPunct="1">
-        <a:defRPr sz="1800" kern="1200">
+      <a:lvl9pPr marL="4876678" algn="l" defTabSz="1219170" rtl="0" eaLnBrk="1" latinLnBrk="0" hangingPunct="1">
+        <a:defRPr sz="2400" kern="1200">
           <a:solidFill>
             <a:schemeClr val="tx1"/>
           </a:solidFill>
@@ -5977,14 +8498,14 @@
           <p:nvPr>
             <p:extLst>
               <p:ext uri="{D42A27DB-BD31-4B8C-83A1-F6EECF244321}">
-                <p14:modId xmlns:p14="http://schemas.microsoft.com/office/powerpoint/2010/main" val="1717059987"/>
+                <p14:modId xmlns:p14="http://schemas.microsoft.com/office/powerpoint/2010/main" val="295363825"/>
               </p:ext>
             </p:extLst>
           </p:nvPr>
         </p:nvGraphicFramePr>
         <p:xfrm>
-          <a:off x="628649" y="482599"/>
-          <a:ext cx="8048625" cy="5927725"/>
+          <a:off x="516193" y="1932039"/>
+          <a:ext cx="11179277" cy="9660193"/>
         </p:xfrm>
         <a:graphic>
           <a:graphicData uri="http://schemas.openxmlformats.org/drawingml/2006/diagram">
@@ -5992,6 +8513,44 @@
           </a:graphicData>
         </a:graphic>
       </p:graphicFrame>
+      <p:sp>
+        <p:nvSpPr>
+          <p:cNvPr id="4" name="Rectangle 3"/>
+          <p:cNvSpPr/>
+          <p:nvPr/>
+        </p:nvSpPr>
+        <p:spPr>
+          <a:xfrm>
+            <a:off x="2853515" y="921003"/>
+            <a:ext cx="6669711" cy="646331"/>
+          </a:xfrm>
+          <a:prstGeom prst="rect">
+            <a:avLst/>
+          </a:prstGeom>
+        </p:spPr>
+        <p:txBody>
+          <a:bodyPr wrap="none">
+            <a:spAutoFit/>
+          </a:bodyPr>
+          <a:lstStyle/>
+          <a:p>
+            <a:pPr algn="ctr"/>
+            <a:r>
+              <a:rPr lang="en-US" sz="3600" dirty="0">
+                <a:ln w="0"/>
+                <a:effectLst>
+                  <a:outerShdw blurRad="38100" dist="19050" dir="2700000" algn="tl" rotWithShape="0">
+                    <a:schemeClr val="dk1">
+                      <a:alpha val="40000"/>
+                    </a:schemeClr>
+                  </a:outerShdw>
+                </a:effectLst>
+              </a:rPr>
+              <a:t>SOFTWARE ARCHITECTURE LAYERS</a:t>
+            </a:r>
+          </a:p>
+        </p:txBody>
+      </p:sp>
     </p:spTree>
     <p:extLst>
       <p:ext uri="{BB962C8B-B14F-4D97-AF65-F5344CB8AC3E}">
